--- a/Slides/ModelingComputation.pptx
+++ b/Slides/ModelingComputation.pptx
@@ -4429,12 +4429,23 @@
           </a:bodyPr>
           <a:lstStyle/>
           <a:p>
-            <a:endParaRPr lang="en-US" dirty="0"/>
-          </a:p>
-          <a:p>
             <a:r>
               <a:rPr lang="en-US" dirty="0"/>
-              <a:t>Verifying cyber-physical systems</a:t>
+              <a:t>Sayan Mitra</a:t>
+            </a:r>
+          </a:p>
+          <a:p>
+            <a:r>
+              <a:rPr lang="en-US" dirty="0"/>
+              <a:t>Verifying </a:t>
+            </a:r>
+            <a:r>
+              <a:rPr lang="en-US"/>
+              <a:t>cyberphysical</a:t>
+            </a:r>
+            <a:r>
+              <a:rPr lang="en-US" dirty="0"/>
+              <a:t> systems</a:t>
             </a:r>
           </a:p>
           <a:p>
@@ -16638,7 +16649,7 @@
               <a:t>Reading assignment: Appendix B of </a:t>
             </a:r>
             <a:r>
-              <a:rPr lang="en-US">
+              <a:rPr lang="en-US" dirty="0" err="1">
                 <a:latin typeface="+mj-lt"/>
               </a:rPr>
               <a:t>CPSBook</a:t>

--- a/Slides/ModelingComputation.pptx
+++ b/Slides/ModelingComputation.pptx
@@ -133,6 +133,11 @@
       </a:defRPr>
     </a:lvl9pPr>
   </p:defaultTextStyle>
+  <p:extLst>
+    <p:ext uri="{EFAFB233-063F-42B5-8137-9DF3F51BA10A}">
+      <p15:sldGuideLst xmlns:p15="http://schemas.microsoft.com/office/powerpoint/2012/main"/>
+    </p:ext>
+  </p:extLst>
 </p:presentation>
 </file>
 
@@ -218,7 +223,7 @@
           <a:p>
             <a:fld id="{517AFD9B-7E58-DE47-AB56-7CAF71037955}" type="datetimeFigureOut">
               <a:rPr lang="en-US" smtClean="0"/>
-              <a:t>8/9/19</a:t>
+              <a:t>8/25/19</a:t>
             </a:fld>
             <a:endParaRPr lang="en-US"/>
           </a:p>
@@ -1316,7 +1321,7 @@
           <a:p>
             <a:fld id="{7B4B8AD7-01C0-D047-9657-785F092D97E2}" type="datetimeFigureOut">
               <a:rPr lang="en-US" smtClean="0"/>
-              <a:t>8/9/19</a:t>
+              <a:t>8/25/19</a:t>
             </a:fld>
             <a:endParaRPr lang="en-US"/>
           </a:p>
@@ -1514,7 +1519,7 @@
           <a:p>
             <a:fld id="{7B4B8AD7-01C0-D047-9657-785F092D97E2}" type="datetimeFigureOut">
               <a:rPr lang="en-US" smtClean="0"/>
-              <a:t>8/9/19</a:t>
+              <a:t>8/25/19</a:t>
             </a:fld>
             <a:endParaRPr lang="en-US"/>
           </a:p>
@@ -1722,7 +1727,7 @@
           <a:p>
             <a:fld id="{7B4B8AD7-01C0-D047-9657-785F092D97E2}" type="datetimeFigureOut">
               <a:rPr lang="en-US" smtClean="0"/>
-              <a:t>8/9/19</a:t>
+              <a:t>8/25/19</a:t>
             </a:fld>
             <a:endParaRPr lang="en-US"/>
           </a:p>
@@ -1920,7 +1925,7 @@
           <a:p>
             <a:fld id="{7B4B8AD7-01C0-D047-9657-785F092D97E2}" type="datetimeFigureOut">
               <a:rPr lang="en-US" smtClean="0"/>
-              <a:t>8/9/19</a:t>
+              <a:t>8/25/19</a:t>
             </a:fld>
             <a:endParaRPr lang="en-US"/>
           </a:p>
@@ -2195,7 +2200,7 @@
           <a:p>
             <a:fld id="{7B4B8AD7-01C0-D047-9657-785F092D97E2}" type="datetimeFigureOut">
               <a:rPr lang="en-US" smtClean="0"/>
-              <a:t>8/9/19</a:t>
+              <a:t>8/25/19</a:t>
             </a:fld>
             <a:endParaRPr lang="en-US"/>
           </a:p>
@@ -2460,7 +2465,7 @@
           <a:p>
             <a:fld id="{7B4B8AD7-01C0-D047-9657-785F092D97E2}" type="datetimeFigureOut">
               <a:rPr lang="en-US" smtClean="0"/>
-              <a:t>8/9/19</a:t>
+              <a:t>8/25/19</a:t>
             </a:fld>
             <a:endParaRPr lang="en-US"/>
           </a:p>
@@ -2872,7 +2877,7 @@
           <a:p>
             <a:fld id="{7B4B8AD7-01C0-D047-9657-785F092D97E2}" type="datetimeFigureOut">
               <a:rPr lang="en-US" smtClean="0"/>
-              <a:t>8/9/19</a:t>
+              <a:t>8/25/19</a:t>
             </a:fld>
             <a:endParaRPr lang="en-US"/>
           </a:p>
@@ -3013,7 +3018,7 @@
           <a:p>
             <a:fld id="{7B4B8AD7-01C0-D047-9657-785F092D97E2}" type="datetimeFigureOut">
               <a:rPr lang="en-US" smtClean="0"/>
-              <a:t>8/9/19</a:t>
+              <a:t>8/25/19</a:t>
             </a:fld>
             <a:endParaRPr lang="en-US"/>
           </a:p>
@@ -3126,7 +3131,7 @@
           <a:p>
             <a:fld id="{7B4B8AD7-01C0-D047-9657-785F092D97E2}" type="datetimeFigureOut">
               <a:rPr lang="en-US" smtClean="0"/>
-              <a:t>8/9/19</a:t>
+              <a:t>8/25/19</a:t>
             </a:fld>
             <a:endParaRPr lang="en-US"/>
           </a:p>
@@ -3437,7 +3442,7 @@
           <a:p>
             <a:fld id="{7B4B8AD7-01C0-D047-9657-785F092D97E2}" type="datetimeFigureOut">
               <a:rPr lang="en-US" smtClean="0"/>
-              <a:t>8/9/19</a:t>
+              <a:t>8/25/19</a:t>
             </a:fld>
             <a:endParaRPr lang="en-US"/>
           </a:p>
@@ -3725,7 +3730,7 @@
           <a:p>
             <a:fld id="{7B4B8AD7-01C0-D047-9657-785F092D97E2}" type="datetimeFigureOut">
               <a:rPr lang="en-US" smtClean="0"/>
-              <a:t>8/9/19</a:t>
+              <a:t>8/25/19</a:t>
             </a:fld>
             <a:endParaRPr lang="en-US"/>
           </a:p>
@@ -3966,7 +3971,7 @@
           <a:p>
             <a:fld id="{7B4B8AD7-01C0-D047-9657-785F092D97E2}" type="datetimeFigureOut">
               <a:rPr lang="en-US" smtClean="0"/>
-              <a:t>8/9/19</a:t>
+              <a:t>8/25/19</a:t>
             </a:fld>
             <a:endParaRPr lang="en-US"/>
           </a:p>
@@ -7598,8 +7603,8 @@
           </a:p>
         </p:txBody>
       </p:sp>
-      <mc:AlternateContent xmlns:mc="http://schemas.openxmlformats.org/markup-compatibility/2006">
-        <mc:Choice xmlns:a14="http://schemas.microsoft.com/office/drawing/2010/main" Requires="a14">
+      <mc:AlternateContent xmlns:mc="http://schemas.openxmlformats.org/markup-compatibility/2006" xmlns:a14="http://schemas.microsoft.com/office/drawing/2010/main">
+        <mc:Choice Requires="a14">
           <p:sp>
             <p:nvSpPr>
               <p:cNvPr id="3" name="Content Placeholder 2"/>
@@ -7650,26 +7655,26 @@
                   <m:oMath xmlns:m="http://schemas.openxmlformats.org/officeDocument/2006/math">
                     <m:r>
                       <a:rPr lang="en-US" b="0" i="1" smtClean="0">
-                        <a:latin typeface="+mj-lt"/>
+                        <a:latin typeface="Cambria Math" panose="02040503050406030204" pitchFamily="18" charset="0"/>
                         <a:ea typeface="Cambria Math" panose="02040503050406030204" pitchFamily="18" charset="0"/>
                       </a:rPr>
                       <m:t>𝒜</m:t>
                     </m:r>
                     <m:r>
                       <a:rPr lang="en-US" b="0" i="1" smtClean="0">
-                        <a:latin typeface="+mj-lt"/>
+                        <a:latin typeface="Cambria Math" panose="02040503050406030204" pitchFamily="18" charset="0"/>
                       </a:rPr>
                       <m:t>=〈</m:t>
                     </m:r>
                     <m:r>
                       <a:rPr lang="en-US" b="0" i="1" smtClean="0">
-                        <a:latin typeface="+mj-lt"/>
+                        <a:latin typeface="Cambria Math" panose="02040503050406030204" pitchFamily="18" charset="0"/>
                       </a:rPr>
                       <m:t>𝑋</m:t>
                     </m:r>
                     <m:r>
                       <a:rPr lang="en-US" b="0" i="1" smtClean="0">
-                        <a:latin typeface="+mj-lt"/>
+                        <a:latin typeface="Cambria Math" panose="02040503050406030204" pitchFamily="18" charset="0"/>
                       </a:rPr>
                       <m:t>,</m:t>
                     </m:r>
@@ -7678,38 +7683,38 @@
                         <m:sty m:val="p"/>
                       </m:rPr>
                       <a:rPr lang="en-US" b="0" i="0" smtClean="0">
-                        <a:latin typeface="+mj-lt"/>
+                        <a:latin typeface="Cambria Math" panose="02040503050406030204" pitchFamily="18" charset="0"/>
                       </a:rPr>
                       <m:t>Θ</m:t>
                     </m:r>
                     <m:r>
                       <a:rPr lang="en-US" b="0" i="1" smtClean="0">
-                        <a:latin typeface="+mj-lt"/>
+                        <a:latin typeface="Cambria Math" panose="02040503050406030204" pitchFamily="18" charset="0"/>
                       </a:rPr>
                       <m:t>, </m:t>
                     </m:r>
                     <m:r>
                       <a:rPr lang="en-US" b="0" i="1" smtClean="0">
-                        <a:latin typeface="+mj-lt"/>
+                        <a:latin typeface="Cambria Math" panose="02040503050406030204" pitchFamily="18" charset="0"/>
                       </a:rPr>
                       <m:t>𝐴</m:t>
                     </m:r>
                     <m:r>
                       <a:rPr lang="en-US" b="0" i="1" smtClean="0">
-                        <a:latin typeface="+mj-lt"/>
+                        <a:latin typeface="Cambria Math" panose="02040503050406030204" pitchFamily="18" charset="0"/>
                       </a:rPr>
                       <m:t>, </m:t>
                     </m:r>
                     <m:r>
                       <a:rPr lang="en-US" b="0" i="1" smtClean="0">
-                        <a:latin typeface="+mj-lt"/>
+                        <a:latin typeface="Cambria Math" panose="02040503050406030204" pitchFamily="18" charset="0"/>
                         <a:ea typeface="Cambria Math" panose="02040503050406030204" pitchFamily="18" charset="0"/>
                       </a:rPr>
                       <m:t>𝒟</m:t>
                     </m:r>
                     <m:r>
                       <a:rPr lang="en-US" b="0" i="1" smtClean="0">
-                        <a:latin typeface="+mj-lt"/>
+                        <a:latin typeface="Cambria Math" panose="02040503050406030204" pitchFamily="18" charset="0"/>
                         <a:ea typeface="Cambria Math" panose="02040503050406030204" pitchFamily="18" charset="0"/>
                       </a:rPr>
                       <m:t>〉</m:t>
@@ -7728,7 +7733,7 @@
                   <m:oMath xmlns:m="http://schemas.openxmlformats.org/officeDocument/2006/math">
                     <m:r>
                       <a:rPr lang="en-US" b="0" i="1" smtClean="0">
-                        <a:latin typeface="+mj-lt"/>
+                        <a:latin typeface="Cambria Math" panose="02040503050406030204" pitchFamily="18" charset="0"/>
                       </a:rPr>
                       <m:t>𝑋</m:t>
                     </m:r>
@@ -7744,25 +7749,25 @@
                   <m:oMath xmlns:m="http://schemas.openxmlformats.org/officeDocument/2006/math">
                     <m:r>
                       <a:rPr lang="en-US" b="0" i="1" smtClean="0">
-                        <a:latin typeface="+mj-lt"/>
+                        <a:latin typeface="Cambria Math" panose="02040503050406030204" pitchFamily="18" charset="0"/>
                       </a:rPr>
                       <m:t>𝑥</m:t>
                     </m:r>
                     <m:r>
                       <a:rPr lang="en-US" b="0" i="1" smtClean="0">
-                        <a:latin typeface="+mj-lt"/>
+                        <a:latin typeface="Cambria Math" panose="02040503050406030204" pitchFamily="18" charset="0"/>
                       </a:rPr>
                       <m:t>∈</m:t>
                     </m:r>
                     <m:r>
                       <a:rPr lang="en-US" b="0" i="1" smtClean="0">
-                        <a:latin typeface="+mj-lt"/>
+                        <a:latin typeface="Cambria Math" panose="02040503050406030204" pitchFamily="18" charset="0"/>
                       </a:rPr>
                       <m:t>𝑋</m:t>
                     </m:r>
                     <m:r>
                       <a:rPr lang="en-US" b="0" i="1" smtClean="0">
-                        <a:latin typeface="+mj-lt"/>
+                        <a:latin typeface="Cambria Math" panose="02040503050406030204" pitchFamily="18" charset="0"/>
                       </a:rPr>
                       <m:t> </m:t>
                     </m:r>
@@ -7778,25 +7783,25 @@
                   <m:oMath xmlns:m="http://schemas.openxmlformats.org/officeDocument/2006/math">
                     <m:r>
                       <a:rPr lang="en-US" b="0" i="1" smtClean="0">
-                        <a:latin typeface="+mj-lt"/>
+                        <a:latin typeface="Cambria Math" panose="02040503050406030204" pitchFamily="18" charset="0"/>
                       </a:rPr>
                       <m:t>𝑡𝑦𝑝𝑒</m:t>
                     </m:r>
                     <m:r>
                       <a:rPr lang="en-US" b="0" i="1" smtClean="0">
-                        <a:latin typeface="+mj-lt"/>
+                        <a:latin typeface="Cambria Math" panose="02040503050406030204" pitchFamily="18" charset="0"/>
                       </a:rPr>
                       <m:t>(</m:t>
                     </m:r>
                     <m:r>
                       <a:rPr lang="en-US" b="0" i="1" smtClean="0">
-                        <a:latin typeface="+mj-lt"/>
+                        <a:latin typeface="Cambria Math" panose="02040503050406030204" pitchFamily="18" charset="0"/>
                       </a:rPr>
                       <m:t>𝑥</m:t>
                     </m:r>
                     <m:r>
                       <a:rPr lang="en-US" b="0" i="1" smtClean="0">
-                        <a:latin typeface="+mj-lt"/>
+                        <a:latin typeface="Cambria Math" panose="02040503050406030204" pitchFamily="18" charset="0"/>
                       </a:rPr>
                       <m:t>)</m:t>
                     </m:r>
@@ -7830,7 +7835,7 @@
                   <m:oMath xmlns:m="http://schemas.openxmlformats.org/officeDocument/2006/math">
                     <m:r>
                       <a:rPr lang="en-US" b="0" i="1" smtClean="0">
-                        <a:latin typeface="+mj-lt"/>
+                        <a:latin typeface="Cambria Math" panose="02040503050406030204" pitchFamily="18" charset="0"/>
                       </a:rPr>
                       <m:t>𝑋</m:t>
                     </m:r>
@@ -7855,7 +7860,7 @@
                   <m:oMath xmlns:m="http://schemas.openxmlformats.org/officeDocument/2006/math">
                     <m:r>
                       <a:rPr lang="en-US" b="0" i="1" smtClean="0">
-                        <a:latin typeface="+mj-lt"/>
+                        <a:latin typeface="Cambria Math" panose="02040503050406030204" pitchFamily="18" charset="0"/>
                       </a:rPr>
                       <m:t>𝑣𝑎𝑙</m:t>
                     </m:r>
@@ -7863,14 +7868,14 @@
                       <m:dPr>
                         <m:ctrlPr>
                           <a:rPr lang="en-US" b="0" i="1" smtClean="0">
-                            <a:latin typeface="+mj-lt"/>
+                            <a:latin typeface="Cambria Math" panose="02040503050406030204" pitchFamily="18" charset="0"/>
                           </a:rPr>
                         </m:ctrlPr>
                       </m:dPr>
                       <m:e>
                         <m:r>
                           <a:rPr lang="en-US" b="0" i="1" smtClean="0">
-                            <a:latin typeface="+mj-lt"/>
+                            <a:latin typeface="Cambria Math" panose="02040503050406030204" pitchFamily="18" charset="0"/>
                           </a:rPr>
                           <m:t>𝑋</m:t>
                         </m:r>
@@ -7905,37 +7910,37 @@
                         <m:sty m:val="p"/>
                       </m:rPr>
                       <a:rPr lang="en-US" b="0" i="0" smtClean="0">
-                        <a:latin typeface="+mj-lt"/>
+                        <a:latin typeface="Cambria Math" panose="02040503050406030204" pitchFamily="18" charset="0"/>
                       </a:rPr>
                       <m:t>Θ</m:t>
                     </m:r>
                     <m:r>
                       <a:rPr lang="en-US" b="0" i="1" smtClean="0">
-                        <a:latin typeface="+mj-lt"/>
+                        <a:latin typeface="Cambria Math" panose="02040503050406030204" pitchFamily="18" charset="0"/>
                       </a:rPr>
                       <m:t>⊆</m:t>
                     </m:r>
                     <m:r>
                       <a:rPr lang="en-US" b="0" i="1" smtClean="0">
-                        <a:latin typeface="+mj-lt"/>
+                        <a:latin typeface="Cambria Math" panose="02040503050406030204" pitchFamily="18" charset="0"/>
                       </a:rPr>
                       <m:t>𝑣𝑎𝑙</m:t>
                     </m:r>
                     <m:r>
                       <a:rPr lang="en-US" b="0" i="1" smtClean="0">
-                        <a:latin typeface="+mj-lt"/>
+                        <a:latin typeface="Cambria Math" panose="02040503050406030204" pitchFamily="18" charset="0"/>
                       </a:rPr>
                       <m:t>(</m:t>
                     </m:r>
                     <m:r>
                       <a:rPr lang="en-US" b="0" i="1" smtClean="0">
-                        <a:latin typeface="+mj-lt"/>
+                        <a:latin typeface="Cambria Math" panose="02040503050406030204" pitchFamily="18" charset="0"/>
                       </a:rPr>
                       <m:t>𝑋</m:t>
                     </m:r>
                     <m:r>
                       <a:rPr lang="en-US" b="0" i="1" smtClean="0">
-                        <a:latin typeface="+mj-lt"/>
+                        <a:latin typeface="Cambria Math" panose="02040503050406030204" pitchFamily="18" charset="0"/>
                       </a:rPr>
                       <m:t>)</m:t>
                     </m:r>
@@ -7971,7 +7976,7 @@
                   <m:oMath xmlns:m="http://schemas.openxmlformats.org/officeDocument/2006/math">
                     <m:r>
                       <a:rPr lang="en-US" b="0" i="1" smtClean="0">
-                        <a:latin typeface="+mj-lt"/>
+                        <a:latin typeface="Cambria Math" panose="02040503050406030204" pitchFamily="18" charset="0"/>
                       </a:rPr>
                       <m:t>𝐴</m:t>
                     </m:r>
@@ -8007,21 +8012,21 @@
                   <m:oMath xmlns:m="http://schemas.openxmlformats.org/officeDocument/2006/math">
                     <m:r>
                       <a:rPr lang="en-US" i="1" smtClean="0">
-                        <a:latin typeface="+mj-lt"/>
+                        <a:latin typeface="Cambria Math" panose="02040503050406030204" pitchFamily="18" charset="0"/>
                         <a:ea typeface="Cambria Math" panose="02040503050406030204" pitchFamily="18" charset="0"/>
                       </a:rPr>
                       <m:t>𝒟</m:t>
                     </m:r>
                     <m:r>
                       <a:rPr lang="en-US" b="0" i="1" smtClean="0">
-                        <a:latin typeface="+mj-lt"/>
+                        <a:latin typeface="Cambria Math" panose="02040503050406030204" pitchFamily="18" charset="0"/>
                         <a:ea typeface="Cambria Math" panose="02040503050406030204" pitchFamily="18" charset="0"/>
                       </a:rPr>
                       <m:t>⊆</m:t>
                     </m:r>
                     <m:r>
                       <a:rPr lang="en-US" b="0" i="1" smtClean="0">
-                        <a:latin typeface="+mj-lt"/>
+                        <a:latin typeface="Cambria Math" panose="02040503050406030204" pitchFamily="18" charset="0"/>
                         <a:ea typeface="Cambria Math" panose="02040503050406030204" pitchFamily="18" charset="0"/>
                       </a:rPr>
                       <m:t>𝑣𝑎𝑙</m:t>
@@ -8030,7 +8035,7 @@
                       <m:dPr>
                         <m:ctrlPr>
                           <a:rPr lang="en-US" b="0" i="1" smtClean="0">
-                            <a:latin typeface="+mj-lt"/>
+                            <a:latin typeface="Cambria Math" panose="02040503050406030204" pitchFamily="18" charset="0"/>
                             <a:ea typeface="Cambria Math" panose="02040503050406030204" pitchFamily="18" charset="0"/>
                           </a:rPr>
                         </m:ctrlPr>
@@ -8038,7 +8043,7 @@
                       <m:e>
                         <m:r>
                           <a:rPr lang="en-US" b="0" i="1" smtClean="0">
-                            <a:latin typeface="+mj-lt"/>
+                            <a:latin typeface="Cambria Math" panose="02040503050406030204" pitchFamily="18" charset="0"/>
                             <a:ea typeface="Cambria Math" panose="02040503050406030204" pitchFamily="18" charset="0"/>
                           </a:rPr>
                           <m:t>𝑋</m:t>
@@ -8047,28 +8052,28 @@
                     </m:d>
                     <m:r>
                       <a:rPr lang="en-US" b="0" i="1" smtClean="0">
-                        <a:latin typeface="+mj-lt"/>
+                        <a:latin typeface="Cambria Math" panose="02040503050406030204" pitchFamily="18" charset="0"/>
                         <a:ea typeface="Cambria Math" panose="02040503050406030204" pitchFamily="18" charset="0"/>
                       </a:rPr>
                       <m:t>×</m:t>
                     </m:r>
                     <m:r>
                       <a:rPr lang="en-US" b="0" i="1" smtClean="0">
-                        <a:latin typeface="+mj-lt"/>
+                        <a:latin typeface="Cambria Math" panose="02040503050406030204" pitchFamily="18" charset="0"/>
                         <a:ea typeface="Cambria Math" panose="02040503050406030204" pitchFamily="18" charset="0"/>
                       </a:rPr>
                       <m:t>𝐴</m:t>
                     </m:r>
                     <m:r>
                       <a:rPr lang="en-US" b="0" i="1" smtClean="0">
-                        <a:latin typeface="+mj-lt"/>
+                        <a:latin typeface="Cambria Math" panose="02040503050406030204" pitchFamily="18" charset="0"/>
                         <a:ea typeface="Cambria Math" panose="02040503050406030204" pitchFamily="18" charset="0"/>
                       </a:rPr>
                       <m:t>×</m:t>
                     </m:r>
                     <m:r>
                       <a:rPr lang="en-US" b="0" i="1" smtClean="0">
-                        <a:latin typeface="+mj-lt"/>
+                        <a:latin typeface="Cambria Math" panose="02040503050406030204" pitchFamily="18" charset="0"/>
                         <a:ea typeface="Cambria Math" panose="02040503050406030204" pitchFamily="18" charset="0"/>
                       </a:rPr>
                       <m:t>𝑣𝑎𝑙</m:t>
@@ -8077,7 +8082,7 @@
                       <m:dPr>
                         <m:ctrlPr>
                           <a:rPr lang="en-US" b="0" i="1" smtClean="0">
-                            <a:latin typeface="+mj-lt"/>
+                            <a:latin typeface="Cambria Math" panose="02040503050406030204" pitchFamily="18" charset="0"/>
                             <a:ea typeface="Cambria Math" panose="02040503050406030204" pitchFamily="18" charset="0"/>
                           </a:rPr>
                         </m:ctrlPr>
@@ -8085,7 +8090,7 @@
                       <m:e>
                         <m:r>
                           <a:rPr lang="en-US" b="0" i="1" smtClean="0">
-                            <a:latin typeface="+mj-lt"/>
+                            <a:latin typeface="Cambria Math" panose="02040503050406030204" pitchFamily="18" charset="0"/>
                             <a:ea typeface="Cambria Math" panose="02040503050406030204" pitchFamily="18" charset="0"/>
                           </a:rPr>
                           <m:t>𝑋</m:t>
@@ -8119,43 +8124,43 @@
                   <m:oMath xmlns:m="http://schemas.openxmlformats.org/officeDocument/2006/math">
                     <m:r>
                       <a:rPr lang="en-US" i="1" dirty="0" smtClean="0">
-                        <a:latin typeface="+mj-lt"/>
+                        <a:latin typeface="Cambria Math" panose="02040503050406030204" pitchFamily="18" charset="0"/>
                       </a:rPr>
                       <m:t>(</m:t>
                     </m:r>
                     <m:r>
                       <a:rPr lang="en-US" i="1" dirty="0" err="1" smtClean="0">
-                        <a:latin typeface="+mj-lt"/>
+                        <a:latin typeface="Cambria Math" panose="02040503050406030204" pitchFamily="18" charset="0"/>
                       </a:rPr>
                       <m:t>𝑢</m:t>
                     </m:r>
                     <m:r>
                       <a:rPr lang="en-US" i="1" dirty="0" err="1" smtClean="0">
-                        <a:latin typeface="+mj-lt"/>
+                        <a:latin typeface="Cambria Math" panose="02040503050406030204" pitchFamily="18" charset="0"/>
                       </a:rPr>
                       <m:t>,</m:t>
                     </m:r>
                     <m:r>
                       <a:rPr lang="en-US" i="1" dirty="0" err="1" smtClean="0">
-                        <a:latin typeface="+mj-lt"/>
+                        <a:latin typeface="Cambria Math" panose="02040503050406030204" pitchFamily="18" charset="0"/>
                       </a:rPr>
                       <m:t>𝑎</m:t>
                     </m:r>
                     <m:r>
                       <a:rPr lang="en-US" i="1" dirty="0" err="1" smtClean="0">
-                        <a:latin typeface="+mj-lt"/>
+                        <a:latin typeface="Cambria Math" panose="02040503050406030204" pitchFamily="18" charset="0"/>
                       </a:rPr>
                       <m:t>,</m:t>
                     </m:r>
                     <m:r>
                       <a:rPr lang="en-US" i="1" dirty="0" err="1" smtClean="0">
-                        <a:latin typeface="+mj-lt"/>
+                        <a:latin typeface="Cambria Math" panose="02040503050406030204" pitchFamily="18" charset="0"/>
                       </a:rPr>
                       <m:t>𝑢</m:t>
                     </m:r>
                     <m:r>
                       <a:rPr lang="en-US" i="1" dirty="0" smtClean="0">
-                        <a:latin typeface="+mj-lt"/>
+                        <a:latin typeface="Cambria Math" panose="02040503050406030204" pitchFamily="18" charset="0"/>
                       </a:rPr>
                       <m:t>’)</m:t>
                     </m:r>
@@ -8180,7 +8185,7 @@
                   <m:oMath xmlns:m="http://schemas.openxmlformats.org/officeDocument/2006/math">
                     <m:r>
                       <a:rPr lang="en-US" b="0" i="1" smtClean="0">
-                        <a:latin typeface="+mj-lt"/>
+                        <a:latin typeface="Cambria Math" panose="02040503050406030204" pitchFamily="18" charset="0"/>
                       </a:rPr>
                       <m:t>𝑢</m:t>
                     </m:r>
@@ -8188,14 +8193,14 @@
                       <m:sSubPr>
                         <m:ctrlPr>
                           <a:rPr lang="en-US" b="0" i="1" smtClean="0">
-                            <a:latin typeface="+mj-lt"/>
+                            <a:latin typeface="Cambria Math" panose="02040503050406030204" pitchFamily="18" charset="0"/>
                           </a:rPr>
                         </m:ctrlPr>
                       </m:sSubPr>
                       <m:e>
                         <m:r>
                           <a:rPr lang="en-US" b="0" i="1" smtClean="0">
-                            <a:latin typeface="+mj-lt"/>
+                            <a:latin typeface="Cambria Math" panose="02040503050406030204" pitchFamily="18" charset="0"/>
                           </a:rPr>
                           <m:t>→</m:t>
                         </m:r>
@@ -8203,7 +8208,7 @@
                       <m:sub>
                         <m:r>
                           <a:rPr lang="en-US" b="0" i="1" smtClean="0">
-                            <a:latin typeface="+mj-lt"/>
+                            <a:latin typeface="Cambria Math" panose="02040503050406030204" pitchFamily="18" charset="0"/>
                           </a:rPr>
                           <m:t>𝑎</m:t>
                         </m:r>
@@ -8211,13 +8216,13 @@
                     </m:sSub>
                     <m:r>
                       <a:rPr lang="en-US" b="0" i="1" smtClean="0">
-                        <a:latin typeface="+mj-lt"/>
+                        <a:latin typeface="Cambria Math" panose="02040503050406030204" pitchFamily="18" charset="0"/>
                       </a:rPr>
                       <m:t>𝑢</m:t>
                     </m:r>
                     <m:r>
                       <a:rPr lang="en-US" b="0" i="1" smtClean="0">
-                        <a:latin typeface="+mj-lt"/>
+                        <a:latin typeface="Cambria Math" panose="02040503050406030204" pitchFamily="18" charset="0"/>
                       </a:rPr>
                       <m:t>′</m:t>
                     </m:r>
@@ -8238,7 +8243,7 @@
             </p:txBody>
           </p:sp>
         </mc:Choice>
-        <mc:Fallback>
+        <mc:Fallback xmlns="">
           <p:sp>
             <p:nvSpPr>
               <p:cNvPr id="3" name="Content Placeholder 2"/>
@@ -8343,8 +8348,8 @@
           </a:p>
         </p:txBody>
       </p:sp>
-      <mc:AlternateContent xmlns:mc="http://schemas.openxmlformats.org/markup-compatibility/2006">
-        <mc:Choice xmlns:a14="http://schemas.microsoft.com/office/drawing/2010/main" Requires="a14">
+      <mc:AlternateContent xmlns:mc="http://schemas.openxmlformats.org/markup-compatibility/2006" xmlns:a14="http://schemas.microsoft.com/office/drawing/2010/main">
+        <mc:Choice Requires="a14">
           <p:sp>
             <p:nvSpPr>
               <p:cNvPr id="3" name="Content Placeholder 2"/>
@@ -8414,44 +8419,44 @@
                         <m:endChr m:val="〉"/>
                         <m:ctrlPr>
                           <a:rPr lang="en-US" sz="2400" b="0" i="1" smtClean="0">
-                            <a:latin typeface="+mj-lt"/>
+                            <a:latin typeface="Cambria Math" panose="02040503050406030204" pitchFamily="18" charset="0"/>
                           </a:rPr>
                         </m:ctrlPr>
                       </m:dPr>
                       <m:e>
                         <m:r>
                           <a:rPr lang="en-US" sz="2400" b="0" i="1" smtClean="0">
-                            <a:latin typeface="+mj-lt"/>
+                            <a:latin typeface="Cambria Math" panose="02040503050406030204" pitchFamily="18" charset="0"/>
                           </a:rPr>
                           <m:t>𝑠</m:t>
                         </m:r>
                         <m:r>
                           <a:rPr lang="en-US" sz="2400" b="0" i="1" smtClean="0">
-                            <a:latin typeface="+mj-lt"/>
+                            <a:latin typeface="Cambria Math" panose="02040503050406030204" pitchFamily="18" charset="0"/>
                           </a:rPr>
                           <m:t>↦0, </m:t>
                         </m:r>
                         <m:r>
                           <a:rPr lang="en-US" sz="2400" b="0" i="1" smtClean="0">
-                            <a:latin typeface="+mj-lt"/>
+                            <a:latin typeface="Cambria Math" panose="02040503050406030204" pitchFamily="18" charset="0"/>
                           </a:rPr>
                           <m:t>𝑣</m:t>
                         </m:r>
                         <m:r>
                           <a:rPr lang="en-US" sz="2400" b="0" i="1" smtClean="0">
-                            <a:latin typeface="+mj-lt"/>
+                            <a:latin typeface="Cambria Math" panose="02040503050406030204" pitchFamily="18" charset="0"/>
                           </a:rPr>
                           <m:t>↦5.5, </m:t>
                         </m:r>
                         <m:r>
                           <a:rPr lang="en-US" sz="2400" b="0" i="1" smtClean="0">
-                            <a:latin typeface="+mj-lt"/>
+                            <a:latin typeface="Cambria Math" panose="02040503050406030204" pitchFamily="18" charset="0"/>
                           </a:rPr>
                           <m:t>𝑎</m:t>
                         </m:r>
                         <m:r>
                           <a:rPr lang="en-US" sz="2400" b="0" i="1" smtClean="0">
-                            <a:latin typeface="+mj-lt"/>
+                            <a:latin typeface="Cambria Math" panose="02040503050406030204" pitchFamily="18" charset="0"/>
                           </a:rPr>
                           <m:t>↦0</m:t>
                         </m:r>
@@ -8472,44 +8477,44 @@
                         <m:endChr m:val="〉"/>
                         <m:ctrlPr>
                           <a:rPr lang="en-US" sz="2400" i="1">
-                            <a:latin typeface="+mj-lt"/>
+                            <a:latin typeface="Cambria Math" panose="02040503050406030204" pitchFamily="18" charset="0"/>
                           </a:rPr>
                         </m:ctrlPr>
                       </m:dPr>
                       <m:e>
                         <m:r>
                           <a:rPr lang="en-US" sz="2400" i="1">
-                            <a:latin typeface="+mj-lt"/>
+                            <a:latin typeface="Cambria Math" panose="02040503050406030204" pitchFamily="18" charset="0"/>
                           </a:rPr>
                           <m:t>𝑠</m:t>
                         </m:r>
                         <m:r>
                           <a:rPr lang="en-US" sz="2400" i="1">
-                            <a:latin typeface="+mj-lt"/>
+                            <a:latin typeface="Cambria Math" panose="02040503050406030204" pitchFamily="18" charset="0"/>
                           </a:rPr>
                           <m:t>↦10, </m:t>
                         </m:r>
                         <m:r>
                           <a:rPr lang="en-US" sz="2400" i="1">
-                            <a:latin typeface="+mj-lt"/>
+                            <a:latin typeface="Cambria Math" panose="02040503050406030204" pitchFamily="18" charset="0"/>
                           </a:rPr>
                           <m:t>𝑣</m:t>
                         </m:r>
                         <m:r>
                           <a:rPr lang="en-US" sz="2400" i="1">
-                            <a:latin typeface="+mj-lt"/>
+                            <a:latin typeface="Cambria Math" panose="02040503050406030204" pitchFamily="18" charset="0"/>
                           </a:rPr>
                           <m:t>↦−2.5, </m:t>
                         </m:r>
                         <m:r>
                           <a:rPr lang="en-US" sz="2400" i="1">
-                            <a:latin typeface="+mj-lt"/>
+                            <a:latin typeface="Cambria Math" panose="02040503050406030204" pitchFamily="18" charset="0"/>
                           </a:rPr>
                           <m:t>𝑎</m:t>
                         </m:r>
                         <m:r>
                           <a:rPr lang="en-US" sz="2400" i="1">
-                            <a:latin typeface="+mj-lt"/>
+                            <a:latin typeface="Cambria Math" panose="02040503050406030204" pitchFamily="18" charset="0"/>
                           </a:rPr>
                           <m:t>↦1</m:t>
                         </m:r>
@@ -8543,7 +8548,7 @@
                   <m:oMath xmlns:m="http://schemas.openxmlformats.org/officeDocument/2006/math">
                     <m:r>
                       <a:rPr lang="en-US" sz="2400" b="0" i="1" smtClean="0">
-                        <a:latin typeface="+mj-lt"/>
+                        <a:latin typeface="Cambria Math" panose="02040503050406030204" pitchFamily="18" charset="0"/>
                       </a:rPr>
                       <m:t>𝑣𝑎𝑙</m:t>
                     </m:r>
@@ -8551,14 +8556,14 @@
                       <m:dPr>
                         <m:ctrlPr>
                           <a:rPr lang="en-US" sz="2400" b="0" i="1" smtClean="0">
-                            <a:latin typeface="+mj-lt"/>
+                            <a:latin typeface="Cambria Math" panose="02040503050406030204" pitchFamily="18" charset="0"/>
                           </a:rPr>
                         </m:ctrlPr>
                       </m:dPr>
                       <m:e>
                         <m:r>
                           <a:rPr lang="en-US" sz="2400" b="0" i="1" smtClean="0">
-                            <a:latin typeface="+mj-lt"/>
+                            <a:latin typeface="Cambria Math" panose="02040503050406030204" pitchFamily="18" charset="0"/>
                           </a:rPr>
                           <m:t>𝑋</m:t>
                         </m:r>
@@ -8586,7 +8591,7 @@
                   <m:oMath xmlns:m="http://schemas.openxmlformats.org/officeDocument/2006/math">
                     <m:r>
                       <a:rPr lang="en-US" sz="2400" b="0" i="1" smtClean="0">
-                        <a:latin typeface="+mj-lt"/>
+                        <a:latin typeface="Cambria Math" panose="02040503050406030204" pitchFamily="18" charset="0"/>
                       </a:rPr>
                       <m:t>𝑣𝑎𝑙</m:t>
                     </m:r>
@@ -8594,14 +8599,14 @@
                       <m:dPr>
                         <m:ctrlPr>
                           <a:rPr lang="en-US" sz="2400" b="0" i="1" smtClean="0">
-                            <a:latin typeface="+mj-lt"/>
+                            <a:latin typeface="Cambria Math" panose="02040503050406030204" pitchFamily="18" charset="0"/>
                           </a:rPr>
                         </m:ctrlPr>
                       </m:dPr>
                       <m:e>
                         <m:r>
                           <a:rPr lang="en-US" sz="2400" b="0" i="1" smtClean="0">
-                            <a:latin typeface="+mj-lt"/>
+                            <a:latin typeface="Cambria Math" panose="02040503050406030204" pitchFamily="18" charset="0"/>
                           </a:rPr>
                           <m:t>𝑋</m:t>
                         </m:r>
@@ -8609,7 +8614,7 @@
                     </m:d>
                     <m:r>
                       <a:rPr lang="en-US" sz="2400" b="0" i="1" smtClean="0">
-                        <a:latin typeface="+mj-lt"/>
+                        <a:latin typeface="Cambria Math" panose="02040503050406030204" pitchFamily="18" charset="0"/>
                       </a:rPr>
                       <m:t> = </m:t>
                     </m:r>
@@ -8629,20 +8634,20 @@
                         <m:endChr m:val="〉"/>
                         <m:ctrlPr>
                           <a:rPr lang="en-US" sz="2400" b="0" i="1" dirty="0" smtClean="0">
-                            <a:latin typeface="+mj-lt"/>
+                            <a:latin typeface="Cambria Math" panose="02040503050406030204" pitchFamily="18" charset="0"/>
                           </a:rPr>
                         </m:ctrlPr>
                       </m:dPr>
                       <m:e>
                         <m:r>
                           <a:rPr lang="en-US" sz="2400" b="0" i="1" dirty="0" smtClean="0">
-                            <a:latin typeface="+mj-lt"/>
+                            <a:latin typeface="Cambria Math" panose="02040503050406030204" pitchFamily="18" charset="0"/>
                           </a:rPr>
                           <m:t>𝑠</m:t>
                         </m:r>
                         <m:r>
                           <a:rPr lang="en-US" sz="2400" b="0" i="1" dirty="0" smtClean="0">
-                            <a:latin typeface="+mj-lt"/>
+                            <a:latin typeface="Cambria Math" panose="02040503050406030204" pitchFamily="18" charset="0"/>
                           </a:rPr>
                           <m:t>↦</m:t>
                         </m:r>
@@ -8650,14 +8655,14 @@
                           <m:sSubPr>
                             <m:ctrlPr>
                               <a:rPr lang="en-US" sz="2400" b="0" i="1" dirty="0" smtClean="0">
-                                <a:latin typeface="+mj-lt"/>
+                                <a:latin typeface="Cambria Math" panose="02040503050406030204" pitchFamily="18" charset="0"/>
                               </a:rPr>
                             </m:ctrlPr>
                           </m:sSubPr>
                           <m:e>
                             <m:r>
                               <a:rPr lang="en-US" sz="2400" b="0" i="1" dirty="0" smtClean="0">
-                                <a:latin typeface="+mj-lt"/>
+                                <a:latin typeface="Cambria Math" panose="02040503050406030204" pitchFamily="18" charset="0"/>
                               </a:rPr>
                               <m:t>𝑐</m:t>
                             </m:r>
@@ -8665,7 +8670,7 @@
                           <m:sub>
                             <m:r>
                               <a:rPr lang="en-US" sz="2400" b="0" i="1" dirty="0" smtClean="0">
-                                <a:latin typeface="+mj-lt"/>
+                                <a:latin typeface="Cambria Math" panose="02040503050406030204" pitchFamily="18" charset="0"/>
                               </a:rPr>
                               <m:t>1</m:t>
                             </m:r>
@@ -8673,19 +8678,19 @@
                         </m:sSub>
                         <m:r>
                           <a:rPr lang="en-US" sz="2400" b="0" i="1" dirty="0" smtClean="0">
-                            <a:latin typeface="+mj-lt"/>
+                            <a:latin typeface="Cambria Math" panose="02040503050406030204" pitchFamily="18" charset="0"/>
                           </a:rPr>
                           <m:t>, </m:t>
                         </m:r>
                         <m:r>
                           <a:rPr lang="en-US" sz="2400" b="0" i="1" dirty="0" smtClean="0">
-                            <a:latin typeface="+mj-lt"/>
+                            <a:latin typeface="Cambria Math" panose="02040503050406030204" pitchFamily="18" charset="0"/>
                           </a:rPr>
                           <m:t>𝑣</m:t>
                         </m:r>
                         <m:r>
                           <a:rPr lang="en-US" sz="2400" b="0" i="1" dirty="0" smtClean="0">
-                            <a:latin typeface="+mj-lt"/>
+                            <a:latin typeface="Cambria Math" panose="02040503050406030204" pitchFamily="18" charset="0"/>
                           </a:rPr>
                           <m:t>↦</m:t>
                         </m:r>
@@ -8693,14 +8698,14 @@
                           <m:sSubPr>
                             <m:ctrlPr>
                               <a:rPr lang="en-US" sz="2400" b="0" i="1" dirty="0" smtClean="0">
-                                <a:latin typeface="+mj-lt"/>
+                                <a:latin typeface="Cambria Math" panose="02040503050406030204" pitchFamily="18" charset="0"/>
                               </a:rPr>
                             </m:ctrlPr>
                           </m:sSubPr>
                           <m:e>
                             <m:r>
                               <a:rPr lang="en-US" sz="2400" b="0" i="1" dirty="0" smtClean="0">
-                                <a:latin typeface="+mj-lt"/>
+                                <a:latin typeface="Cambria Math" panose="02040503050406030204" pitchFamily="18" charset="0"/>
                               </a:rPr>
                               <m:t>𝑐</m:t>
                             </m:r>
@@ -8708,7 +8713,7 @@
                           <m:sub>
                             <m:r>
                               <a:rPr lang="en-US" sz="2400" b="0" i="1" dirty="0" smtClean="0">
-                                <a:latin typeface="+mj-lt"/>
+                                <a:latin typeface="Cambria Math" panose="02040503050406030204" pitchFamily="18" charset="0"/>
                               </a:rPr>
                               <m:t>2</m:t>
                             </m:r>
@@ -8716,19 +8721,19 @@
                         </m:sSub>
                         <m:r>
                           <a:rPr lang="en-US" sz="2400" b="0" i="1" dirty="0" smtClean="0">
-                            <a:latin typeface="+mj-lt"/>
+                            <a:latin typeface="Cambria Math" panose="02040503050406030204" pitchFamily="18" charset="0"/>
                           </a:rPr>
                           <m:t>, </m:t>
                         </m:r>
                         <m:r>
                           <a:rPr lang="en-US" sz="2400" b="0" i="1" dirty="0" smtClean="0">
-                            <a:latin typeface="+mj-lt"/>
+                            <a:latin typeface="Cambria Math" panose="02040503050406030204" pitchFamily="18" charset="0"/>
                           </a:rPr>
                           <m:t>𝑎</m:t>
                         </m:r>
                         <m:r>
                           <a:rPr lang="en-US" sz="2400" b="0" i="1" dirty="0" smtClean="0">
-                            <a:latin typeface="+mj-lt"/>
+                            <a:latin typeface="Cambria Math" panose="02040503050406030204" pitchFamily="18" charset="0"/>
                           </a:rPr>
                           <m:t>↦</m:t>
                         </m:r>
@@ -8736,14 +8741,14 @@
                           <m:sSubPr>
                             <m:ctrlPr>
                               <a:rPr lang="en-US" sz="2400" b="0" i="1" dirty="0" smtClean="0">
-                                <a:latin typeface="+mj-lt"/>
+                                <a:latin typeface="Cambria Math" panose="02040503050406030204" pitchFamily="18" charset="0"/>
                               </a:rPr>
                             </m:ctrlPr>
                           </m:sSubPr>
                           <m:e>
                             <m:r>
                               <a:rPr lang="en-US" sz="2400" b="0" i="1" dirty="0" smtClean="0">
-                                <a:latin typeface="+mj-lt"/>
+                                <a:latin typeface="Cambria Math" panose="02040503050406030204" pitchFamily="18" charset="0"/>
                               </a:rPr>
                               <m:t>𝑐</m:t>
                             </m:r>
@@ -8751,7 +8756,7 @@
                           <m:sub>
                             <m:r>
                               <a:rPr lang="en-US" sz="2400" b="0" i="1" dirty="0" smtClean="0">
-                                <a:latin typeface="+mj-lt"/>
+                                <a:latin typeface="Cambria Math" panose="02040503050406030204" pitchFamily="18" charset="0"/>
                               </a:rPr>
                               <m:t>3</m:t>
                             </m:r>
@@ -8761,7 +8766,7 @@
                     </m:d>
                     <m:r>
                       <a:rPr lang="en-US" sz="2400" b="0" i="1" dirty="0" smtClean="0">
-                        <a:latin typeface="+mj-lt"/>
+                        <a:latin typeface="Cambria Math" panose="02040503050406030204" pitchFamily="18" charset="0"/>
                       </a:rPr>
                       <m:t>| </m:t>
                     </m:r>
@@ -8769,14 +8774,14 @@
                       <m:sSubPr>
                         <m:ctrlPr>
                           <a:rPr lang="en-US" sz="2400" b="0" i="1" dirty="0" smtClean="0">
-                            <a:latin typeface="+mj-lt"/>
+                            <a:latin typeface="Cambria Math" panose="02040503050406030204" pitchFamily="18" charset="0"/>
                           </a:rPr>
                         </m:ctrlPr>
                       </m:sSubPr>
                       <m:e>
                         <m:r>
                           <a:rPr lang="en-US" sz="2400" b="0" i="1" dirty="0" smtClean="0">
-                            <a:latin typeface="+mj-lt"/>
+                            <a:latin typeface="Cambria Math" panose="02040503050406030204" pitchFamily="18" charset="0"/>
                           </a:rPr>
                           <m:t>𝑐</m:t>
                         </m:r>
@@ -8784,7 +8789,7 @@
                       <m:sub>
                         <m:r>
                           <a:rPr lang="en-US" sz="2400" b="0" i="1" dirty="0" smtClean="0">
-                            <a:latin typeface="+mj-lt"/>
+                            <a:latin typeface="Cambria Math" panose="02040503050406030204" pitchFamily="18" charset="0"/>
                           </a:rPr>
                           <m:t>1</m:t>
                         </m:r>
@@ -8792,7 +8797,7 @@
                     </m:sSub>
                     <m:r>
                       <a:rPr lang="en-US" sz="2400" b="0" i="1" dirty="0" smtClean="0">
-                        <a:latin typeface="+mj-lt"/>
+                        <a:latin typeface="Cambria Math" panose="02040503050406030204" pitchFamily="18" charset="0"/>
                       </a:rPr>
                       <m:t>,</m:t>
                     </m:r>
@@ -8800,14 +8805,14 @@
                       <m:sSubPr>
                         <m:ctrlPr>
                           <a:rPr lang="en-US" sz="2400" b="0" i="1" dirty="0" smtClean="0">
-                            <a:latin typeface="+mj-lt"/>
+                            <a:latin typeface="Cambria Math" panose="02040503050406030204" pitchFamily="18" charset="0"/>
                           </a:rPr>
                         </m:ctrlPr>
                       </m:sSubPr>
                       <m:e>
                         <m:r>
                           <a:rPr lang="en-US" sz="2400" b="0" i="1" dirty="0" smtClean="0">
-                            <a:latin typeface="+mj-lt"/>
+                            <a:latin typeface="Cambria Math" panose="02040503050406030204" pitchFamily="18" charset="0"/>
                           </a:rPr>
                           <m:t>𝑐</m:t>
                         </m:r>
@@ -8815,7 +8820,7 @@
                       <m:sub>
                         <m:r>
                           <a:rPr lang="en-US" sz="2400" b="0" i="1" dirty="0" smtClean="0">
-                            <a:latin typeface="+mj-lt"/>
+                            <a:latin typeface="Cambria Math" panose="02040503050406030204" pitchFamily="18" charset="0"/>
                           </a:rPr>
                           <m:t>2</m:t>
                         </m:r>
@@ -8823,19 +8828,19 @@
                     </m:sSub>
                     <m:r>
                       <a:rPr lang="en-US" sz="2400" b="0" i="1" dirty="0" smtClean="0">
-                        <a:latin typeface="+mj-lt"/>
+                        <a:latin typeface="Cambria Math" panose="02040503050406030204" pitchFamily="18" charset="0"/>
                       </a:rPr>
                       <m:t>∈</m:t>
                     </m:r>
                     <m:r>
                       <a:rPr lang="en-US" sz="2400" b="0" i="1" dirty="0" smtClean="0">
-                        <a:latin typeface="+mj-lt"/>
+                        <a:latin typeface="Cambria Math" panose="02040503050406030204" pitchFamily="18" charset="0"/>
                       </a:rPr>
                       <m:t>𝑅</m:t>
                     </m:r>
                     <m:r>
                       <a:rPr lang="en-US" sz="2400" b="0" i="1" dirty="0" smtClean="0">
-                        <a:latin typeface="+mj-lt"/>
+                        <a:latin typeface="Cambria Math" panose="02040503050406030204" pitchFamily="18" charset="0"/>
                       </a:rPr>
                       <m:t>, </m:t>
                     </m:r>
@@ -8843,14 +8848,14 @@
                       <m:sSubPr>
                         <m:ctrlPr>
                           <a:rPr lang="en-US" sz="2400" b="0" i="1" dirty="0" smtClean="0">
-                            <a:latin typeface="+mj-lt"/>
+                            <a:latin typeface="Cambria Math" panose="02040503050406030204" pitchFamily="18" charset="0"/>
                           </a:rPr>
                         </m:ctrlPr>
                       </m:sSubPr>
                       <m:e>
                         <m:r>
                           <a:rPr lang="en-US" sz="2400" b="0" i="1" dirty="0" smtClean="0">
-                            <a:latin typeface="+mj-lt"/>
+                            <a:latin typeface="Cambria Math" panose="02040503050406030204" pitchFamily="18" charset="0"/>
                           </a:rPr>
                           <m:t>𝑐</m:t>
                         </m:r>
@@ -8858,7 +8863,7 @@
                       <m:sub>
                         <m:r>
                           <a:rPr lang="en-US" sz="2400" b="0" i="1" dirty="0" smtClean="0">
-                            <a:latin typeface="+mj-lt"/>
+                            <a:latin typeface="Cambria Math" panose="02040503050406030204" pitchFamily="18" charset="0"/>
                           </a:rPr>
                           <m:t>3</m:t>
                         </m:r>
@@ -8866,7 +8871,7 @@
                     </m:sSub>
                     <m:r>
                       <a:rPr lang="en-US" sz="2400" b="0" i="1" dirty="0" smtClean="0">
-                        <a:latin typeface="+mj-lt"/>
+                        <a:latin typeface="Cambria Math" panose="02040503050406030204" pitchFamily="18" charset="0"/>
                       </a:rPr>
                       <m:t>∈{0,1}</m:t>
                     </m:r>
@@ -8911,7 +8916,7 @@
             </p:txBody>
           </p:sp>
         </mc:Choice>
-        <mc:Fallback>
+        <mc:Fallback xmlns="">
           <p:sp>
             <p:nvSpPr>
               <p:cNvPr id="3" name="Content Placeholder 2"/>
@@ -8949,8 +8954,8 @@
           </p:sp>
         </mc:Fallback>
       </mc:AlternateContent>
-      <mc:AlternateContent xmlns:mc="http://schemas.openxmlformats.org/markup-compatibility/2006">
-        <mc:Choice xmlns:a14="http://schemas.microsoft.com/office/drawing/2010/main" Requires="a14">
+      <mc:AlternateContent xmlns:mc="http://schemas.openxmlformats.org/markup-compatibility/2006" xmlns:a14="http://schemas.microsoft.com/office/drawing/2010/main">
+        <mc:Choice Requires="a14">
           <p:sp>
             <p:nvSpPr>
               <p:cNvPr id="4" name="Rectangle 3">
@@ -9083,7 +9088,7 @@
                   <m:oMath xmlns:m="http://schemas.openxmlformats.org/officeDocument/2006/math">
                     <m:r>
                       <a:rPr lang="en-US" sz="2400" b="0" i="1" smtClean="0">
-                        <a:latin typeface="+mj-lt"/>
+                        <a:latin typeface="Cambria Math" panose="02040503050406030204" pitchFamily="18" charset="0"/>
                       </a:rPr>
                       <m:t>:</m:t>
                     </m:r>
@@ -9094,6 +9099,7 @@
                 </a:endParaRPr>
               </a:p>
               <a:p>
+                <a:pPr/>
                 <a14:m>
                   <m:oMathPara xmlns:m="http://schemas.openxmlformats.org/officeDocument/2006/math">
                     <m:oMathParaPr>
@@ -9106,20 +9112,20 @@
                           <m:endChr m:val="〉"/>
                           <m:ctrlPr>
                             <a:rPr lang="en-US" sz="2000" b="0" i="1" smtClean="0">
-                              <a:latin typeface="+mj-lt"/>
+                              <a:latin typeface="Cambria Math" panose="02040503050406030204" pitchFamily="18" charset="0"/>
                             </a:rPr>
                           </m:ctrlPr>
                         </m:dPr>
                         <m:e>
                           <m:r>
                             <a:rPr lang="en-US" sz="2000" b="0" i="1" smtClean="0">
-                              <a:latin typeface="+mj-lt"/>
+                              <a:latin typeface="Cambria Math" panose="02040503050406030204" pitchFamily="18" charset="0"/>
                             </a:rPr>
                             <m:t>𝑥</m:t>
                           </m:r>
                           <m:r>
                             <a:rPr lang="en-US" sz="2000" b="0" i="1" smtClean="0">
-                              <a:latin typeface="+mj-lt"/>
+                              <a:latin typeface="Cambria Math" panose="02040503050406030204" pitchFamily="18" charset="0"/>
                             </a:rPr>
                             <m:t>↦</m:t>
                           </m:r>
@@ -9129,14 +9135,14 @@
                               <m:endChr m:val="〉"/>
                               <m:ctrlPr>
                                 <a:rPr lang="en-US" sz="2000" b="0" i="1" smtClean="0">
-                                  <a:latin typeface="+mj-lt"/>
+                                  <a:latin typeface="Cambria Math" panose="02040503050406030204" pitchFamily="18" charset="0"/>
                                 </a:rPr>
                               </m:ctrlPr>
                             </m:dPr>
                             <m:e>
                               <m:r>
                                 <a:rPr lang="en-US" sz="2000" b="0" i="1" smtClean="0">
-                                  <a:latin typeface="+mj-lt"/>
+                                  <a:latin typeface="Cambria Math" panose="02040503050406030204" pitchFamily="18" charset="0"/>
                                 </a:rPr>
                                 <m:t>0↦0, 1↦0, 2↦0, 3↦0, 4↦0 </m:t>
                               </m:r>
@@ -9152,6 +9158,7 @@
                 </a:endParaRPr>
               </a:p>
               <a:p>
+                <a:pPr/>
                 <a14:m>
                   <m:oMathPara xmlns:m="http://schemas.openxmlformats.org/officeDocument/2006/math">
                     <m:oMathParaPr>
@@ -9160,19 +9167,19 @@
                     <m:oMath xmlns:m="http://schemas.openxmlformats.org/officeDocument/2006/math">
                       <m:r>
                         <a:rPr lang="en-US" sz="2000" i="1">
-                          <a:latin typeface="+mj-lt"/>
+                          <a:latin typeface="Cambria Math" panose="02040503050406030204" pitchFamily="18" charset="0"/>
                         </a:rPr>
                         <m:t>〈</m:t>
                       </m:r>
                       <m:r>
                         <a:rPr lang="en-US" sz="2000" i="1">
-                          <a:latin typeface="+mj-lt"/>
+                          <a:latin typeface="Cambria Math" panose="02040503050406030204" pitchFamily="18" charset="0"/>
                         </a:rPr>
                         <m:t>𝑥</m:t>
                       </m:r>
                       <m:r>
                         <a:rPr lang="en-US" sz="2000" i="1">
-                          <a:latin typeface="+mj-lt"/>
+                          <a:latin typeface="Cambria Math" panose="02040503050406030204" pitchFamily="18" charset="0"/>
                         </a:rPr>
                         <m:t>↦</m:t>
                       </m:r>
@@ -9182,26 +9189,26 @@
                           <m:endChr m:val="〉"/>
                           <m:ctrlPr>
                             <a:rPr lang="en-US" sz="2000" i="1">
-                              <a:latin typeface="+mj-lt"/>
+                              <a:latin typeface="Cambria Math" panose="02040503050406030204" pitchFamily="18" charset="0"/>
                             </a:rPr>
                           </m:ctrlPr>
                         </m:dPr>
                         <m:e>
                           <m:r>
                             <a:rPr lang="en-US" sz="2000" i="1">
-                              <a:latin typeface="+mj-lt"/>
+                              <a:latin typeface="Cambria Math" panose="02040503050406030204" pitchFamily="18" charset="0"/>
                             </a:rPr>
                             <m:t>0↦</m:t>
                           </m:r>
                           <m:r>
                             <a:rPr lang="en-US" sz="2000" b="0" i="1" smtClean="0">
-                              <a:latin typeface="+mj-lt"/>
+                              <a:latin typeface="Cambria Math" panose="02040503050406030204" pitchFamily="18" charset="0"/>
                             </a:rPr>
                             <m:t>7</m:t>
                           </m:r>
                           <m:r>
                             <a:rPr lang="en-US" sz="2000" i="1">
-                              <a:latin typeface="+mj-lt"/>
+                              <a:latin typeface="Cambria Math" panose="02040503050406030204" pitchFamily="18" charset="0"/>
                             </a:rPr>
                             <m:t>, 1↦0, 2↦0, 3↦0, 4↦0, </m:t>
                           </m:r>
@@ -9209,7 +9216,7 @@
                       </m:d>
                       <m:r>
                         <a:rPr lang="en-US" sz="2000" i="1">
-                          <a:latin typeface="+mj-lt"/>
+                          <a:latin typeface="Cambria Math" panose="02040503050406030204" pitchFamily="18" charset="0"/>
                         </a:rPr>
                         <m:t>〉</m:t>
                       </m:r>
@@ -9237,6 +9244,7 @@
                 </a:r>
               </a:p>
               <a:p>
+                <a:pPr/>
                 <a14:m>
                   <m:oMathPara xmlns:m="http://schemas.openxmlformats.org/officeDocument/2006/math">
                     <m:oMathParaPr>
@@ -9245,13 +9253,13 @@
                     <m:oMath xmlns:m="http://schemas.openxmlformats.org/officeDocument/2006/math">
                       <m:r>
                         <a:rPr lang="en-US" sz="2000" b="1" i="1" smtClean="0">
-                          <a:latin typeface="+mj-lt"/>
+                          <a:latin typeface="Cambria Math" panose="02040503050406030204" pitchFamily="18" charset="0"/>
                         </a:rPr>
                         <m:t>𝒖</m:t>
                       </m:r>
                       <m:r>
                         <a:rPr lang="en-US" sz="2000" b="0" i="1" smtClean="0">
-                          <a:latin typeface="+mj-lt"/>
+                          <a:latin typeface="Cambria Math" panose="02040503050406030204" pitchFamily="18" charset="0"/>
                         </a:rPr>
                         <m:t>=</m:t>
                       </m:r>
@@ -9261,20 +9269,20 @@
                           <m:endChr m:val="〉"/>
                           <m:ctrlPr>
                             <a:rPr lang="en-US" sz="2000" b="0" i="1" smtClean="0">
-                              <a:latin typeface="+mj-lt"/>
+                              <a:latin typeface="Cambria Math" panose="02040503050406030204" pitchFamily="18" charset="0"/>
                             </a:rPr>
                           </m:ctrlPr>
                         </m:dPr>
                         <m:e>
                           <m:r>
                             <a:rPr lang="en-US" sz="2000" b="0" i="1" smtClean="0">
-                              <a:latin typeface="+mj-lt"/>
+                              <a:latin typeface="Cambria Math" panose="02040503050406030204" pitchFamily="18" charset="0"/>
                             </a:rPr>
                             <m:t>𝑥</m:t>
                           </m:r>
                           <m:r>
                             <a:rPr lang="en-US" sz="2000" b="0" i="1" smtClean="0">
-                              <a:latin typeface="+mj-lt"/>
+                              <a:latin typeface="Cambria Math" panose="02040503050406030204" pitchFamily="18" charset="0"/>
                             </a:rPr>
                             <m:t>↦</m:t>
                           </m:r>
@@ -9284,14 +9292,14 @@
                               <m:endChr m:val="〉"/>
                               <m:ctrlPr>
                                 <a:rPr lang="en-US" sz="2000" b="0" i="1" smtClean="0">
-                                  <a:latin typeface="+mj-lt"/>
+                                  <a:latin typeface="Cambria Math" panose="02040503050406030204" pitchFamily="18" charset="0"/>
                                 </a:rPr>
                               </m:ctrlPr>
                             </m:dPr>
                             <m:e>
                               <m:r>
                                 <a:rPr lang="en-US" sz="2000" b="0" i="1" smtClean="0">
-                                  <a:latin typeface="+mj-lt"/>
+                                  <a:latin typeface="Cambria Math" panose="02040503050406030204" pitchFamily="18" charset="0"/>
                                 </a:rPr>
                                 <m:t>0↦0, 1↦0, 2↦0, 3↦0, 4↦0 </m:t>
                               </m:r>
@@ -9323,7 +9331,6 @@
                 </a:r>
               </a:p>
               <a:p>
-                <a:pPr/>
                 <a14:m>
                   <m:oMath xmlns:m="http://schemas.openxmlformats.org/officeDocument/2006/math">
                     <m:r>
@@ -9331,7 +9338,7 @@
                         <a:solidFill>
                           <a:schemeClr val="tx1"/>
                         </a:solidFill>
-                        <a:latin typeface="+mj-lt"/>
+                        <a:latin typeface="Cambria Math" panose="02040503050406030204" pitchFamily="18" charset="0"/>
                       </a:rPr>
                       <m:t>𝒖</m:t>
                     </m:r>
@@ -9340,7 +9347,7 @@
                         <a:solidFill>
                           <a:schemeClr val="tx1"/>
                         </a:solidFill>
-                        <a:latin typeface="+mj-lt"/>
+                        <a:latin typeface="Cambria Math" panose="02040503050406030204" pitchFamily="18" charset="0"/>
                       </a:rPr>
                       <m:t>⌈</m:t>
                     </m:r>
@@ -9349,7 +9356,7 @@
                         <a:solidFill>
                           <a:schemeClr val="tx1"/>
                         </a:solidFill>
-                        <a:latin typeface="+mj-lt"/>
+                        <a:latin typeface="Cambria Math" panose="02040503050406030204" pitchFamily="18" charset="0"/>
                       </a:rPr>
                       <m:t>𝑥</m:t>
                     </m:r>
@@ -9409,7 +9416,7 @@
                         <a:solidFill>
                           <a:schemeClr val="tx1"/>
                         </a:solidFill>
-                        <a:latin typeface="+mj-lt"/>
+                        <a:latin typeface="Cambria Math" panose="02040503050406030204" pitchFamily="18" charset="0"/>
                       </a:rPr>
                       <m:t>𝒖</m:t>
                     </m:r>
@@ -9418,7 +9425,7 @@
                         <a:solidFill>
                           <a:schemeClr val="tx1"/>
                         </a:solidFill>
-                        <a:latin typeface="+mj-lt"/>
+                        <a:latin typeface="Cambria Math" panose="02040503050406030204" pitchFamily="18" charset="0"/>
                       </a:rPr>
                       <m:t>⌈ </m:t>
                     </m:r>
@@ -9427,7 +9434,7 @@
                         <a:solidFill>
                           <a:schemeClr val="tx1"/>
                         </a:solidFill>
-                        <a:latin typeface="+mj-lt"/>
+                        <a:latin typeface="Cambria Math" panose="02040503050406030204" pitchFamily="18" charset="0"/>
                       </a:rPr>
                       <m:t>𝑥</m:t>
                     </m:r>
@@ -9446,7 +9453,7 @@
                   <m:oMath xmlns:m="http://schemas.openxmlformats.org/officeDocument/2006/math">
                     <m:r>
                       <a:rPr lang="en-US" sz="2000" b="0" i="1" smtClean="0">
-                        <a:latin typeface="+mj-lt"/>
+                        <a:latin typeface="Cambria Math" panose="02040503050406030204" pitchFamily="18" charset="0"/>
                       </a:rPr>
                       <m:t>⌈</m:t>
                     </m:r>
@@ -9470,7 +9477,7 @@
             </p:txBody>
           </p:sp>
         </mc:Choice>
-        <mc:Fallback>
+        <mc:Fallback xmlns="">
           <p:sp>
             <p:nvSpPr>
               <p:cNvPr id="4" name="Rectangle 3">
@@ -9574,8 +9581,8 @@
           </a:p>
         </p:txBody>
       </p:sp>
-      <mc:AlternateContent xmlns:mc="http://schemas.openxmlformats.org/markup-compatibility/2006">
-        <mc:Choice xmlns:a14="http://schemas.microsoft.com/office/drawing/2010/main" Requires="a14">
+      <mc:AlternateContent xmlns:mc="http://schemas.openxmlformats.org/markup-compatibility/2006" xmlns:a14="http://schemas.microsoft.com/office/drawing/2010/main">
+        <mc:Choice Requires="a14">
           <p:sp>
             <p:nvSpPr>
               <p:cNvPr id="3" name="Content Placeholder 2"/>
@@ -9647,7 +9654,7 @@
                             <a:solidFill>
                               <a:schemeClr val="tx1"/>
                             </a:solidFill>
-                            <a:latin typeface="+mj-lt"/>
+                            <a:latin typeface="Cambria Math" panose="02040503050406030204" pitchFamily="18" charset="0"/>
                           </a:rPr>
                         </m:ctrlPr>
                       </m:sSubPr>
@@ -9657,7 +9664,7 @@
                             <a:solidFill>
                               <a:schemeClr val="tx1"/>
                             </a:solidFill>
-                            <a:latin typeface="+mj-lt"/>
+                            <a:latin typeface="Cambria Math" panose="02040503050406030204" pitchFamily="18" charset="0"/>
                           </a:rPr>
                           <m:t>𝜙</m:t>
                         </m:r>
@@ -9668,7 +9675,7 @@
                             <a:solidFill>
                               <a:schemeClr val="tx1"/>
                             </a:solidFill>
-                            <a:latin typeface="+mj-lt"/>
+                            <a:latin typeface="Cambria Math" panose="02040503050406030204" pitchFamily="18" charset="0"/>
                           </a:rPr>
                           <m:t>1</m:t>
                         </m:r>
@@ -9695,7 +9702,7 @@
                         <a:solidFill>
                           <a:schemeClr val="tx1"/>
                         </a:solidFill>
-                        <a:latin typeface="+mj-lt"/>
+                        <a:latin typeface="Cambria Math" panose="02040503050406030204" pitchFamily="18" charset="0"/>
                       </a:rPr>
                       <m:t>x</m:t>
                     </m:r>
@@ -9708,7 +9715,7 @@
                             <a:solidFill>
                               <a:schemeClr val="tx1"/>
                             </a:solidFill>
-                            <a:latin typeface="+mj-lt"/>
+                            <a:latin typeface="Cambria Math" panose="02040503050406030204" pitchFamily="18" charset="0"/>
                           </a:rPr>
                         </m:ctrlPr>
                       </m:dPr>
@@ -9718,7 +9725,7 @@
                             <a:solidFill>
                               <a:schemeClr val="tx1"/>
                             </a:solidFill>
-                            <a:latin typeface="+mj-lt"/>
+                            <a:latin typeface="Cambria Math" panose="02040503050406030204" pitchFamily="18" charset="0"/>
                           </a:rPr>
                           <m:t>1</m:t>
                         </m:r>
@@ -9729,7 +9736,7 @@
                         <a:solidFill>
                           <a:schemeClr val="tx1"/>
                         </a:solidFill>
-                        <a:latin typeface="+mj-lt"/>
+                        <a:latin typeface="Cambria Math" panose="02040503050406030204" pitchFamily="18" charset="0"/>
                       </a:rPr>
                       <m:t>=</m:t>
                     </m:r>
@@ -9738,7 +9745,7 @@
                         <a:solidFill>
                           <a:schemeClr val="tx1"/>
                         </a:solidFill>
-                        <a:latin typeface="+mj-lt"/>
+                        <a:latin typeface="Cambria Math" panose="02040503050406030204" pitchFamily="18" charset="0"/>
                       </a:rPr>
                       <m:t>1</m:t>
                     </m:r>
@@ -9766,7 +9773,7 @@
                             <a:solidFill>
                               <a:schemeClr val="tx1"/>
                             </a:solidFill>
-                            <a:latin typeface="+mj-lt"/>
+                            <a:latin typeface="Cambria Math" panose="02040503050406030204" pitchFamily="18" charset="0"/>
                           </a:rPr>
                         </m:ctrlPr>
                       </m:sSubPr>
@@ -9776,7 +9783,7 @@
                             <a:solidFill>
                               <a:schemeClr val="tx1"/>
                             </a:solidFill>
-                            <a:latin typeface="+mj-lt"/>
+                            <a:latin typeface="Cambria Math" panose="02040503050406030204" pitchFamily="18" charset="0"/>
                           </a:rPr>
                           <m:t>𝜙</m:t>
                         </m:r>
@@ -9787,7 +9794,7 @@
                             <a:solidFill>
                               <a:schemeClr val="tx1"/>
                             </a:solidFill>
-                            <a:latin typeface="+mj-lt"/>
+                            <a:latin typeface="Cambria Math" panose="02040503050406030204" pitchFamily="18" charset="0"/>
                           </a:rPr>
                           <m:t>2</m:t>
                         </m:r>
@@ -9798,7 +9805,7 @@
                         <a:solidFill>
                           <a:schemeClr val="tx1"/>
                         </a:solidFill>
-                        <a:latin typeface="+mj-lt"/>
+                        <a:latin typeface="Cambria Math" panose="02040503050406030204" pitchFamily="18" charset="0"/>
                       </a:rPr>
                       <m:t>:</m:t>
                     </m:r>
@@ -9807,7 +9814,7 @@
                         <a:solidFill>
                           <a:schemeClr val="tx1"/>
                         </a:solidFill>
-                        <a:latin typeface="+mj-lt"/>
+                        <a:latin typeface="Cambria Math" panose="02040503050406030204" pitchFamily="18" charset="0"/>
                       </a:rPr>
                       <m:t>∀</m:t>
                     </m:r>
@@ -9816,7 +9823,7 @@
                         <a:solidFill>
                           <a:schemeClr val="tx1"/>
                         </a:solidFill>
-                        <a:latin typeface="+mj-lt"/>
+                        <a:latin typeface="Cambria Math" panose="02040503050406030204" pitchFamily="18" charset="0"/>
                       </a:rPr>
                       <m:t>𝑖</m:t>
                     </m:r>
@@ -9825,7 +9832,7 @@
                         <a:solidFill>
                           <a:schemeClr val="tx1"/>
                         </a:solidFill>
-                        <a:latin typeface="+mj-lt"/>
+                        <a:latin typeface="Cambria Math" panose="02040503050406030204" pitchFamily="18" charset="0"/>
                       </a:rPr>
                       <m:t>∈</m:t>
                     </m:r>
@@ -9834,7 +9841,7 @@
                         <a:solidFill>
                           <a:schemeClr val="tx1"/>
                         </a:solidFill>
-                        <a:latin typeface="+mj-lt"/>
+                        <a:latin typeface="Cambria Math" panose="02040503050406030204" pitchFamily="18" charset="0"/>
                       </a:rPr>
                       <m:t>𝑖𝑛𝑑𝑖𝑐𝑒𝑠</m:t>
                     </m:r>
@@ -9843,7 +9850,7 @@
                         <a:solidFill>
                           <a:schemeClr val="tx1"/>
                         </a:solidFill>
-                        <a:latin typeface="+mj-lt"/>
+                        <a:latin typeface="Cambria Math" panose="02040503050406030204" pitchFamily="18" charset="0"/>
                       </a:rPr>
                       <m:t>, </m:t>
                     </m:r>
@@ -9852,7 +9859,7 @@
                         <a:solidFill>
                           <a:schemeClr val="tx1"/>
                         </a:solidFill>
-                        <a:latin typeface="+mj-lt"/>
+                        <a:latin typeface="Cambria Math" panose="02040503050406030204" pitchFamily="18" charset="0"/>
                       </a:rPr>
                       <m:t>𝑥</m:t>
                     </m:r>
@@ -9865,7 +9872,7 @@
                             <a:solidFill>
                               <a:schemeClr val="tx1"/>
                             </a:solidFill>
-                            <a:latin typeface="+mj-lt"/>
+                            <a:latin typeface="Cambria Math" panose="02040503050406030204" pitchFamily="18" charset="0"/>
                           </a:rPr>
                         </m:ctrlPr>
                       </m:dPr>
@@ -9875,7 +9882,7 @@
                             <a:solidFill>
                               <a:schemeClr val="tx1"/>
                             </a:solidFill>
-                            <a:latin typeface="+mj-lt"/>
+                            <a:latin typeface="Cambria Math" panose="02040503050406030204" pitchFamily="18" charset="0"/>
                           </a:rPr>
                           <m:t>𝑖</m:t>
                         </m:r>
@@ -9886,7 +9893,7 @@
                         <a:solidFill>
                           <a:schemeClr val="tx1"/>
                         </a:solidFill>
-                        <a:latin typeface="+mj-lt"/>
+                        <a:latin typeface="Cambria Math" panose="02040503050406030204" pitchFamily="18" charset="0"/>
                       </a:rPr>
                       <m:t>=0</m:t>
                     </m:r>
@@ -9949,7 +9956,7 @@
                         <a:solidFill>
                           <a:schemeClr val="tx1"/>
                         </a:solidFill>
-                        <a:latin typeface="+mj-lt"/>
+                        <a:latin typeface="Cambria Math" panose="02040503050406030204" pitchFamily="18" charset="0"/>
                       </a:rPr>
                       <m:t>𝝓</m:t>
                     </m:r>
@@ -9998,7 +10005,7 @@
                         <a:solidFill>
                           <a:schemeClr val="tx1"/>
                         </a:solidFill>
-                        <a:latin typeface="+mj-lt"/>
+                        <a:latin typeface="Cambria Math" panose="02040503050406030204" pitchFamily="18" charset="0"/>
                       </a:rPr>
                       <m:t>𝜙</m:t>
                     </m:r>
@@ -10055,7 +10062,7 @@
                         <a:solidFill>
                           <a:srgbClr val="0070C0"/>
                         </a:solidFill>
-                        <a:latin typeface="+mj-lt"/>
+                        <a:latin typeface="Cambria Math" panose="02040503050406030204" pitchFamily="18" charset="0"/>
                       </a:rPr>
                       <m:t>⊨</m:t>
                     </m:r>
@@ -10064,7 +10071,7 @@
                         <a:solidFill>
                           <a:srgbClr val="0070C0"/>
                         </a:solidFill>
-                        <a:latin typeface="+mj-lt"/>
+                        <a:latin typeface="Cambria Math" panose="02040503050406030204" pitchFamily="18" charset="0"/>
                       </a:rPr>
                       <m:t>𝝓</m:t>
                     </m:r>
@@ -10263,7 +10270,7 @@
                         <a:solidFill>
                           <a:schemeClr val="tx1"/>
                         </a:solidFill>
-                        <a:latin typeface="+mj-lt"/>
+                        <a:latin typeface="Cambria Math" panose="02040503050406030204" pitchFamily="18" charset="0"/>
                       </a:rPr>
                       <m:t>𝒖</m:t>
                     </m:r>
@@ -10272,7 +10279,7 @@
                         <a:solidFill>
                           <a:schemeClr val="tx1"/>
                         </a:solidFill>
-                        <a:latin typeface="+mj-lt"/>
+                        <a:latin typeface="Cambria Math" panose="02040503050406030204" pitchFamily="18" charset="0"/>
                       </a:rPr>
                       <m:t>⊨</m:t>
                     </m:r>
@@ -10283,7 +10290,7 @@
                             <a:solidFill>
                               <a:schemeClr val="tx1"/>
                             </a:solidFill>
-                            <a:latin typeface="+mj-lt"/>
+                            <a:latin typeface="Cambria Math" panose="02040503050406030204" pitchFamily="18" charset="0"/>
                           </a:rPr>
                         </m:ctrlPr>
                       </m:sSubPr>
@@ -10293,7 +10300,7 @@
                             <a:solidFill>
                               <a:schemeClr val="tx1"/>
                             </a:solidFill>
-                            <a:latin typeface="+mj-lt"/>
+                            <a:latin typeface="Cambria Math" panose="02040503050406030204" pitchFamily="18" charset="0"/>
                           </a:rPr>
                           <m:t>𝜙</m:t>
                         </m:r>
@@ -10315,7 +10322,7 @@
                         <a:solidFill>
                           <a:schemeClr val="tx1"/>
                         </a:solidFill>
-                        <a:latin typeface="+mj-lt"/>
+                        <a:latin typeface="Cambria Math" panose="02040503050406030204" pitchFamily="18" charset="0"/>
                       </a:rPr>
                       <m:t>, </m:t>
                     </m:r>
@@ -10333,7 +10340,7 @@
                         <a:solidFill>
                           <a:schemeClr val="tx1"/>
                         </a:solidFill>
-                        <a:latin typeface="+mj-lt"/>
+                        <a:latin typeface="Cambria Math" panose="02040503050406030204" pitchFamily="18" charset="0"/>
                       </a:rPr>
                       <m:t>𝒖</m:t>
                     </m:r>
@@ -10353,7 +10360,7 @@
                             <a:solidFill>
                               <a:schemeClr val="tx1"/>
                             </a:solidFill>
-                            <a:latin typeface="+mj-lt"/>
+                            <a:latin typeface="Cambria Math" panose="02040503050406030204" pitchFamily="18" charset="0"/>
                           </a:rPr>
                         </m:ctrlPr>
                       </m:sSubPr>
@@ -10363,7 +10370,7 @@
                             <a:solidFill>
                               <a:schemeClr val="tx1"/>
                             </a:solidFill>
-                            <a:latin typeface="+mj-lt"/>
+                            <a:latin typeface="Cambria Math" panose="02040503050406030204" pitchFamily="18" charset="0"/>
                           </a:rPr>
                           <m:t>𝜙</m:t>
                         </m:r>
@@ -10407,7 +10414,7 @@
                         <a:solidFill>
                           <a:schemeClr val="tx1"/>
                         </a:solidFill>
-                        <a:latin typeface="+mj-lt"/>
+                        <a:latin typeface="Cambria Math" panose="02040503050406030204" pitchFamily="18" charset="0"/>
                       </a:rPr>
                       <m:t>𝒗</m:t>
                     </m:r>
@@ -10416,7 +10423,7 @@
                         <a:solidFill>
                           <a:schemeClr val="tx1"/>
                         </a:solidFill>
-                        <a:latin typeface="+mj-lt"/>
+                        <a:latin typeface="Cambria Math" panose="02040503050406030204" pitchFamily="18" charset="0"/>
                       </a:rPr>
                       <m:t>⊨</m:t>
                     </m:r>
@@ -10427,7 +10434,7 @@
                             <a:solidFill>
                               <a:schemeClr val="tx1"/>
                             </a:solidFill>
-                            <a:latin typeface="+mj-lt"/>
+                            <a:latin typeface="Cambria Math" panose="02040503050406030204" pitchFamily="18" charset="0"/>
                           </a:rPr>
                         </m:ctrlPr>
                       </m:sSubPr>
@@ -10437,7 +10444,7 @@
                             <a:solidFill>
                               <a:schemeClr val="tx1"/>
                             </a:solidFill>
-                            <a:latin typeface="+mj-lt"/>
+                            <a:latin typeface="Cambria Math" panose="02040503050406030204" pitchFamily="18" charset="0"/>
                           </a:rPr>
                           <m:t>𝝓</m:t>
                         </m:r>
@@ -10448,7 +10455,7 @@
                             <a:solidFill>
                               <a:schemeClr val="tx1"/>
                             </a:solidFill>
-                            <a:latin typeface="+mj-lt"/>
+                            <a:latin typeface="Cambria Math" panose="02040503050406030204" pitchFamily="18" charset="0"/>
                           </a:rPr>
                           <m:t>𝟏</m:t>
                         </m:r>
@@ -10481,7 +10488,7 @@
                         <a:solidFill>
                           <a:schemeClr val="tx1"/>
                         </a:solidFill>
-                        <a:latin typeface="+mj-lt"/>
+                        <a:latin typeface="Cambria Math" panose="02040503050406030204" pitchFamily="18" charset="0"/>
                       </a:rPr>
                       <m:t>𝒗</m:t>
                     </m:r>
@@ -10490,7 +10497,7 @@
                         <a:solidFill>
                           <a:schemeClr val="tx1"/>
                         </a:solidFill>
-                        <a:latin typeface="+mj-lt"/>
+                        <a:latin typeface="Cambria Math" panose="02040503050406030204" pitchFamily="18" charset="0"/>
                       </a:rPr>
                       <m:t> ⊭</m:t>
                     </m:r>
@@ -10501,7 +10508,7 @@
                             <a:solidFill>
                               <a:schemeClr val="tx1"/>
                             </a:solidFill>
-                            <a:latin typeface="+mj-lt"/>
+                            <a:latin typeface="Cambria Math" panose="02040503050406030204" pitchFamily="18" charset="0"/>
                             <a:ea typeface="Cambria Math" panose="02040503050406030204" pitchFamily="18" charset="0"/>
                           </a:rPr>
                         </m:ctrlPr>
@@ -10512,7 +10519,7 @@
                             <a:solidFill>
                               <a:schemeClr val="tx1"/>
                             </a:solidFill>
-                            <a:latin typeface="+mj-lt"/>
+                            <a:latin typeface="Cambria Math" panose="02040503050406030204" pitchFamily="18" charset="0"/>
                             <a:ea typeface="Cambria Math" panose="02040503050406030204" pitchFamily="18" charset="0"/>
                           </a:rPr>
                           <m:t>𝝓</m:t>
@@ -10524,7 +10531,7 @@
                             <a:solidFill>
                               <a:schemeClr val="tx1"/>
                             </a:solidFill>
-                            <a:latin typeface="+mj-lt"/>
+                            <a:latin typeface="Cambria Math" panose="02040503050406030204" pitchFamily="18" charset="0"/>
                             <a:ea typeface="Cambria Math" panose="02040503050406030204" pitchFamily="18" charset="0"/>
                           </a:rPr>
                           <m:t>𝟐</m:t>
@@ -10559,7 +10566,7 @@
                             <a:solidFill>
                               <a:schemeClr val="tx1"/>
                             </a:solidFill>
-                            <a:latin typeface="+mj-lt"/>
+                            <a:latin typeface="Cambria Math" panose="02040503050406030204" pitchFamily="18" charset="0"/>
                           </a:rPr>
                         </m:ctrlPr>
                       </m:dPr>
@@ -10573,7 +10580,7 @@
                                 <a:solidFill>
                                   <a:schemeClr val="tx1"/>
                                 </a:solidFill>
-                                <a:latin typeface="+mj-lt"/>
+                                <a:latin typeface="Cambria Math" panose="02040503050406030204" pitchFamily="18" charset="0"/>
                               </a:rPr>
                             </m:ctrlPr>
                           </m:dPr>
@@ -10583,7 +10590,7 @@
                                 <a:solidFill>
                                   <a:schemeClr val="tx1"/>
                                 </a:solidFill>
-                                <a:latin typeface="+mj-lt"/>
+                                <a:latin typeface="Cambria Math" panose="02040503050406030204" pitchFamily="18" charset="0"/>
                               </a:rPr>
                               <m:t>𝝓</m:t>
                             </m:r>
@@ -10644,7 +10651,7 @@
                         <m:begChr m:val="["/>
                         <m:endChr m:val="]"/>
                         <m:ctrlPr>
-                          <a:rPr lang="en-US" sz="2000" b="0" i="0" smtClean="0">
+                          <a:rPr lang="en-US" sz="2000" b="0" i="1" smtClean="0">
                             <a:solidFill>
                               <a:schemeClr val="tx1"/>
                             </a:solidFill>
@@ -10662,7 +10669,7 @@
                                 <a:solidFill>
                                   <a:schemeClr val="tx1"/>
                                 </a:solidFill>
-                                <a:latin typeface="+mj-lt"/>
+                                <a:latin typeface="Cambria Math" panose="02040503050406030204" pitchFamily="18" charset="0"/>
                               </a:rPr>
                             </m:ctrlPr>
                           </m:dPr>
@@ -10674,7 +10681,7 @@
                                     <a:solidFill>
                                       <a:schemeClr val="tx1"/>
                                     </a:solidFill>
-                                    <a:latin typeface="+mj-lt"/>
+                                    <a:latin typeface="Cambria Math" panose="02040503050406030204" pitchFamily="18" charset="0"/>
                                   </a:rPr>
                                 </m:ctrlPr>
                               </m:sSubPr>
@@ -10684,7 +10691,7 @@
                                     <a:solidFill>
                                       <a:schemeClr val="tx1"/>
                                     </a:solidFill>
-                                    <a:latin typeface="+mj-lt"/>
+                                    <a:latin typeface="Cambria Math" panose="02040503050406030204" pitchFamily="18" charset="0"/>
                                   </a:rPr>
                                   <m:t>𝜙</m:t>
                                 </m:r>
@@ -10695,7 +10702,7 @@
                                     <a:solidFill>
                                       <a:schemeClr val="tx1"/>
                                     </a:solidFill>
-                                    <a:latin typeface="+mj-lt"/>
+                                    <a:latin typeface="Cambria Math" panose="02040503050406030204" pitchFamily="18" charset="0"/>
                                   </a:rPr>
                                   <m:t>1</m:t>
                                 </m:r>
@@ -10710,7 +10717,7 @@
                         <a:solidFill>
                           <a:schemeClr val="tx1"/>
                         </a:solidFill>
-                        <a:latin typeface="+mj-lt"/>
+                        <a:latin typeface="Cambria Math" panose="02040503050406030204" pitchFamily="18" charset="0"/>
                       </a:rPr>
                       <m:t>= </m:t>
                     </m:r>
@@ -10723,7 +10730,7 @@
                             <a:solidFill>
                               <a:schemeClr val="tx1"/>
                             </a:solidFill>
-                            <a:latin typeface="+mj-lt"/>
+                            <a:latin typeface="Cambria Math" panose="02040503050406030204" pitchFamily="18" charset="0"/>
                           </a:rPr>
                         </m:ctrlPr>
                       </m:dPr>
@@ -10737,7 +10744,7 @@
                                 <a:solidFill>
                                   <a:schemeClr val="tx1"/>
                                 </a:solidFill>
-                                <a:latin typeface="+mj-lt"/>
+                                <a:latin typeface="Cambria Math" panose="02040503050406030204" pitchFamily="18" charset="0"/>
                               </a:rPr>
                             </m:ctrlPr>
                           </m:dPr>
@@ -10747,7 +10754,7 @@
                                 <a:solidFill>
                                   <a:schemeClr val="tx1"/>
                                 </a:solidFill>
-                                <a:latin typeface="+mj-lt"/>
+                                <a:latin typeface="Cambria Math" panose="02040503050406030204" pitchFamily="18" charset="0"/>
                               </a:rPr>
                               <m:t>𝑥</m:t>
                             </m:r>
@@ -10756,7 +10763,7 @@
                                 <a:solidFill>
                                   <a:schemeClr val="tx1"/>
                                 </a:solidFill>
-                                <a:latin typeface="+mj-lt"/>
+                                <a:latin typeface="Cambria Math" panose="02040503050406030204" pitchFamily="18" charset="0"/>
                               </a:rPr>
                               <m:t>↦</m:t>
                             </m:r>
@@ -10767,7 +10774,7 @@
                                     <a:solidFill>
                                       <a:schemeClr val="tx1"/>
                                     </a:solidFill>
-                                    <a:latin typeface="+mj-lt"/>
+                                    <a:latin typeface="Cambria Math" panose="02040503050406030204" pitchFamily="18" charset="0"/>
                                   </a:rPr>
                                 </m:ctrlPr>
                               </m:sSubPr>
@@ -10781,7 +10788,7 @@
                                         <a:solidFill>
                                           <a:schemeClr val="tx1"/>
                                         </a:solidFill>
-                                        <a:latin typeface="+mj-lt"/>
+                                        <a:latin typeface="Cambria Math" panose="02040503050406030204" pitchFamily="18" charset="0"/>
                                       </a:rPr>
                                     </m:ctrlPr>
                                   </m:dPr>
@@ -10791,7 +10798,7 @@
                                         <a:solidFill>
                                           <a:schemeClr val="tx1"/>
                                         </a:solidFill>
-                                        <a:latin typeface="+mj-lt"/>
+                                        <a:latin typeface="Cambria Math" panose="02040503050406030204" pitchFamily="18" charset="0"/>
                                       </a:rPr>
                                       <m:t>1↦0, </m:t>
                                     </m:r>
@@ -10800,7 +10807,7 @@
                                         <a:solidFill>
                                           <a:schemeClr val="tx1"/>
                                         </a:solidFill>
-                                        <a:latin typeface="+mj-lt"/>
+                                        <a:latin typeface="Cambria Math" panose="02040503050406030204" pitchFamily="18" charset="0"/>
                                       </a:rPr>
                                       <m:t>𝑖</m:t>
                                     </m:r>
@@ -10809,7 +10816,7 @@
                                         <a:solidFill>
                                           <a:schemeClr val="tx1"/>
                                         </a:solidFill>
-                                        <a:latin typeface="+mj-lt"/>
+                                        <a:latin typeface="Cambria Math" panose="02040503050406030204" pitchFamily="18" charset="0"/>
                                       </a:rPr>
                                       <m:t>↦</m:t>
                                     </m:r>
@@ -10820,7 +10827,7 @@
                                             <a:solidFill>
                                               <a:schemeClr val="tx1"/>
                                             </a:solidFill>
-                                            <a:latin typeface="+mj-lt"/>
+                                            <a:latin typeface="Cambria Math" panose="02040503050406030204" pitchFamily="18" charset="0"/>
                                           </a:rPr>
                                         </m:ctrlPr>
                                       </m:sSubPr>
@@ -10830,7 +10837,7 @@
                                             <a:solidFill>
                                               <a:schemeClr val="tx1"/>
                                             </a:solidFill>
-                                            <a:latin typeface="+mj-lt"/>
+                                            <a:latin typeface="Cambria Math" panose="02040503050406030204" pitchFamily="18" charset="0"/>
                                           </a:rPr>
                                           <m:t>𝑐</m:t>
                                         </m:r>
@@ -10841,7 +10848,7 @@
                                             <a:solidFill>
                                               <a:schemeClr val="tx1"/>
                                             </a:solidFill>
-                                            <a:latin typeface="+mj-lt"/>
+                                            <a:latin typeface="Cambria Math" panose="02040503050406030204" pitchFamily="18" charset="0"/>
                                           </a:rPr>
                                           <m:t>𝑖</m:t>
                                         </m:r>
@@ -10860,7 +10867,7 @@
                                         <a:solidFill>
                                           <a:schemeClr val="tx1"/>
                                         </a:solidFill>
-                                        <a:latin typeface="+mj-lt"/>
+                                        <a:latin typeface="Cambria Math" panose="02040503050406030204" pitchFamily="18" charset="0"/>
                                       </a:rPr>
                                     </m:ctrlPr>
                                   </m:dPr>
@@ -10870,7 +10877,7 @@
                                         <a:solidFill>
                                           <a:schemeClr val="tx1"/>
                                         </a:solidFill>
-                                        <a:latin typeface="+mj-lt"/>
+                                        <a:latin typeface="Cambria Math" panose="02040503050406030204" pitchFamily="18" charset="0"/>
                                       </a:rPr>
                                       <m:t>𝑖</m:t>
                                     </m:r>
@@ -10879,7 +10886,7 @@
                                         <a:solidFill>
                                           <a:schemeClr val="tx1"/>
                                         </a:solidFill>
-                                        <a:latin typeface="+mj-lt"/>
+                                        <a:latin typeface="Cambria Math" panose="02040503050406030204" pitchFamily="18" charset="0"/>
                                       </a:rPr>
                                       <m:t>=0,2,…,5</m:t>
                                     </m:r>
@@ -10898,7 +10905,7 @@
                             <a:solidFill>
                               <a:schemeClr val="tx1"/>
                             </a:solidFill>
-                            <a:latin typeface="+mj-lt"/>
+                            <a:latin typeface="Cambria Math" panose="02040503050406030204" pitchFamily="18" charset="0"/>
                           </a:rPr>
                         </m:ctrlPr>
                       </m:sSubPr>
@@ -10908,7 +10915,7 @@
                             <a:solidFill>
                               <a:schemeClr val="tx1"/>
                             </a:solidFill>
-                            <a:latin typeface="+mj-lt"/>
+                            <a:latin typeface="Cambria Math" panose="02040503050406030204" pitchFamily="18" charset="0"/>
                           </a:rPr>
                           <m:t>𝑐</m:t>
                         </m:r>
@@ -10919,7 +10926,7 @@
                             <a:solidFill>
                               <a:schemeClr val="tx1"/>
                             </a:solidFill>
-                            <a:latin typeface="+mj-lt"/>
+                            <a:latin typeface="Cambria Math" panose="02040503050406030204" pitchFamily="18" charset="0"/>
                           </a:rPr>
                           <m:t>𝑖</m:t>
                         </m:r>
@@ -10930,7 +10937,7 @@
                         <a:solidFill>
                           <a:schemeClr val="tx1"/>
                         </a:solidFill>
-                        <a:latin typeface="+mj-lt"/>
+                        <a:latin typeface="Cambria Math" panose="02040503050406030204" pitchFamily="18" charset="0"/>
                       </a:rPr>
                       <m:t>∈</m:t>
                     </m:r>
@@ -10953,7 +10960,7 @@
                             <a:solidFill>
                               <a:schemeClr val="tx1"/>
                             </a:solidFill>
-                            <a:latin typeface="+mj-lt"/>
+                            <a:latin typeface="Cambria Math" panose="02040503050406030204" pitchFamily="18" charset="0"/>
                           </a:rPr>
                           <m:t>0,…,7</m:t>
                         </m:r>
@@ -10985,7 +10992,7 @@
                             <a:solidFill>
                               <a:schemeClr val="tx1"/>
                             </a:solidFill>
-                            <a:latin typeface="+mj-lt"/>
+                            <a:latin typeface="Cambria Math" panose="02040503050406030204" pitchFamily="18" charset="0"/>
                           </a:rPr>
                         </m:ctrlPr>
                       </m:dPr>
@@ -10999,7 +11006,7 @@
                                 <a:solidFill>
                                   <a:schemeClr val="tx1"/>
                                 </a:solidFill>
-                                <a:latin typeface="+mj-lt"/>
+                                <a:latin typeface="Cambria Math" panose="02040503050406030204" pitchFamily="18" charset="0"/>
                               </a:rPr>
                             </m:ctrlPr>
                           </m:dPr>
@@ -11011,7 +11018,7 @@
                                     <a:solidFill>
                                       <a:schemeClr val="tx1"/>
                                     </a:solidFill>
-                                    <a:latin typeface="+mj-lt"/>
+                                    <a:latin typeface="Cambria Math" panose="02040503050406030204" pitchFamily="18" charset="0"/>
                                   </a:rPr>
                                 </m:ctrlPr>
                               </m:sSubPr>
@@ -11021,7 +11028,7 @@
                                     <a:solidFill>
                                       <a:schemeClr val="tx1"/>
                                     </a:solidFill>
-                                    <a:latin typeface="+mj-lt"/>
+                                    <a:latin typeface="Cambria Math" panose="02040503050406030204" pitchFamily="18" charset="0"/>
                                   </a:rPr>
                                   <m:t>𝜙</m:t>
                                 </m:r>
@@ -11032,7 +11039,7 @@
                                     <a:solidFill>
                                       <a:schemeClr val="tx1"/>
                                     </a:solidFill>
-                                    <a:latin typeface="+mj-lt"/>
+                                    <a:latin typeface="Cambria Math" panose="02040503050406030204" pitchFamily="18" charset="0"/>
                                   </a:rPr>
                                   <m:t>2</m:t>
                                 </m:r>
@@ -11047,7 +11054,7 @@
                         <a:solidFill>
                           <a:schemeClr val="tx1"/>
                         </a:solidFill>
-                        <a:latin typeface="+mj-lt"/>
+                        <a:latin typeface="Cambria Math" panose="02040503050406030204" pitchFamily="18" charset="0"/>
                       </a:rPr>
                       <m:t>={</m:t>
                     </m:r>
@@ -11056,7 +11063,7 @@
                         <a:solidFill>
                           <a:schemeClr val="tx1"/>
                         </a:solidFill>
-                        <a:latin typeface="+mj-lt"/>
+                        <a:latin typeface="Cambria Math" panose="02040503050406030204" pitchFamily="18" charset="0"/>
                       </a:rPr>
                       <m:t>〈</m:t>
                     </m:r>
@@ -11065,7 +11072,7 @@
                         <a:solidFill>
                           <a:schemeClr val="tx1"/>
                         </a:solidFill>
-                        <a:latin typeface="+mj-lt"/>
+                        <a:latin typeface="Cambria Math" panose="02040503050406030204" pitchFamily="18" charset="0"/>
                       </a:rPr>
                       <m:t>𝑥</m:t>
                     </m:r>
@@ -11074,7 +11081,7 @@
                         <a:solidFill>
                           <a:schemeClr val="tx1"/>
                         </a:solidFill>
-                        <a:latin typeface="+mj-lt"/>
+                        <a:latin typeface="Cambria Math" panose="02040503050406030204" pitchFamily="18" charset="0"/>
                       </a:rPr>
                       <m:t>↦</m:t>
                     </m:r>
@@ -11087,7 +11094,7 @@
                             <a:solidFill>
                               <a:schemeClr val="tx1"/>
                             </a:solidFill>
-                            <a:latin typeface="+mj-lt"/>
+                            <a:latin typeface="Cambria Math" panose="02040503050406030204" pitchFamily="18" charset="0"/>
                           </a:rPr>
                         </m:ctrlPr>
                       </m:dPr>
@@ -11097,7 +11104,7 @@
                             <a:solidFill>
                               <a:schemeClr val="tx1"/>
                             </a:solidFill>
-                            <a:latin typeface="+mj-lt"/>
+                            <a:latin typeface="Cambria Math" panose="02040503050406030204" pitchFamily="18" charset="0"/>
                           </a:rPr>
                           <m:t>0↦0, 1↦0, 2↦0, 3↦0, 4↦0, 5↦0 </m:t>
                         </m:r>
@@ -11108,7 +11115,7 @@
                         <a:solidFill>
                           <a:schemeClr val="tx1"/>
                         </a:solidFill>
-                        <a:latin typeface="+mj-lt"/>
+                        <a:latin typeface="Cambria Math" panose="02040503050406030204" pitchFamily="18" charset="0"/>
                       </a:rPr>
                       <m:t>〉</m:t>
                     </m:r>
@@ -11117,7 +11124,7 @@
                         <a:solidFill>
                           <a:schemeClr val="tx1"/>
                         </a:solidFill>
-                        <a:latin typeface="+mj-lt"/>
+                        <a:latin typeface="Cambria Math" panose="02040503050406030204" pitchFamily="18" charset="0"/>
                       </a:rPr>
                       <m:t>}</m:t>
                     </m:r>
@@ -11146,7 +11153,7 @@
                         <a:solidFill>
                           <a:schemeClr val="tx1"/>
                         </a:solidFill>
-                        <a:latin typeface="+mj-lt"/>
+                        <a:latin typeface="Cambria Math" panose="02040503050406030204" pitchFamily="18" charset="0"/>
                       </a:rPr>
                       <m:t>Θ</m:t>
                     </m:r>
@@ -11155,7 +11162,7 @@
                         <a:solidFill>
                           <a:schemeClr val="tx1"/>
                         </a:solidFill>
-                        <a:latin typeface="+mj-lt"/>
+                        <a:latin typeface="Cambria Math" panose="02040503050406030204" pitchFamily="18" charset="0"/>
                       </a:rPr>
                       <m:t>⊆</m:t>
                     </m:r>
@@ -11164,7 +11171,7 @@
                         <a:solidFill>
                           <a:schemeClr val="tx1"/>
                         </a:solidFill>
-                        <a:latin typeface="+mj-lt"/>
+                        <a:latin typeface="Cambria Math" panose="02040503050406030204" pitchFamily="18" charset="0"/>
                       </a:rPr>
                       <m:t>𝑣𝑎𝑙</m:t>
                     </m:r>
@@ -11173,7 +11180,7 @@
                         <a:solidFill>
                           <a:schemeClr val="tx1"/>
                         </a:solidFill>
-                        <a:latin typeface="+mj-lt"/>
+                        <a:latin typeface="Cambria Math" panose="02040503050406030204" pitchFamily="18" charset="0"/>
                       </a:rPr>
                       <m:t>(</m:t>
                     </m:r>
@@ -11182,7 +11189,7 @@
                         <a:solidFill>
                           <a:schemeClr val="tx1"/>
                         </a:solidFill>
-                        <a:latin typeface="+mj-lt"/>
+                        <a:latin typeface="Cambria Math" panose="02040503050406030204" pitchFamily="18" charset="0"/>
                       </a:rPr>
                       <m:t>𝑥</m:t>
                     </m:r>
@@ -11191,7 +11198,7 @@
                         <a:solidFill>
                           <a:schemeClr val="tx1"/>
                         </a:solidFill>
-                        <a:latin typeface="+mj-lt"/>
+                        <a:latin typeface="Cambria Math" panose="02040503050406030204" pitchFamily="18" charset="0"/>
                       </a:rPr>
                       <m:t>)</m:t>
                     </m:r>
@@ -11243,7 +11250,7 @@
             </p:txBody>
           </p:sp>
         </mc:Choice>
-        <mc:Fallback>
+        <mc:Fallback xmlns="">
           <p:sp>
             <p:nvSpPr>
               <p:cNvPr id="3" name="Content Placeholder 2"/>
@@ -11333,8 +11340,8 @@
           </a:p>
         </p:txBody>
       </p:sp>
-      <mc:AlternateContent xmlns:mc="http://schemas.openxmlformats.org/markup-compatibility/2006">
-        <mc:Choice xmlns:a14="http://schemas.microsoft.com/office/drawing/2010/main" Requires="a14">
+      <mc:AlternateContent xmlns:mc="http://schemas.openxmlformats.org/markup-compatibility/2006" xmlns:a14="http://schemas.microsoft.com/office/drawing/2010/main">
+        <mc:Choice Requires="a14">
           <p:sp>
             <p:nvSpPr>
               <p:cNvPr id="3" name="Content Placeholder 2"/>
@@ -11432,7 +11439,7 @@
                   <m:oMath xmlns:m="http://schemas.openxmlformats.org/officeDocument/2006/math">
                     <m:r>
                       <a:rPr lang="en-US" sz="3200" b="0" i="1" smtClean="0">
-                        <a:latin typeface="+mj-lt"/>
+                        <a:latin typeface="Cambria Math" panose="02040503050406030204" pitchFamily="18" charset="0"/>
                       </a:rPr>
                       <m:t>𝐴</m:t>
                     </m:r>
@@ -11448,13 +11455,13 @@
                   <m:oMath xmlns:m="http://schemas.openxmlformats.org/officeDocument/2006/math">
                     <m:r>
                       <a:rPr lang="en-US" sz="3200" b="0" i="1" smtClean="0">
-                        <a:latin typeface="+mj-lt"/>
+                        <a:latin typeface="Cambria Math" panose="02040503050406030204" pitchFamily="18" charset="0"/>
                       </a:rPr>
                       <m:t>={</m:t>
                     </m:r>
                     <m:r>
                       <a:rPr lang="en-US" sz="3200" b="0" i="1" smtClean="0">
-                        <a:latin typeface="+mj-lt"/>
+                        <a:latin typeface="Cambria Math" panose="02040503050406030204" pitchFamily="18" charset="0"/>
                       </a:rPr>
                       <m:t>𝑢𝑝𝑑𝑎𝑡𝑒</m:t>
                     </m:r>
@@ -11464,14 +11471,14 @@
                         <m:endChr m:val="]"/>
                         <m:ctrlPr>
                           <a:rPr lang="en-US" sz="3200" b="0" i="1" smtClean="0">
-                            <a:latin typeface="+mj-lt"/>
+                            <a:latin typeface="Cambria Math" panose="02040503050406030204" pitchFamily="18" charset="0"/>
                           </a:rPr>
                         </m:ctrlPr>
                       </m:dPr>
                       <m:e>
                         <m:r>
                           <a:rPr lang="en-US" sz="3200" b="0" i="1" smtClean="0">
-                            <a:latin typeface="+mj-lt"/>
+                            <a:latin typeface="Cambria Math" panose="02040503050406030204" pitchFamily="18" charset="0"/>
                           </a:rPr>
                           <m:t>0</m:t>
                         </m:r>
@@ -11479,13 +11486,13 @@
                     </m:d>
                     <m:r>
                       <a:rPr lang="en-US" sz="3200" b="0" i="1" smtClean="0">
-                        <a:latin typeface="+mj-lt"/>
+                        <a:latin typeface="Cambria Math" panose="02040503050406030204" pitchFamily="18" charset="0"/>
                       </a:rPr>
                       <m:t>,…,</m:t>
                     </m:r>
                     <m:r>
                       <a:rPr lang="en-US" sz="3200" b="0" i="1" smtClean="0">
-                        <a:latin typeface="+mj-lt"/>
+                        <a:latin typeface="Cambria Math" panose="02040503050406030204" pitchFamily="18" charset="0"/>
                       </a:rPr>
                       <m:t>𝑢𝑝𝑑𝑎𝑡𝑒</m:t>
                     </m:r>
@@ -11495,14 +11502,14 @@
                         <m:endChr m:val="]"/>
                         <m:ctrlPr>
                           <a:rPr lang="en-US" sz="3200" b="0" i="1" smtClean="0">
-                            <a:latin typeface="+mj-lt"/>
+                            <a:latin typeface="Cambria Math" panose="02040503050406030204" pitchFamily="18" charset="0"/>
                           </a:rPr>
                         </m:ctrlPr>
                       </m:dPr>
                       <m:e>
                         <m:r>
                           <a:rPr lang="en-US" sz="3200" b="0" i="1" smtClean="0">
-                            <a:latin typeface="+mj-lt"/>
+                            <a:latin typeface="Cambria Math" panose="02040503050406030204" pitchFamily="18" charset="0"/>
                           </a:rPr>
                           <m:t>5</m:t>
                         </m:r>
@@ -11510,7 +11517,7 @@
                     </m:d>
                     <m:r>
                       <a:rPr lang="en-US" sz="3200" b="0" i="1" smtClean="0">
-                        <a:latin typeface="+mj-lt"/>
+                        <a:latin typeface="Cambria Math" panose="02040503050406030204" pitchFamily="18" charset="0"/>
                       </a:rPr>
                       <m:t>}</m:t>
                     </m:r>
@@ -11570,37 +11577,37 @@
                   <m:oMath xmlns:m="http://schemas.openxmlformats.org/officeDocument/2006/math">
                     <m:r>
                       <a:rPr lang="en-US" sz="2800" b="0" i="1" smtClean="0">
-                        <a:latin typeface="+mj-lt"/>
+                        <a:latin typeface="Cambria Math" panose="02040503050406030204" pitchFamily="18" charset="0"/>
                       </a:rPr>
                       <m:t>𝐴</m:t>
                     </m:r>
                     <m:r>
                       <a:rPr lang="en-US" sz="2800" b="0" i="1" smtClean="0">
-                        <a:latin typeface="+mj-lt"/>
+                        <a:latin typeface="Cambria Math" panose="02040503050406030204" pitchFamily="18" charset="0"/>
                       </a:rPr>
                       <m:t>={</m:t>
                     </m:r>
                     <m:r>
                       <a:rPr lang="en-US" sz="2800" b="0" i="1" smtClean="0">
-                        <a:latin typeface="+mj-lt"/>
+                        <a:latin typeface="Cambria Math" panose="02040503050406030204" pitchFamily="18" charset="0"/>
                       </a:rPr>
                       <m:t>𝑏𝑟𝑎𝑘𝑒𝑂𝑛</m:t>
                     </m:r>
                     <m:r>
                       <a:rPr lang="en-US" sz="2800" b="0" i="1" smtClean="0">
-                        <a:latin typeface="+mj-lt"/>
+                        <a:latin typeface="Cambria Math" panose="02040503050406030204" pitchFamily="18" charset="0"/>
                       </a:rPr>
                       <m:t>,</m:t>
                     </m:r>
                     <m:r>
                       <a:rPr lang="en-US" sz="2800" b="0" i="1" smtClean="0">
-                        <a:latin typeface="+mj-lt"/>
+                        <a:latin typeface="Cambria Math" panose="02040503050406030204" pitchFamily="18" charset="0"/>
                       </a:rPr>
                       <m:t>𝑏𝑟𝑎𝑘𝑒𝑂𝑓𝑓</m:t>
                     </m:r>
                     <m:r>
                       <a:rPr lang="en-US" sz="2800" b="0" i="1" smtClean="0">
-                        <a:latin typeface="+mj-lt"/>
+                        <a:latin typeface="Cambria Math" panose="02040503050406030204" pitchFamily="18" charset="0"/>
                       </a:rPr>
                       <m:t>}</m:t>
                     </m:r>
@@ -11621,7 +11628,7 @@
             </p:txBody>
           </p:sp>
         </mc:Choice>
-        <mc:Fallback>
+        <mc:Fallback xmlns="">
           <p:sp>
             <p:nvSpPr>
               <p:cNvPr id="3" name="Content Placeholder 2"/>
@@ -11712,8 +11719,8 @@
           </a:p>
         </p:txBody>
       </p:sp>
-      <mc:AlternateContent xmlns:mc="http://schemas.openxmlformats.org/markup-compatibility/2006">
-        <mc:Choice xmlns:a14="http://schemas.microsoft.com/office/drawing/2010/main" Requires="a14">
+      <mc:AlternateContent xmlns:mc="http://schemas.openxmlformats.org/markup-compatibility/2006" xmlns:a14="http://schemas.microsoft.com/office/drawing/2010/main">
+        <mc:Choice Requires="a14">
           <p:sp>
             <p:nvSpPr>
               <p:cNvPr id="3" name="Content Placeholder 2"/>
@@ -11746,7 +11753,7 @@
                         <a:solidFill>
                           <a:schemeClr val="tx1"/>
                         </a:solidFill>
-                        <a:latin typeface="+mj-lt"/>
+                        <a:latin typeface="Cambria Math" panose="02040503050406030204" pitchFamily="18" charset="0"/>
                         <a:ea typeface="Cambria Math" panose="02040503050406030204" pitchFamily="18" charset="0"/>
                       </a:rPr>
                       <m:t>𝒟</m:t>
@@ -11756,7 +11763,7 @@
                         <a:solidFill>
                           <a:schemeClr val="tx1"/>
                         </a:solidFill>
-                        <a:latin typeface="+mj-lt"/>
+                        <a:latin typeface="Cambria Math" panose="02040503050406030204" pitchFamily="18" charset="0"/>
                         <a:ea typeface="Cambria Math" panose="02040503050406030204" pitchFamily="18" charset="0"/>
                       </a:rPr>
                       <m:t>⊆</m:t>
@@ -11766,7 +11773,7 @@
                         <a:solidFill>
                           <a:schemeClr val="tx1"/>
                         </a:solidFill>
-                        <a:latin typeface="+mj-lt"/>
+                        <a:latin typeface="Cambria Math" panose="02040503050406030204" pitchFamily="18" charset="0"/>
                         <a:ea typeface="Cambria Math" panose="02040503050406030204" pitchFamily="18" charset="0"/>
                       </a:rPr>
                       <m:t>𝑣𝑎𝑙</m:t>
@@ -11778,7 +11785,7 @@
                             <a:solidFill>
                               <a:schemeClr val="tx1"/>
                             </a:solidFill>
-                            <a:latin typeface="+mj-lt"/>
+                            <a:latin typeface="Cambria Math" panose="02040503050406030204" pitchFamily="18" charset="0"/>
                             <a:ea typeface="Cambria Math" panose="02040503050406030204" pitchFamily="18" charset="0"/>
                           </a:rPr>
                         </m:ctrlPr>
@@ -11789,7 +11796,7 @@
                             <a:solidFill>
                               <a:schemeClr val="tx1"/>
                             </a:solidFill>
-                            <a:latin typeface="+mj-lt"/>
+                            <a:latin typeface="Cambria Math" panose="02040503050406030204" pitchFamily="18" charset="0"/>
                             <a:ea typeface="Cambria Math" panose="02040503050406030204" pitchFamily="18" charset="0"/>
                           </a:rPr>
                           <m:t>𝑋</m:t>
@@ -11801,7 +11808,7 @@
                         <a:solidFill>
                           <a:schemeClr val="tx1"/>
                         </a:solidFill>
-                        <a:latin typeface="+mj-lt"/>
+                        <a:latin typeface="Cambria Math" panose="02040503050406030204" pitchFamily="18" charset="0"/>
                         <a:ea typeface="Cambria Math" panose="02040503050406030204" pitchFamily="18" charset="0"/>
                       </a:rPr>
                       <m:t>×</m:t>
@@ -11811,7 +11818,7 @@
                         <a:solidFill>
                           <a:schemeClr val="tx1"/>
                         </a:solidFill>
-                        <a:latin typeface="+mj-lt"/>
+                        <a:latin typeface="Cambria Math" panose="02040503050406030204" pitchFamily="18" charset="0"/>
                         <a:ea typeface="Cambria Math" panose="02040503050406030204" pitchFamily="18" charset="0"/>
                       </a:rPr>
                       <m:t>𝐴</m:t>
@@ -11821,7 +11828,7 @@
                         <a:solidFill>
                           <a:schemeClr val="tx1"/>
                         </a:solidFill>
-                        <a:latin typeface="+mj-lt"/>
+                        <a:latin typeface="Cambria Math" panose="02040503050406030204" pitchFamily="18" charset="0"/>
                         <a:ea typeface="Cambria Math" panose="02040503050406030204" pitchFamily="18" charset="0"/>
                       </a:rPr>
                       <m:t>×</m:t>
@@ -11831,7 +11838,7 @@
                         <a:solidFill>
                           <a:schemeClr val="tx1"/>
                         </a:solidFill>
-                        <a:latin typeface="+mj-lt"/>
+                        <a:latin typeface="Cambria Math" panose="02040503050406030204" pitchFamily="18" charset="0"/>
                         <a:ea typeface="Cambria Math" panose="02040503050406030204" pitchFamily="18" charset="0"/>
                       </a:rPr>
                       <m:t>𝑣𝑎𝑙</m:t>
@@ -11843,7 +11850,7 @@
                             <a:solidFill>
                               <a:schemeClr val="tx1"/>
                             </a:solidFill>
-                            <a:latin typeface="+mj-lt"/>
+                            <a:latin typeface="Cambria Math" panose="02040503050406030204" pitchFamily="18" charset="0"/>
                             <a:ea typeface="Cambria Math" panose="02040503050406030204" pitchFamily="18" charset="0"/>
                           </a:rPr>
                         </m:ctrlPr>
@@ -11854,7 +11861,7 @@
                             <a:solidFill>
                               <a:schemeClr val="tx1"/>
                             </a:solidFill>
-                            <a:latin typeface="+mj-lt"/>
+                            <a:latin typeface="Cambria Math" panose="02040503050406030204" pitchFamily="18" charset="0"/>
                             <a:ea typeface="Cambria Math" panose="02040503050406030204" pitchFamily="18" charset="0"/>
                           </a:rPr>
                           <m:t>𝑋</m:t>
@@ -11893,7 +11900,7 @@
                         <a:solidFill>
                           <a:schemeClr val="tx1"/>
                         </a:solidFill>
-                        <a:latin typeface="+mj-lt"/>
+                        <a:latin typeface="Cambria Math" panose="02040503050406030204" pitchFamily="18" charset="0"/>
                         <a:ea typeface="Cambria Math" panose="02040503050406030204" pitchFamily="18" charset="0"/>
                       </a:rPr>
                       <m:t>𝒟</m:t>
@@ -11903,7 +11910,7 @@
                         <a:solidFill>
                           <a:schemeClr val="tx1"/>
                         </a:solidFill>
-                        <a:latin typeface="+mj-lt"/>
+                        <a:latin typeface="Cambria Math" panose="02040503050406030204" pitchFamily="18" charset="0"/>
                         <a:ea typeface="Cambria Math" panose="02040503050406030204" pitchFamily="18" charset="0"/>
                       </a:rPr>
                       <m:t>={</m:t>
@@ -11915,7 +11922,7 @@
                             <a:solidFill>
                               <a:schemeClr val="tx1"/>
                             </a:solidFill>
-                            <a:latin typeface="+mj-lt"/>
+                            <a:latin typeface="Cambria Math" panose="02040503050406030204" pitchFamily="18" charset="0"/>
                             <a:ea typeface="Cambria Math" panose="02040503050406030204" pitchFamily="18" charset="0"/>
                           </a:rPr>
                         </m:ctrlPr>
@@ -11926,7 +11933,7 @@
                             <a:solidFill>
                               <a:schemeClr val="tx1"/>
                             </a:solidFill>
-                            <a:latin typeface="+mj-lt"/>
+                            <a:latin typeface="Cambria Math" panose="02040503050406030204" pitchFamily="18" charset="0"/>
                             <a:ea typeface="Cambria Math" panose="02040503050406030204" pitchFamily="18" charset="0"/>
                           </a:rPr>
                           <m:t>𝒖</m:t>
@@ -11936,7 +11943,7 @@
                             <a:solidFill>
                               <a:schemeClr val="tx1"/>
                             </a:solidFill>
-                            <a:latin typeface="+mj-lt"/>
+                            <a:latin typeface="Cambria Math" panose="02040503050406030204" pitchFamily="18" charset="0"/>
                             <a:ea typeface="Cambria Math" panose="02040503050406030204" pitchFamily="18" charset="0"/>
                           </a:rPr>
                           <m:t>,</m:t>
@@ -11946,7 +11953,7 @@
                             <a:solidFill>
                               <a:schemeClr val="tx1"/>
                             </a:solidFill>
-                            <a:latin typeface="+mj-lt"/>
+                            <a:latin typeface="Cambria Math" panose="02040503050406030204" pitchFamily="18" charset="0"/>
                             <a:ea typeface="Cambria Math" panose="02040503050406030204" pitchFamily="18" charset="0"/>
                           </a:rPr>
                           <m:t>𝑎</m:t>
@@ -11956,7 +11963,7 @@
                             <a:solidFill>
                               <a:schemeClr val="tx1"/>
                             </a:solidFill>
-                            <a:latin typeface="+mj-lt"/>
+                            <a:latin typeface="Cambria Math" panose="02040503050406030204" pitchFamily="18" charset="0"/>
                             <a:ea typeface="Cambria Math" panose="02040503050406030204" pitchFamily="18" charset="0"/>
                           </a:rPr>
                           <m:t>,</m:t>
@@ -11968,7 +11975,7 @@
                                 <a:solidFill>
                                   <a:schemeClr val="tx1"/>
                                 </a:solidFill>
-                                <a:latin typeface="+mj-lt"/>
+                                <a:latin typeface="Cambria Math" panose="02040503050406030204" pitchFamily="18" charset="0"/>
                                 <a:ea typeface="Cambria Math" panose="02040503050406030204" pitchFamily="18" charset="0"/>
                               </a:rPr>
                             </m:ctrlPr>
@@ -11979,7 +11986,7 @@
                                 <a:solidFill>
                                   <a:schemeClr val="tx1"/>
                                 </a:solidFill>
-                                <a:latin typeface="+mj-lt"/>
+                                <a:latin typeface="Cambria Math" panose="02040503050406030204" pitchFamily="18" charset="0"/>
                                 <a:ea typeface="Cambria Math" panose="02040503050406030204" pitchFamily="18" charset="0"/>
                               </a:rPr>
                               <m:t>𝒖</m:t>
@@ -11991,7 +11998,7 @@
                                 <a:solidFill>
                                   <a:schemeClr val="tx1"/>
                                 </a:solidFill>
-                                <a:latin typeface="+mj-lt"/>
+                                <a:latin typeface="Cambria Math" panose="02040503050406030204" pitchFamily="18" charset="0"/>
                                 <a:ea typeface="Cambria Math" panose="02040503050406030204" pitchFamily="18" charset="0"/>
                               </a:rPr>
                               <m:t>′</m:t>
@@ -12005,7 +12012,7 @@
                         <a:solidFill>
                           <a:schemeClr val="tx1"/>
                         </a:solidFill>
-                        <a:latin typeface="+mj-lt"/>
+                        <a:latin typeface="Cambria Math" panose="02040503050406030204" pitchFamily="18" charset="0"/>
                         <a:ea typeface="Cambria Math" panose="02040503050406030204" pitchFamily="18" charset="0"/>
                       </a:rPr>
                       <m:t>| </m:t>
@@ -12028,7 +12035,7 @@
                         <a:solidFill>
                           <a:schemeClr val="tx1"/>
                         </a:solidFill>
-                        <a:latin typeface="+mj-lt"/>
+                        <a:latin typeface="Cambria Math" panose="02040503050406030204" pitchFamily="18" charset="0"/>
                       </a:rPr>
                       <m:t>𝒖</m:t>
                     </m:r>
@@ -12037,7 +12044,7 @@
                         <a:solidFill>
                           <a:schemeClr val="tx1"/>
                         </a:solidFill>
-                        <a:latin typeface="+mj-lt"/>
+                        <a:latin typeface="Cambria Math" panose="02040503050406030204" pitchFamily="18" charset="0"/>
                       </a:rPr>
                       <m:t>⊨</m:t>
                     </m:r>
@@ -12046,7 +12053,7 @@
                         <a:solidFill>
                           <a:schemeClr val="tx1"/>
                         </a:solidFill>
-                        <a:latin typeface="+mj-lt"/>
+                        <a:latin typeface="Cambria Math" panose="02040503050406030204" pitchFamily="18" charset="0"/>
                       </a:rPr>
                       <m:t>𝑃𝑟</m:t>
                     </m:r>
@@ -12057,7 +12064,7 @@
                             <a:solidFill>
                               <a:schemeClr val="tx1"/>
                             </a:solidFill>
-                            <a:latin typeface="+mj-lt"/>
+                            <a:latin typeface="Cambria Math" panose="02040503050406030204" pitchFamily="18" charset="0"/>
                           </a:rPr>
                         </m:ctrlPr>
                       </m:sSubPr>
@@ -12067,7 +12074,7 @@
                             <a:solidFill>
                               <a:schemeClr val="tx1"/>
                             </a:solidFill>
-                            <a:latin typeface="+mj-lt"/>
+                            <a:latin typeface="Cambria Math" panose="02040503050406030204" pitchFamily="18" charset="0"/>
                           </a:rPr>
                           <m:t>𝑒</m:t>
                         </m:r>
@@ -12078,7 +12085,7 @@
                             <a:solidFill>
                               <a:schemeClr val="tx1"/>
                             </a:solidFill>
-                            <a:latin typeface="+mj-lt"/>
+                            <a:latin typeface="Cambria Math" panose="02040503050406030204" pitchFamily="18" charset="0"/>
                           </a:rPr>
                           <m:t>𝑎</m:t>
                         </m:r>
@@ -12104,7 +12111,7 @@
                             <a:solidFill>
                               <a:schemeClr val="tx1"/>
                             </a:solidFill>
-                            <a:latin typeface="+mj-lt"/>
+                            <a:latin typeface="Cambria Math" panose="02040503050406030204" pitchFamily="18" charset="0"/>
                           </a:rPr>
                         </m:ctrlPr>
                       </m:dPr>
@@ -12114,7 +12121,7 @@
                             <a:solidFill>
                               <a:schemeClr val="tx1"/>
                             </a:solidFill>
-                            <a:latin typeface="+mj-lt"/>
+                            <a:latin typeface="Cambria Math" panose="02040503050406030204" pitchFamily="18" charset="0"/>
                           </a:rPr>
                           <m:t>𝒖</m:t>
                         </m:r>
@@ -12123,7 +12130,7 @@
                             <a:solidFill>
                               <a:schemeClr val="tx1"/>
                             </a:solidFill>
-                            <a:latin typeface="+mj-lt"/>
+                            <a:latin typeface="Cambria Math" panose="02040503050406030204" pitchFamily="18" charset="0"/>
                           </a:rPr>
                           <m:t>,</m:t>
                         </m:r>
@@ -12134,7 +12141,7 @@
                                 <a:solidFill>
                                   <a:schemeClr val="tx1"/>
                                 </a:solidFill>
-                                <a:latin typeface="+mj-lt"/>
+                                <a:latin typeface="Cambria Math" panose="02040503050406030204" pitchFamily="18" charset="0"/>
                               </a:rPr>
                             </m:ctrlPr>
                           </m:sSupPr>
@@ -12144,7 +12151,7 @@
                                 <a:solidFill>
                                   <a:schemeClr val="tx1"/>
                                 </a:solidFill>
-                                <a:latin typeface="+mj-lt"/>
+                                <a:latin typeface="Cambria Math" panose="02040503050406030204" pitchFamily="18" charset="0"/>
                               </a:rPr>
                               <m:t>𝒖</m:t>
                             </m:r>
@@ -12155,7 +12162,7 @@
                                 <a:solidFill>
                                   <a:schemeClr val="tx1"/>
                                 </a:solidFill>
-                                <a:latin typeface="+mj-lt"/>
+                                <a:latin typeface="Cambria Math" panose="02040503050406030204" pitchFamily="18" charset="0"/>
                               </a:rPr>
                               <m:t>′</m:t>
                             </m:r>
@@ -12177,7 +12184,7 @@
                         <a:solidFill>
                           <a:schemeClr val="tx1"/>
                         </a:solidFill>
-                        <a:latin typeface="+mj-lt"/>
+                        <a:latin typeface="Cambria Math" panose="02040503050406030204" pitchFamily="18" charset="0"/>
                       </a:rPr>
                       <m:t>𝐸𝑓</m:t>
                     </m:r>
@@ -12188,7 +12195,7 @@
                             <a:solidFill>
                               <a:schemeClr val="tx1"/>
                             </a:solidFill>
-                            <a:latin typeface="+mj-lt"/>
+                            <a:latin typeface="Cambria Math" panose="02040503050406030204" pitchFamily="18" charset="0"/>
                           </a:rPr>
                         </m:ctrlPr>
                       </m:sSubPr>
@@ -12198,7 +12205,7 @@
                             <a:solidFill>
                               <a:schemeClr val="tx1"/>
                             </a:solidFill>
-                            <a:latin typeface="+mj-lt"/>
+                            <a:latin typeface="Cambria Math" panose="02040503050406030204" pitchFamily="18" charset="0"/>
                           </a:rPr>
                           <m:t>𝑓</m:t>
                         </m:r>
@@ -12209,7 +12216,7 @@
                             <a:solidFill>
                               <a:schemeClr val="tx1"/>
                             </a:solidFill>
-                            <a:latin typeface="+mj-lt"/>
+                            <a:latin typeface="Cambria Math" panose="02040503050406030204" pitchFamily="18" charset="0"/>
                           </a:rPr>
                           <m:t>𝑎</m:t>
                         </m:r>
@@ -12684,7 +12691,7 @@
                         <a:solidFill>
                           <a:schemeClr val="tx1"/>
                         </a:solidFill>
-                        <a:latin typeface="+mj-lt"/>
+                        <a:latin typeface="Cambria Math" panose="02040503050406030204" pitchFamily="18" charset="0"/>
                       </a:rPr>
                       <m:t>≠</m:t>
                     </m:r>
@@ -12724,7 +12731,7 @@
                         <a:solidFill>
                           <a:schemeClr val="tx1"/>
                         </a:solidFill>
-                        <a:latin typeface="+mj-lt"/>
+                        <a:latin typeface="Cambria Math" panose="02040503050406030204" pitchFamily="18" charset="0"/>
                       </a:rPr>
                       <m:t>≠</m:t>
                     </m:r>
@@ -12846,7 +12853,7 @@
             </p:txBody>
           </p:sp>
         </mc:Choice>
-        <mc:Fallback>
+        <mc:Fallback xmlns="">
           <p:sp>
             <p:nvSpPr>
               <p:cNvPr id="3" name="Content Placeholder 2"/>
@@ -12884,8 +12891,8 @@
           </p:sp>
         </mc:Fallback>
       </mc:AlternateContent>
-      <mc:AlternateContent xmlns:mc="http://schemas.openxmlformats.org/markup-compatibility/2006">
-        <mc:Choice xmlns:a14="http://schemas.microsoft.com/office/drawing/2010/main" Requires="a14">
+      <mc:AlternateContent xmlns:mc="http://schemas.openxmlformats.org/markup-compatibility/2006" xmlns:a14="http://schemas.microsoft.com/office/drawing/2010/main">
+        <mc:Choice Requires="a14">
           <p:sp>
             <p:nvSpPr>
               <p:cNvPr id="4" name="TextBox 3"/>
@@ -12921,27 +12928,26 @@
               </a:bodyPr>
               <a:lstStyle/>
               <a:p>
-                <a:pPr/>
                 <a14:m>
                   <m:oMath xmlns:m="http://schemas.openxmlformats.org/officeDocument/2006/math">
                     <m:d>
                       <m:dPr>
                         <m:ctrlPr>
                           <a:rPr lang="en-US" sz="2400" i="1" dirty="0" smtClean="0">
-                            <a:latin typeface="+mj-lt"/>
+                            <a:latin typeface="Cambria Math" panose="02040503050406030204" pitchFamily="18" charset="0"/>
                           </a:rPr>
                         </m:ctrlPr>
                       </m:dPr>
                       <m:e>
                         <m:r>
                           <a:rPr lang="en-US" sz="2400" b="1" i="1" dirty="0">
-                            <a:latin typeface="+mj-lt"/>
+                            <a:latin typeface="Cambria Math" panose="02040503050406030204" pitchFamily="18" charset="0"/>
                           </a:rPr>
                           <m:t>𝒖</m:t>
                         </m:r>
                         <m:r>
                           <a:rPr lang="en-US" sz="2400" i="1" dirty="0" err="1">
-                            <a:latin typeface="+mj-lt"/>
+                            <a:latin typeface="Cambria Math" panose="02040503050406030204" pitchFamily="18" charset="0"/>
                           </a:rPr>
                           <m:t>,</m:t>
                         </m:r>
@@ -12955,14 +12961,14 @@
                           <m:dPr>
                             <m:ctrlPr>
                               <a:rPr lang="en-US" sz="2400" i="1" dirty="0">
-                                <a:latin typeface="+mj-lt"/>
+                                <a:latin typeface="Cambria Math" panose="02040503050406030204" pitchFamily="18" charset="0"/>
                               </a:rPr>
                             </m:ctrlPr>
                           </m:dPr>
                           <m:e>
                             <m:r>
                               <a:rPr lang="en-US" sz="2400" i="1" dirty="0" err="1">
-                                <a:latin typeface="+mj-lt"/>
+                                <a:latin typeface="Cambria Math" panose="02040503050406030204" pitchFamily="18" charset="0"/>
                               </a:rPr>
                               <m:t>𝑖</m:t>
                             </m:r>
@@ -12970,7 +12976,7 @@
                         </m:d>
                         <m:r>
                           <a:rPr lang="en-US" sz="2400" i="1" dirty="0">
-                            <a:latin typeface="+mj-lt"/>
+                            <a:latin typeface="Cambria Math" panose="02040503050406030204" pitchFamily="18" charset="0"/>
                           </a:rPr>
                           <m:t>,</m:t>
                         </m:r>
@@ -12978,14 +12984,14 @@
                           <m:sSupPr>
                             <m:ctrlPr>
                               <a:rPr lang="en-US" sz="2400" b="1" i="1" dirty="0">
-                                <a:latin typeface="+mj-lt"/>
+                                <a:latin typeface="Cambria Math" panose="02040503050406030204" pitchFamily="18" charset="0"/>
                               </a:rPr>
                             </m:ctrlPr>
                           </m:sSupPr>
                           <m:e>
                             <m:r>
                               <a:rPr lang="en-US" sz="2400" b="1" i="1" dirty="0">
-                                <a:latin typeface="+mj-lt"/>
+                                <a:latin typeface="Cambria Math" panose="02040503050406030204" pitchFamily="18" charset="0"/>
                               </a:rPr>
                               <m:t>𝒖</m:t>
                             </m:r>
@@ -12993,7 +12999,7 @@
                           <m:sup>
                             <m:r>
                               <a:rPr lang="en-US" sz="2400" b="1" i="1" dirty="0">
-                                <a:latin typeface="+mj-lt"/>
+                                <a:latin typeface="Cambria Math" panose="02040503050406030204" pitchFamily="18" charset="0"/>
                               </a:rPr>
                               <m:t>′</m:t>
                             </m:r>
@@ -13003,7 +13009,7 @@
                     </m:d>
                     <m:r>
                       <a:rPr lang="en-US" sz="2400" i="1" dirty="0">
-                        <a:latin typeface="+mj-lt"/>
+                        <a:latin typeface="Cambria Math" panose="02040503050406030204" pitchFamily="18" charset="0"/>
                       </a:rPr>
                       <m:t>∈</m:t>
                     </m:r>
@@ -13051,25 +13057,25 @@
                   <m:oMath xmlns:m="http://schemas.openxmlformats.org/officeDocument/2006/math">
                     <m:r>
                       <a:rPr lang="en-US" sz="2400" i="1" dirty="0">
-                        <a:latin typeface="+mj-lt"/>
+                        <a:latin typeface="Cambria Math" panose="02040503050406030204" pitchFamily="18" charset="0"/>
                       </a:rPr>
                       <m:t>(</m:t>
                     </m:r>
                     <m:r>
                       <a:rPr lang="en-US" sz="2400" i="1" dirty="0">
-                        <a:latin typeface="+mj-lt"/>
+                        <a:latin typeface="Cambria Math" panose="02040503050406030204" pitchFamily="18" charset="0"/>
                       </a:rPr>
                       <m:t>𝑖</m:t>
                     </m:r>
                     <m:r>
                       <a:rPr lang="en-US" sz="2400" i="1" dirty="0">
-                        <a:latin typeface="+mj-lt"/>
+                        <a:latin typeface="Cambria Math" panose="02040503050406030204" pitchFamily="18" charset="0"/>
                       </a:rPr>
                       <m:t>=0∧</m:t>
                     </m:r>
                     <m:r>
                       <a:rPr lang="en-US" sz="2400" b="1" i="1" dirty="0">
-                        <a:latin typeface="+mj-lt"/>
+                        <a:latin typeface="Cambria Math" panose="02040503050406030204" pitchFamily="18" charset="0"/>
                       </a:rPr>
                       <m:t>𝒖</m:t>
                     </m:r>
@@ -13081,7 +13087,7 @@
                     </m:r>
                     <m:r>
                       <a:rPr lang="en-US" sz="2400" i="1" dirty="0">
-                        <a:latin typeface="+mj-lt"/>
+                        <a:latin typeface="Cambria Math" panose="02040503050406030204" pitchFamily="18" charset="0"/>
                       </a:rPr>
                       <m:t>𝑥</m:t>
                     </m:r>
@@ -13091,14 +13097,14 @@
                         <m:endChr m:val="]"/>
                         <m:ctrlPr>
                           <a:rPr lang="en-US" sz="2400" i="1" dirty="0">
-                            <a:latin typeface="+mj-lt"/>
+                            <a:latin typeface="Cambria Math" panose="02040503050406030204" pitchFamily="18" charset="0"/>
                           </a:rPr>
                         </m:ctrlPr>
                       </m:dPr>
                       <m:e>
                         <m:r>
                           <a:rPr lang="en-US" sz="2400" i="1" dirty="0">
-                            <a:latin typeface="+mj-lt"/>
+                            <a:latin typeface="Cambria Math" panose="02040503050406030204" pitchFamily="18" charset="0"/>
                           </a:rPr>
                           <m:t>0</m:t>
                         </m:r>
@@ -13106,13 +13112,13 @@
                     </m:d>
                     <m:r>
                       <a:rPr lang="en-US" sz="2400" i="1" dirty="0">
-                        <a:latin typeface="+mj-lt"/>
+                        <a:latin typeface="Cambria Math" panose="02040503050406030204" pitchFamily="18" charset="0"/>
                       </a:rPr>
                       <m:t>=</m:t>
                     </m:r>
                     <m:r>
                       <a:rPr lang="en-US" sz="2400" i="1" dirty="0">
-                        <a:latin typeface="+mj-lt"/>
+                        <a:latin typeface="Cambria Math" panose="02040503050406030204" pitchFamily="18" charset="0"/>
                       </a:rPr>
                       <m:t>𝑢</m:t>
                     </m:r>
@@ -13124,7 +13130,7 @@
                     </m:r>
                     <m:r>
                       <a:rPr lang="en-US" sz="2400" i="1" dirty="0">
-                        <a:latin typeface="+mj-lt"/>
+                        <a:latin typeface="Cambria Math" panose="02040503050406030204" pitchFamily="18" charset="0"/>
                       </a:rPr>
                       <m:t>𝑥</m:t>
                     </m:r>
@@ -13134,14 +13140,14 @@
                         <m:endChr m:val="]"/>
                         <m:ctrlPr>
                           <a:rPr lang="en-US" sz="2400" i="1" dirty="0">
-                            <a:latin typeface="+mj-lt"/>
+                            <a:latin typeface="Cambria Math" panose="02040503050406030204" pitchFamily="18" charset="0"/>
                           </a:rPr>
                         </m:ctrlPr>
                       </m:dPr>
                       <m:e>
                         <m:r>
                           <a:rPr lang="en-US" sz="2400" i="1" dirty="0">
-                            <a:latin typeface="+mj-lt"/>
+                            <a:latin typeface="Cambria Math" panose="02040503050406030204" pitchFamily="18" charset="0"/>
                           </a:rPr>
                           <m:t>5</m:t>
                         </m:r>
@@ -13164,7 +13170,7 @@
                   <m:oMath xmlns:m="http://schemas.openxmlformats.org/officeDocument/2006/math">
                     <m:r>
                       <a:rPr lang="en-US" sz="2400" i="1" dirty="0">
-                        <a:latin typeface="+mj-lt"/>
+                        <a:latin typeface="Cambria Math" panose="02040503050406030204" pitchFamily="18" charset="0"/>
                       </a:rPr>
                       <m:t>∧</m:t>
                     </m:r>
@@ -13172,14 +13178,14 @@
                       <m:sSupPr>
                         <m:ctrlPr>
                           <a:rPr lang="en-US" sz="2400" b="1" i="1" dirty="0">
-                            <a:latin typeface="+mj-lt"/>
+                            <a:latin typeface="Cambria Math" panose="02040503050406030204" pitchFamily="18" charset="0"/>
                           </a:rPr>
                         </m:ctrlPr>
                       </m:sSupPr>
                       <m:e>
                         <m:r>
                           <a:rPr lang="en-US" sz="2400" b="1" i="1" dirty="0">
-                            <a:latin typeface="+mj-lt"/>
+                            <a:latin typeface="Cambria Math" panose="02040503050406030204" pitchFamily="18" charset="0"/>
                           </a:rPr>
                           <m:t>𝒖</m:t>
                         </m:r>
@@ -13187,7 +13193,7 @@
                       <m:sup>
                         <m:r>
                           <a:rPr lang="en-US" sz="2400" b="1" i="1" dirty="0">
-                            <a:latin typeface="+mj-lt"/>
+                            <a:latin typeface="Cambria Math" panose="02040503050406030204" pitchFamily="18" charset="0"/>
                           </a:rPr>
                           <m:t>′</m:t>
                         </m:r>
@@ -13201,7 +13207,7 @@
                     </m:r>
                     <m:r>
                       <a:rPr lang="en-US" sz="2400" i="1" dirty="0">
-                        <a:latin typeface="+mj-lt"/>
+                        <a:latin typeface="Cambria Math" panose="02040503050406030204" pitchFamily="18" charset="0"/>
                       </a:rPr>
                       <m:t>𝑥</m:t>
                     </m:r>
@@ -13211,14 +13217,14 @@
                         <m:endChr m:val="]"/>
                         <m:ctrlPr>
                           <a:rPr lang="en-US" sz="2400" i="1" dirty="0">
-                            <a:latin typeface="+mj-lt"/>
+                            <a:latin typeface="Cambria Math" panose="02040503050406030204" pitchFamily="18" charset="0"/>
                           </a:rPr>
                         </m:ctrlPr>
                       </m:dPr>
                       <m:e>
                         <m:r>
                           <a:rPr lang="en-US" sz="2400" i="1" dirty="0">
-                            <a:latin typeface="+mj-lt"/>
+                            <a:latin typeface="Cambria Math" panose="02040503050406030204" pitchFamily="18" charset="0"/>
                           </a:rPr>
                           <m:t>0</m:t>
                         </m:r>
@@ -13226,13 +13232,13 @@
                     </m:d>
                     <m:r>
                       <a:rPr lang="en-US" sz="2400" i="1" dirty="0">
-                        <a:latin typeface="+mj-lt"/>
+                        <a:latin typeface="Cambria Math" panose="02040503050406030204" pitchFamily="18" charset="0"/>
                       </a:rPr>
                       <m:t>=</m:t>
                     </m:r>
                     <m:r>
                       <a:rPr lang="en-US" sz="2400" b="1" i="1" dirty="0">
-                        <a:latin typeface="+mj-lt"/>
+                        <a:latin typeface="Cambria Math" panose="02040503050406030204" pitchFamily="18" charset="0"/>
                       </a:rPr>
                       <m:t>𝒖</m:t>
                     </m:r>
@@ -13250,25 +13256,25 @@
                     </m:r>
                     <m:r>
                       <a:rPr lang="en-US" sz="2400" i="1" dirty="0">
-                        <a:latin typeface="+mj-lt"/>
+                        <a:latin typeface="Cambria Math" panose="02040503050406030204" pitchFamily="18" charset="0"/>
                       </a:rPr>
                       <m:t>𝑥</m:t>
                     </m:r>
                     <m:r>
                       <a:rPr lang="en-US" sz="2400" i="1" dirty="0">
-                        <a:latin typeface="+mj-lt"/>
+                        <a:latin typeface="Cambria Math" panose="02040503050406030204" pitchFamily="18" charset="0"/>
                       </a:rPr>
                       <m:t>[0]+1 </m:t>
                     </m:r>
                     <m:r>
                       <a:rPr lang="en-US" sz="2400" i="1" dirty="0">
-                        <a:latin typeface="+mj-lt"/>
+                        <a:latin typeface="Cambria Math" panose="02040503050406030204" pitchFamily="18" charset="0"/>
                       </a:rPr>
                       <m:t>𝑚𝑜𝑑</m:t>
                     </m:r>
                     <m:r>
                       <a:rPr lang="en-US" sz="2400" i="1" dirty="0">
-                        <a:latin typeface="+mj-lt"/>
+                        <a:latin typeface="Cambria Math" panose="02040503050406030204" pitchFamily="18" charset="0"/>
                       </a:rPr>
                       <m:t> </m:t>
                     </m:r>
@@ -13290,7 +13296,7 @@
                   <m:oMath xmlns:m="http://schemas.openxmlformats.org/officeDocument/2006/math">
                     <m:r>
                       <a:rPr lang="en-US" sz="2400" i="1" dirty="0">
-                        <a:latin typeface="+mj-lt"/>
+                        <a:latin typeface="Cambria Math" panose="02040503050406030204" pitchFamily="18" charset="0"/>
                       </a:rPr>
                       <m:t>∨</m:t>
                     </m:r>
@@ -13311,19 +13317,19 @@
                   <m:oMath xmlns:m="http://schemas.openxmlformats.org/officeDocument/2006/math">
                     <m:r>
                       <a:rPr lang="en-US" sz="2400" i="1" dirty="0">
-                        <a:latin typeface="+mj-lt"/>
+                        <a:latin typeface="Cambria Math" panose="02040503050406030204" pitchFamily="18" charset="0"/>
                       </a:rPr>
                       <m:t>𝑖</m:t>
                     </m:r>
                     <m:r>
                       <a:rPr lang="en-US" sz="2400" i="1" dirty="0">
-                        <a:latin typeface="+mj-lt"/>
+                        <a:latin typeface="Cambria Math" panose="02040503050406030204" pitchFamily="18" charset="0"/>
                       </a:rPr>
                       <m:t>≠0∧</m:t>
                     </m:r>
                     <m:r>
                       <a:rPr lang="en-US" sz="2400" b="1" i="1" dirty="0">
-                        <a:latin typeface="+mj-lt"/>
+                        <a:latin typeface="Cambria Math" panose="02040503050406030204" pitchFamily="18" charset="0"/>
                       </a:rPr>
                       <m:t>𝒖</m:t>
                     </m:r>
@@ -13335,7 +13341,7 @@
                     </m:r>
                     <m:r>
                       <a:rPr lang="en-US" sz="2400" i="1" dirty="0">
-                        <a:latin typeface="+mj-lt"/>
+                        <a:latin typeface="Cambria Math" panose="02040503050406030204" pitchFamily="18" charset="0"/>
                       </a:rPr>
                       <m:t>𝑥</m:t>
                     </m:r>
@@ -13345,14 +13351,14 @@
                         <m:endChr m:val="]"/>
                         <m:ctrlPr>
                           <a:rPr lang="en-US" sz="2400" i="1" dirty="0">
-                            <a:latin typeface="+mj-lt"/>
+                            <a:latin typeface="Cambria Math" panose="02040503050406030204" pitchFamily="18" charset="0"/>
                           </a:rPr>
                         </m:ctrlPr>
                       </m:dPr>
                       <m:e>
                         <m:r>
                           <a:rPr lang="en-US" sz="2400" i="1" dirty="0" err="1">
-                            <a:latin typeface="+mj-lt"/>
+                            <a:latin typeface="Cambria Math" panose="02040503050406030204" pitchFamily="18" charset="0"/>
                           </a:rPr>
                           <m:t>𝑖</m:t>
                         </m:r>
@@ -13360,13 +13366,13 @@
                     </m:d>
                     <m:r>
                       <a:rPr lang="en-US" sz="2400" i="1" dirty="0">
-                        <a:latin typeface="+mj-lt"/>
+                        <a:latin typeface="Cambria Math" panose="02040503050406030204" pitchFamily="18" charset="0"/>
                       </a:rPr>
                       <m:t>≠</m:t>
                     </m:r>
                     <m:r>
                       <a:rPr lang="en-US" sz="2400" b="1" i="1" dirty="0">
-                        <a:latin typeface="+mj-lt"/>
+                        <a:latin typeface="Cambria Math" panose="02040503050406030204" pitchFamily="18" charset="0"/>
                       </a:rPr>
                       <m:t>𝒖</m:t>
                     </m:r>
@@ -13378,7 +13384,7 @@
                     </m:r>
                     <m:r>
                       <a:rPr lang="en-US" sz="2400" i="1" dirty="0">
-                        <a:latin typeface="+mj-lt"/>
+                        <a:latin typeface="Cambria Math" panose="02040503050406030204" pitchFamily="18" charset="0"/>
                       </a:rPr>
                       <m:t>𝑥</m:t>
                     </m:r>
@@ -13388,20 +13394,20 @@
                         <m:endChr m:val="]"/>
                         <m:ctrlPr>
                           <a:rPr lang="en-US" sz="2400" i="1" dirty="0">
-                            <a:latin typeface="+mj-lt"/>
+                            <a:latin typeface="Cambria Math" panose="02040503050406030204" pitchFamily="18" charset="0"/>
                           </a:rPr>
                         </m:ctrlPr>
                       </m:dPr>
                       <m:e>
                         <m:r>
                           <a:rPr lang="en-US" sz="2400" i="1" dirty="0">
-                            <a:latin typeface="+mj-lt"/>
+                            <a:latin typeface="Cambria Math" panose="02040503050406030204" pitchFamily="18" charset="0"/>
                           </a:rPr>
                           <m:t>𝑖</m:t>
                         </m:r>
                         <m:r>
                           <a:rPr lang="en-US" sz="2400" i="1" dirty="0">
-                            <a:latin typeface="+mj-lt"/>
+                            <a:latin typeface="Cambria Math" panose="02040503050406030204" pitchFamily="18" charset="0"/>
                           </a:rPr>
                           <m:t>−1</m:t>
                         </m:r>
@@ -13424,7 +13430,7 @@
                   <m:oMath xmlns:m="http://schemas.openxmlformats.org/officeDocument/2006/math">
                     <m:r>
                       <a:rPr lang="en-US" sz="2400" i="1" dirty="0">
-                        <a:latin typeface="+mj-lt"/>
+                        <a:latin typeface="Cambria Math" panose="02040503050406030204" pitchFamily="18" charset="0"/>
                       </a:rPr>
                       <m:t>∧</m:t>
                     </m:r>
@@ -13432,14 +13438,14 @@
                       <m:sSupPr>
                         <m:ctrlPr>
                           <a:rPr lang="en-US" sz="2400" b="1" i="1" dirty="0">
-                            <a:latin typeface="+mj-lt"/>
+                            <a:latin typeface="Cambria Math" panose="02040503050406030204" pitchFamily="18" charset="0"/>
                           </a:rPr>
                         </m:ctrlPr>
                       </m:sSupPr>
                       <m:e>
                         <m:r>
                           <a:rPr lang="en-US" sz="2400" b="1" i="1" dirty="0">
-                            <a:latin typeface="+mj-lt"/>
+                            <a:latin typeface="Cambria Math" panose="02040503050406030204" pitchFamily="18" charset="0"/>
                           </a:rPr>
                           <m:t>𝒖</m:t>
                         </m:r>
@@ -13447,7 +13453,7 @@
                       <m:sup>
                         <m:r>
                           <a:rPr lang="en-US" sz="2400" b="1" i="1" dirty="0">
-                            <a:latin typeface="+mj-lt"/>
+                            <a:latin typeface="Cambria Math" panose="02040503050406030204" pitchFamily="18" charset="0"/>
                           </a:rPr>
                           <m:t>′</m:t>
                         </m:r>
@@ -13461,7 +13467,7 @@
                     </m:r>
                     <m:r>
                       <a:rPr lang="en-US" sz="2400" i="1" dirty="0">
-                        <a:latin typeface="+mj-lt"/>
+                        <a:latin typeface="Cambria Math" panose="02040503050406030204" pitchFamily="18" charset="0"/>
                       </a:rPr>
                       <m:t>𝑥</m:t>
                     </m:r>
@@ -13471,14 +13477,14 @@
                         <m:endChr m:val="]"/>
                         <m:ctrlPr>
                           <a:rPr lang="en-US" sz="2400" i="1" dirty="0">
-                            <a:latin typeface="+mj-lt"/>
+                            <a:latin typeface="Cambria Math" panose="02040503050406030204" pitchFamily="18" charset="0"/>
                           </a:rPr>
                         </m:ctrlPr>
                       </m:dPr>
                       <m:e>
                         <m:r>
                           <a:rPr lang="en-US" sz="2400" i="1" dirty="0" err="1">
-                            <a:latin typeface="+mj-lt"/>
+                            <a:latin typeface="Cambria Math" panose="02040503050406030204" pitchFamily="18" charset="0"/>
                           </a:rPr>
                           <m:t>𝑖</m:t>
                         </m:r>
@@ -13486,13 +13492,13 @@
                     </m:d>
                     <m:r>
                       <a:rPr lang="en-US" sz="2400" i="1" dirty="0">
-                        <a:latin typeface="+mj-lt"/>
+                        <a:latin typeface="Cambria Math" panose="02040503050406030204" pitchFamily="18" charset="0"/>
                       </a:rPr>
                       <m:t>=</m:t>
                     </m:r>
                     <m:r>
                       <a:rPr lang="en-US" sz="2400" b="1" i="1" dirty="0">
-                        <a:latin typeface="+mj-lt"/>
+                        <a:latin typeface="Cambria Math" panose="02040503050406030204" pitchFamily="18" charset="0"/>
                       </a:rPr>
                       <m:t>𝒖</m:t>
                     </m:r>
@@ -13504,25 +13510,25 @@
                     </m:r>
                     <m:r>
                       <a:rPr lang="en-US" sz="2400" i="1" dirty="0">
-                        <a:latin typeface="+mj-lt"/>
+                        <a:latin typeface="Cambria Math" panose="02040503050406030204" pitchFamily="18" charset="0"/>
                       </a:rPr>
                       <m:t>𝑥</m:t>
                     </m:r>
                     <m:r>
                       <a:rPr lang="en-US" sz="2400" i="1" dirty="0">
-                        <a:latin typeface="+mj-lt"/>
+                        <a:latin typeface="Cambria Math" panose="02040503050406030204" pitchFamily="18" charset="0"/>
                       </a:rPr>
                       <m:t>[</m:t>
                     </m:r>
                     <m:r>
                       <a:rPr lang="en-US" sz="2400" i="1" dirty="0">
-                        <a:latin typeface="+mj-lt"/>
+                        <a:latin typeface="Cambria Math" panose="02040503050406030204" pitchFamily="18" charset="0"/>
                       </a:rPr>
                       <m:t>𝑖</m:t>
                     </m:r>
                     <m:r>
                       <a:rPr lang="en-US" sz="2400" i="1" dirty="0">
-                        <a:latin typeface="+mj-lt"/>
+                        <a:latin typeface="Cambria Math" panose="02040503050406030204" pitchFamily="18" charset="0"/>
                       </a:rPr>
                       <m:t>−1]</m:t>
                     </m:r>
@@ -13546,7 +13552,7 @@
             </p:txBody>
           </p:sp>
         </mc:Choice>
-        <mc:Fallback>
+        <mc:Fallback xmlns="">
           <p:sp>
             <p:nvSpPr>
               <p:cNvPr id="4" name="TextBox 3"/>
@@ -13789,8 +13795,8 @@
           </a:p>
         </p:txBody>
       </p:sp>
-      <mc:AlternateContent xmlns:mc="http://schemas.openxmlformats.org/markup-compatibility/2006">
-        <mc:Choice xmlns:a14="http://schemas.microsoft.com/office/drawing/2010/main" Requires="a14">
+      <mc:AlternateContent xmlns:mc="http://schemas.openxmlformats.org/markup-compatibility/2006" xmlns:a14="http://schemas.microsoft.com/office/drawing/2010/main">
+        <mc:Choice Requires="a14">
           <p:sp>
             <p:nvSpPr>
               <p:cNvPr id="3" name="Content Placeholder 2"/>
@@ -13844,26 +13850,26 @@
                   <m:oMath xmlns:m="http://schemas.openxmlformats.org/officeDocument/2006/math">
                     <m:r>
                       <a:rPr lang="en-US" b="0" i="1" smtClean="0">
-                        <a:latin typeface="+mj-lt"/>
+                        <a:latin typeface="Cambria Math" panose="02040503050406030204" pitchFamily="18" charset="0"/>
                         <a:ea typeface="Cambria Math" panose="02040503050406030204" pitchFamily="18" charset="0"/>
                       </a:rPr>
                       <m:t>𝒜</m:t>
                     </m:r>
                     <m:r>
                       <a:rPr lang="en-US" b="0" i="1" smtClean="0">
-                        <a:latin typeface="+mj-lt"/>
+                        <a:latin typeface="Cambria Math" panose="02040503050406030204" pitchFamily="18" charset="0"/>
                       </a:rPr>
                       <m:t>=〈</m:t>
                     </m:r>
                     <m:r>
                       <a:rPr lang="en-US" b="0" i="1" smtClean="0">
-                        <a:latin typeface="+mj-lt"/>
+                        <a:latin typeface="Cambria Math" panose="02040503050406030204" pitchFamily="18" charset="0"/>
                       </a:rPr>
                       <m:t>𝑋</m:t>
                     </m:r>
                     <m:r>
                       <a:rPr lang="en-US" b="0" i="1" smtClean="0">
-                        <a:latin typeface="+mj-lt"/>
+                        <a:latin typeface="Cambria Math" panose="02040503050406030204" pitchFamily="18" charset="0"/>
                       </a:rPr>
                       <m:t>,</m:t>
                     </m:r>
@@ -13872,38 +13878,38 @@
                         <m:sty m:val="p"/>
                       </m:rPr>
                       <a:rPr lang="en-US" b="0" i="0" smtClean="0">
-                        <a:latin typeface="+mj-lt"/>
+                        <a:latin typeface="Cambria Math" panose="02040503050406030204" pitchFamily="18" charset="0"/>
                       </a:rPr>
                       <m:t>Θ</m:t>
                     </m:r>
                     <m:r>
                       <a:rPr lang="en-US" b="0" i="1" smtClean="0">
-                        <a:latin typeface="+mj-lt"/>
+                        <a:latin typeface="Cambria Math" panose="02040503050406030204" pitchFamily="18" charset="0"/>
                       </a:rPr>
                       <m:t>, </m:t>
                     </m:r>
                     <m:r>
                       <a:rPr lang="en-US" b="0" i="1" smtClean="0">
-                        <a:latin typeface="+mj-lt"/>
+                        <a:latin typeface="Cambria Math" panose="02040503050406030204" pitchFamily="18" charset="0"/>
                       </a:rPr>
                       <m:t>𝐴</m:t>
                     </m:r>
                     <m:r>
                       <a:rPr lang="en-US" b="0" i="1" smtClean="0">
-                        <a:latin typeface="+mj-lt"/>
+                        <a:latin typeface="Cambria Math" panose="02040503050406030204" pitchFamily="18" charset="0"/>
                       </a:rPr>
                       <m:t>, </m:t>
                     </m:r>
                     <m:r>
                       <a:rPr lang="en-US" b="0" i="1" smtClean="0">
-                        <a:latin typeface="+mj-lt"/>
+                        <a:latin typeface="Cambria Math" panose="02040503050406030204" pitchFamily="18" charset="0"/>
                         <a:ea typeface="Cambria Math" panose="02040503050406030204" pitchFamily="18" charset="0"/>
                       </a:rPr>
                       <m:t>𝒟</m:t>
                     </m:r>
                     <m:r>
                       <a:rPr lang="en-US" b="0" i="1" smtClean="0">
-                        <a:latin typeface="+mj-lt"/>
+                        <a:latin typeface="Cambria Math" panose="02040503050406030204" pitchFamily="18" charset="0"/>
                         <a:ea typeface="Cambria Math" panose="02040503050406030204" pitchFamily="18" charset="0"/>
                       </a:rPr>
                       <m:t>〉</m:t>
@@ -13985,7 +13991,7 @@
                   <m:oMath xmlns:m="http://schemas.openxmlformats.org/officeDocument/2006/math">
                     <m:r>
                       <a:rPr lang="en-US" i="1" smtClean="0">
-                        <a:latin typeface="+mj-lt"/>
+                        <a:latin typeface="Cambria Math" panose="02040503050406030204" pitchFamily="18" charset="0"/>
                         <a:ea typeface="Cambria Math" panose="02040503050406030204" pitchFamily="18" charset="0"/>
                       </a:rPr>
                       <m:t>𝒜</m:t>
@@ -14002,13 +14008,13 @@
                   <m:oMath xmlns:m="http://schemas.openxmlformats.org/officeDocument/2006/math">
                     <m:r>
                       <a:rPr lang="en-US" b="0" i="1" smtClean="0">
-                        <a:latin typeface="+mj-lt"/>
+                        <a:latin typeface="Cambria Math" panose="02040503050406030204" pitchFamily="18" charset="0"/>
                       </a:rPr>
                       <m:t>𝛼</m:t>
                     </m:r>
                     <m:r>
                       <a:rPr lang="en-US" b="0" i="1" smtClean="0">
-                        <a:latin typeface="+mj-lt"/>
+                        <a:latin typeface="Cambria Math" panose="02040503050406030204" pitchFamily="18" charset="0"/>
                       </a:rPr>
                       <m:t>=</m:t>
                     </m:r>
@@ -14016,14 +14022,14 @@
                       <m:sSubPr>
                         <m:ctrlPr>
                           <a:rPr lang="en-US" b="0" i="1" smtClean="0">
-                            <a:latin typeface="+mj-lt"/>
+                            <a:latin typeface="Cambria Math" panose="02040503050406030204" pitchFamily="18" charset="0"/>
                           </a:rPr>
                         </m:ctrlPr>
                       </m:sSubPr>
                       <m:e>
                         <m:r>
                           <a:rPr lang="en-US" b="0" i="1" smtClean="0">
-                            <a:latin typeface="+mj-lt"/>
+                            <a:latin typeface="Cambria Math" panose="02040503050406030204" pitchFamily="18" charset="0"/>
                           </a:rPr>
                           <m:t>𝑢</m:t>
                         </m:r>
@@ -14031,7 +14037,7 @@
                       <m:sub>
                         <m:r>
                           <a:rPr lang="en-US" b="0" i="1" smtClean="0">
-                            <a:latin typeface="+mj-lt"/>
+                            <a:latin typeface="Cambria Math" panose="02040503050406030204" pitchFamily="18" charset="0"/>
                           </a:rPr>
                           <m:t>0</m:t>
                         </m:r>
@@ -14041,14 +14047,14 @@
                       <m:sSubPr>
                         <m:ctrlPr>
                           <a:rPr lang="en-US" b="0" i="1" smtClean="0">
-                            <a:latin typeface="+mj-lt"/>
+                            <a:latin typeface="Cambria Math" panose="02040503050406030204" pitchFamily="18" charset="0"/>
                           </a:rPr>
                         </m:ctrlPr>
                       </m:sSubPr>
                       <m:e>
                         <m:r>
                           <a:rPr lang="en-US" b="0" i="1" smtClean="0">
-                            <a:latin typeface="+mj-lt"/>
+                            <a:latin typeface="Cambria Math" panose="02040503050406030204" pitchFamily="18" charset="0"/>
                           </a:rPr>
                           <m:t>𝑎</m:t>
                         </m:r>
@@ -14056,7 +14062,7 @@
                       <m:sub>
                         <m:r>
                           <a:rPr lang="en-US" b="0" i="1" smtClean="0">
-                            <a:latin typeface="+mj-lt"/>
+                            <a:latin typeface="Cambria Math" panose="02040503050406030204" pitchFamily="18" charset="0"/>
                           </a:rPr>
                           <m:t>1</m:t>
                         </m:r>
@@ -14066,14 +14072,14 @@
                       <m:sSubPr>
                         <m:ctrlPr>
                           <a:rPr lang="en-US" b="0" i="1" smtClean="0">
-                            <a:latin typeface="+mj-lt"/>
+                            <a:latin typeface="Cambria Math" panose="02040503050406030204" pitchFamily="18" charset="0"/>
                           </a:rPr>
                         </m:ctrlPr>
                       </m:sSubPr>
                       <m:e>
                         <m:r>
                           <a:rPr lang="en-US" b="0" i="1" smtClean="0">
-                            <a:latin typeface="+mj-lt"/>
+                            <a:latin typeface="Cambria Math" panose="02040503050406030204" pitchFamily="18" charset="0"/>
                           </a:rPr>
                           <m:t>𝑢</m:t>
                         </m:r>
@@ -14081,7 +14087,7 @@
                       <m:sub>
                         <m:r>
                           <a:rPr lang="en-US" b="0" i="1" smtClean="0">
-                            <a:latin typeface="+mj-lt"/>
+                            <a:latin typeface="Cambria Math" panose="02040503050406030204" pitchFamily="18" charset="0"/>
                           </a:rPr>
                           <m:t>1</m:t>
                         </m:r>
@@ -14091,14 +14097,14 @@
                       <m:sSubPr>
                         <m:ctrlPr>
                           <a:rPr lang="en-US" b="0" i="1" smtClean="0">
-                            <a:latin typeface="+mj-lt"/>
+                            <a:latin typeface="Cambria Math" panose="02040503050406030204" pitchFamily="18" charset="0"/>
                           </a:rPr>
                         </m:ctrlPr>
                       </m:sSubPr>
                       <m:e>
                         <m:r>
                           <a:rPr lang="en-US" b="0" i="1" smtClean="0">
-                            <a:latin typeface="+mj-lt"/>
+                            <a:latin typeface="Cambria Math" panose="02040503050406030204" pitchFamily="18" charset="0"/>
                           </a:rPr>
                           <m:t>𝑎</m:t>
                         </m:r>
@@ -14106,7 +14112,7 @@
                       <m:sub>
                         <m:r>
                           <a:rPr lang="en-US" b="0" i="1" smtClean="0">
-                            <a:latin typeface="+mj-lt"/>
+                            <a:latin typeface="Cambria Math" panose="02040503050406030204" pitchFamily="18" charset="0"/>
                           </a:rPr>
                           <m:t>2</m:t>
                         </m:r>
@@ -14116,14 +14122,14 @@
                       <m:sSubPr>
                         <m:ctrlPr>
                           <a:rPr lang="en-US" b="0" i="1" smtClean="0">
-                            <a:latin typeface="+mj-lt"/>
+                            <a:latin typeface="Cambria Math" panose="02040503050406030204" pitchFamily="18" charset="0"/>
                           </a:rPr>
                         </m:ctrlPr>
                       </m:sSubPr>
                       <m:e>
                         <m:r>
                           <a:rPr lang="en-US" b="0" i="1" smtClean="0">
-                            <a:latin typeface="+mj-lt"/>
+                            <a:latin typeface="Cambria Math" panose="02040503050406030204" pitchFamily="18" charset="0"/>
                           </a:rPr>
                           <m:t>𝑢</m:t>
                         </m:r>
@@ -14131,7 +14137,7 @@
                       <m:sub>
                         <m:r>
                           <a:rPr lang="en-US" b="0" i="1" smtClean="0">
-                            <a:latin typeface="+mj-lt"/>
+                            <a:latin typeface="Cambria Math" panose="02040503050406030204" pitchFamily="18" charset="0"/>
                           </a:rPr>
                           <m:t>3</m:t>
                         </m:r>
@@ -14139,7 +14145,7 @@
                     </m:sSub>
                     <m:r>
                       <a:rPr lang="en-US" b="0" i="1" smtClean="0">
-                        <a:latin typeface="+mj-lt"/>
+                        <a:latin typeface="Cambria Math" panose="02040503050406030204" pitchFamily="18" charset="0"/>
                       </a:rPr>
                       <m:t>…</m:t>
                     </m:r>
@@ -14166,14 +14172,14 @@
                       <m:sSubPr>
                         <m:ctrlPr>
                           <a:rPr lang="en-US" b="0" i="1" smtClean="0">
-                            <a:latin typeface="+mj-lt"/>
+                            <a:latin typeface="Cambria Math" panose="02040503050406030204" pitchFamily="18" charset="0"/>
                           </a:rPr>
                         </m:ctrlPr>
                       </m:sSubPr>
                       <m:e>
                         <m:r>
                           <a:rPr lang="en-US" b="0" i="1" smtClean="0">
-                            <a:latin typeface="+mj-lt"/>
+                            <a:latin typeface="Cambria Math" panose="02040503050406030204" pitchFamily="18" charset="0"/>
                           </a:rPr>
                           <m:t>𝑢</m:t>
                         </m:r>
@@ -14181,7 +14187,7 @@
                       <m:sub>
                         <m:r>
                           <a:rPr lang="en-US" b="0" i="1" smtClean="0">
-                            <a:latin typeface="+mj-lt"/>
+                            <a:latin typeface="Cambria Math" panose="02040503050406030204" pitchFamily="18" charset="0"/>
                           </a:rPr>
                           <m:t>0</m:t>
                         </m:r>
@@ -14189,7 +14195,7 @@
                     </m:sSub>
                     <m:r>
                       <a:rPr lang="en-US" b="0" i="1" smtClean="0">
-                        <a:latin typeface="+mj-lt"/>
+                        <a:latin typeface="Cambria Math" panose="02040503050406030204" pitchFamily="18" charset="0"/>
                       </a:rPr>
                       <m:t>∈</m:t>
                     </m:r>
@@ -14198,7 +14204,7 @@
                         <m:sty m:val="p"/>
                       </m:rPr>
                       <a:rPr lang="en-US" b="0" i="0" smtClean="0">
-                        <a:latin typeface="+mj-lt"/>
+                        <a:latin typeface="Cambria Math" panose="02040503050406030204" pitchFamily="18" charset="0"/>
                       </a:rPr>
                       <m:t>Θ</m:t>
                     </m:r>
@@ -14220,19 +14226,19 @@
                   <m:oMath xmlns:m="http://schemas.openxmlformats.org/officeDocument/2006/math">
                     <m:r>
                       <a:rPr lang="en-US" b="0" i="1" smtClean="0">
-                        <a:latin typeface="+mj-lt"/>
+                        <a:latin typeface="Cambria Math" panose="02040503050406030204" pitchFamily="18" charset="0"/>
                       </a:rPr>
                       <m:t>∀ </m:t>
                     </m:r>
                     <m:r>
                       <a:rPr lang="en-US" b="0" i="1" smtClean="0">
-                        <a:latin typeface="+mj-lt"/>
+                        <a:latin typeface="Cambria Math" panose="02040503050406030204" pitchFamily="18" charset="0"/>
                       </a:rPr>
                       <m:t>𝑖</m:t>
                     </m:r>
                     <m:r>
                       <a:rPr lang="en-US" b="0" i="1" smtClean="0">
-                        <a:latin typeface="+mj-lt"/>
+                        <a:latin typeface="Cambria Math" panose="02040503050406030204" pitchFamily="18" charset="0"/>
                       </a:rPr>
                       <m:t> </m:t>
                     </m:r>
@@ -14250,14 +14256,14 @@
                       <m:sSubPr>
                         <m:ctrlPr>
                           <a:rPr lang="en-US" b="0" i="1" smtClean="0">
-                            <a:latin typeface="+mj-lt"/>
+                            <a:latin typeface="Cambria Math" panose="02040503050406030204" pitchFamily="18" charset="0"/>
                           </a:rPr>
                         </m:ctrlPr>
                       </m:sSubPr>
                       <m:e>
                         <m:r>
                           <a:rPr lang="en-US" b="0" i="1" smtClean="0">
-                            <a:latin typeface="+mj-lt"/>
+                            <a:latin typeface="Cambria Math" panose="02040503050406030204" pitchFamily="18" charset="0"/>
                           </a:rPr>
                           <m:t>𝑢</m:t>
                         </m:r>
@@ -14265,7 +14271,7 @@
                       <m:sub>
                         <m:r>
                           <a:rPr lang="en-US" b="0" i="1" smtClean="0">
-                            <a:latin typeface="+mj-lt"/>
+                            <a:latin typeface="Cambria Math" panose="02040503050406030204" pitchFamily="18" charset="0"/>
                           </a:rPr>
                           <m:t>𝑖</m:t>
                         </m:r>
@@ -14275,14 +14281,14 @@
                       <m:sSubPr>
                         <m:ctrlPr>
                           <a:rPr lang="en-US" b="0" i="1" smtClean="0">
-                            <a:latin typeface="+mj-lt"/>
+                            <a:latin typeface="Cambria Math" panose="02040503050406030204" pitchFamily="18" charset="0"/>
                           </a:rPr>
                         </m:ctrlPr>
                       </m:sSubPr>
                       <m:e>
                         <m:r>
                           <a:rPr lang="en-US" b="0" i="1" smtClean="0">
-                            <a:latin typeface="+mj-lt"/>
+                            <a:latin typeface="Cambria Math" panose="02040503050406030204" pitchFamily="18" charset="0"/>
                           </a:rPr>
                           <m:t>→</m:t>
                         </m:r>
@@ -14292,14 +14298,14 @@
                           <m:sSubPr>
                             <m:ctrlPr>
                               <a:rPr lang="en-US" b="0" i="1" smtClean="0">
-                                <a:latin typeface="+mj-lt"/>
+                                <a:latin typeface="Cambria Math" panose="02040503050406030204" pitchFamily="18" charset="0"/>
                               </a:rPr>
                             </m:ctrlPr>
                           </m:sSubPr>
                           <m:e>
                             <m:r>
                               <a:rPr lang="en-US" b="0" i="1" smtClean="0">
-                                <a:latin typeface="+mj-lt"/>
+                                <a:latin typeface="Cambria Math" panose="02040503050406030204" pitchFamily="18" charset="0"/>
                               </a:rPr>
                               <m:t>𝑎</m:t>
                             </m:r>
@@ -14307,13 +14313,13 @@
                           <m:sub>
                             <m:r>
                               <a:rPr lang="en-US" b="0" i="1" smtClean="0">
-                                <a:latin typeface="+mj-lt"/>
+                                <a:latin typeface="Cambria Math" panose="02040503050406030204" pitchFamily="18" charset="0"/>
                               </a:rPr>
                               <m:t>𝑖</m:t>
                             </m:r>
                             <m:r>
                               <a:rPr lang="en-US" b="0" i="1" smtClean="0">
-                                <a:latin typeface="+mj-lt"/>
+                                <a:latin typeface="Cambria Math" panose="02040503050406030204" pitchFamily="18" charset="0"/>
                               </a:rPr>
                               <m:t>+1</m:t>
                             </m:r>
@@ -14325,14 +14331,14 @@
                       <m:sSubPr>
                         <m:ctrlPr>
                           <a:rPr lang="en-US" b="0" i="1" smtClean="0">
-                            <a:latin typeface="+mj-lt"/>
+                            <a:latin typeface="Cambria Math" panose="02040503050406030204" pitchFamily="18" charset="0"/>
                           </a:rPr>
                         </m:ctrlPr>
                       </m:sSubPr>
                       <m:e>
                         <m:r>
                           <a:rPr lang="en-US" b="0" i="1" smtClean="0">
-                            <a:latin typeface="+mj-lt"/>
+                            <a:latin typeface="Cambria Math" panose="02040503050406030204" pitchFamily="18" charset="0"/>
                           </a:rPr>
                           <m:t>𝑢</m:t>
                         </m:r>
@@ -14340,13 +14346,13 @@
                       <m:sub>
                         <m:r>
                           <a:rPr lang="en-US" b="0" i="1" smtClean="0">
-                            <a:latin typeface="+mj-lt"/>
+                            <a:latin typeface="Cambria Math" panose="02040503050406030204" pitchFamily="18" charset="0"/>
                           </a:rPr>
                           <m:t>𝑖</m:t>
                         </m:r>
                         <m:r>
                           <a:rPr lang="en-US" b="0" i="1" smtClean="0">
-                            <a:latin typeface="+mj-lt"/>
+                            <a:latin typeface="Cambria Math" panose="02040503050406030204" pitchFamily="18" charset="0"/>
                           </a:rPr>
                           <m:t>+1</m:t>
                         </m:r>
@@ -14399,7 +14405,7 @@
             </p:txBody>
           </p:sp>
         </mc:Choice>
-        <mc:Fallback>
+        <mc:Fallback xmlns="">
           <p:sp>
             <p:nvSpPr>
               <p:cNvPr id="3" name="Content Placeholder 2"/>
@@ -14490,8 +14496,8 @@
           </a:p>
         </p:txBody>
       </p:sp>
-      <mc:AlternateContent xmlns:mc="http://schemas.openxmlformats.org/markup-compatibility/2006">
-        <mc:Choice xmlns:a14="http://schemas.microsoft.com/office/drawing/2010/main" Requires="a14">
+      <mc:AlternateContent xmlns:mc="http://schemas.openxmlformats.org/markup-compatibility/2006" xmlns:a14="http://schemas.microsoft.com/office/drawing/2010/main">
+        <mc:Choice Requires="a14">
           <p:sp>
             <p:nvSpPr>
               <p:cNvPr id="3" name="Content Placeholder 2"/>
@@ -14522,19 +14528,19 @@
                   <m:oMath xmlns:m="http://schemas.openxmlformats.org/officeDocument/2006/math">
                     <m:r>
                       <a:rPr lang="en-US" b="0" i="1" smtClean="0">
-                        <a:latin typeface="+mj-lt"/>
+                        <a:latin typeface="Cambria Math" panose="02040503050406030204" pitchFamily="18" charset="0"/>
                       </a:rPr>
                       <m:t>𝑎</m:t>
                     </m:r>
                     <m:r>
                       <a:rPr lang="en-US" b="0" i="1" smtClean="0">
-                        <a:latin typeface="+mj-lt"/>
+                        <a:latin typeface="Cambria Math" panose="02040503050406030204" pitchFamily="18" charset="0"/>
                       </a:rPr>
                       <m:t>∈</m:t>
                     </m:r>
                     <m:r>
                       <a:rPr lang="en-US" b="0" i="1" smtClean="0">
-                        <a:latin typeface="+mj-lt"/>
+                        <a:latin typeface="Cambria Math" panose="02040503050406030204" pitchFamily="18" charset="0"/>
                       </a:rPr>
                       <m:t>𝐴</m:t>
                     </m:r>
@@ -14671,7 +14677,7 @@
             </p:txBody>
           </p:sp>
         </mc:Choice>
-        <mc:Fallback>
+        <mc:Fallback xmlns="">
           <p:sp>
             <p:nvSpPr>
               <p:cNvPr id="3" name="Content Placeholder 2"/>
@@ -14793,8 +14799,8 @@
           </a:p>
         </p:txBody>
       </p:sp>
-      <mc:AlternateContent xmlns:mc="http://schemas.openxmlformats.org/markup-compatibility/2006">
-        <mc:Choice xmlns:a14="http://schemas.microsoft.com/office/drawing/2010/main" Requires="a14">
+      <mc:AlternateContent xmlns:mc="http://schemas.openxmlformats.org/markup-compatibility/2006" xmlns:a14="http://schemas.microsoft.com/office/drawing/2010/main">
+        <mc:Choice Requires="a14">
           <p:sp>
             <p:nvSpPr>
               <p:cNvPr id="3" name="Content Placeholder 2">
@@ -15059,7 +15065,7 @@
             </p:txBody>
           </p:sp>
         </mc:Choice>
-        <mc:Fallback>
+        <mc:Fallback xmlns="">
           <p:sp>
             <p:nvSpPr>
               <p:cNvPr id="3" name="Content Placeholder 2">
@@ -15129,8 +15135,8 @@
           <a:chExt cx="0" cy="0"/>
         </a:xfrm>
       </p:grpSpPr>
-      <mc:AlternateContent xmlns:mc="http://schemas.openxmlformats.org/markup-compatibility/2006">
-        <mc:Choice xmlns:a14="http://schemas.microsoft.com/office/drawing/2010/main" Requires="a14">
+      <mc:AlternateContent xmlns:mc="http://schemas.openxmlformats.org/markup-compatibility/2006" xmlns:a14="http://schemas.microsoft.com/office/drawing/2010/main">
+        <mc:Choice Requires="a14">
           <p:sp>
             <p:nvSpPr>
               <p:cNvPr id="3" name="Rectangle 2">
@@ -15252,7 +15258,7 @@
             </p:txBody>
           </p:sp>
         </mc:Choice>
-        <mc:Fallback>
+        <mc:Fallback xmlns="">
           <p:sp>
             <p:nvSpPr>
               <p:cNvPr id="3" name="Rectangle 2">
@@ -15320,8 +15326,8 @@
           </a:p>
         </p:txBody>
       </p:sp>
-      <mc:AlternateContent xmlns:mc="http://schemas.openxmlformats.org/markup-compatibility/2006">
-        <mc:Choice xmlns:a14="http://schemas.microsoft.com/office/drawing/2010/main" Requires="a14">
+      <mc:AlternateContent xmlns:mc="http://schemas.openxmlformats.org/markup-compatibility/2006" xmlns:a14="http://schemas.microsoft.com/office/drawing/2010/main">
+        <mc:Choice Requires="a14">
           <p:sp>
             <p:nvSpPr>
               <p:cNvPr id="15363" name="Content Placeholder 3"/>
@@ -15454,7 +15460,7 @@
             </p:txBody>
           </p:sp>
         </mc:Choice>
-        <mc:Fallback>
+        <mc:Fallback xmlns="">
           <p:sp>
             <p:nvSpPr>
               <p:cNvPr id="15363" name="Content Placeholder 3"/>
@@ -15488,8 +15494,8 @@
           </p:sp>
         </mc:Fallback>
       </mc:AlternateContent>
-      <mc:AlternateContent xmlns:mc="http://schemas.openxmlformats.org/markup-compatibility/2006">
-        <mc:Choice xmlns:a14="http://schemas.microsoft.com/office/drawing/2010/main" Requires="a14">
+      <mc:AlternateContent xmlns:mc="http://schemas.openxmlformats.org/markup-compatibility/2006" xmlns:a14="http://schemas.microsoft.com/office/drawing/2010/main">
+        <mc:Choice Requires="a14">
           <p:sp>
             <p:nvSpPr>
               <p:cNvPr id="2" name="Oval 1">
@@ -15573,7 +15579,7 @@
             </p:txBody>
           </p:sp>
         </mc:Choice>
-        <mc:Fallback>
+        <mc:Fallback xmlns="">
           <p:sp>
             <p:nvSpPr>
               <p:cNvPr id="2" name="Oval 1">
@@ -15618,8 +15624,8 @@
           </p:sp>
         </mc:Fallback>
       </mc:AlternateContent>
-      <mc:AlternateContent xmlns:mc="http://schemas.openxmlformats.org/markup-compatibility/2006">
-        <mc:Choice xmlns:a14="http://schemas.microsoft.com/office/drawing/2010/main" Requires="a14">
+      <mc:AlternateContent xmlns:mc="http://schemas.openxmlformats.org/markup-compatibility/2006" xmlns:a14="http://schemas.microsoft.com/office/drawing/2010/main">
+        <mc:Choice Requires="a14">
           <p:sp>
             <p:nvSpPr>
               <p:cNvPr id="5" name="Oval 4">
@@ -15699,7 +15705,7 @@
             </p:txBody>
           </p:sp>
         </mc:Choice>
-        <mc:Fallback>
+        <mc:Fallback xmlns="">
           <p:sp>
             <p:nvSpPr>
               <p:cNvPr id="5" name="Oval 4">
@@ -15796,8 +15802,8 @@
           </a:p>
         </p:txBody>
       </p:sp>
-      <mc:AlternateContent xmlns:mc="http://schemas.openxmlformats.org/markup-compatibility/2006">
-        <mc:Choice xmlns:a14="http://schemas.microsoft.com/office/drawing/2010/main" Requires="a14">
+      <mc:AlternateContent xmlns:mc="http://schemas.openxmlformats.org/markup-compatibility/2006" xmlns:a14="http://schemas.microsoft.com/office/drawing/2010/main">
+        <mc:Choice Requires="a14">
           <p:sp>
             <p:nvSpPr>
               <p:cNvPr id="3" name="Content Placeholder 2"/>
@@ -16317,7 +16323,7 @@
             </p:txBody>
           </p:sp>
         </mc:Choice>
-        <mc:Fallback>
+        <mc:Fallback xmlns="">
           <p:sp>
             <p:nvSpPr>
               <p:cNvPr id="3" name="Content Placeholder 2"/>
@@ -16397,16 +16403,8 @@
           <a:lstStyle/>
           <a:p>
             <a:r>
-              <a:rPr lang="en-US"/>
-              <a:t>Reach as </a:t>
-            </a:r>
-            <a:r>
-              <a:rPr lang="en-US" dirty="0" err="1"/>
-              <a:t>fixpoint</a:t>
-            </a:r>
-            <a:r>
               <a:rPr lang="en-US" dirty="0"/>
-              <a:t> of Post?</a:t>
+              <a:t>Reach as fixpoint of Post</a:t>
             </a:r>
           </a:p>
         </p:txBody>
@@ -16477,8 +16475,13 @@
           <a:p>
             <a:r>
               <a:rPr lang="en-US" dirty="0"/>
-              <a:t>Importance of Invariants</a:t>
-            </a:r>
+              <a:t>Proving invariants by induction </a:t>
+            </a:r>
+            <a:r>
+              <a:rPr lang="en-US"/>
+              <a:t>(Chapter 7)</a:t>
+            </a:r>
+            <a:endParaRPr lang="en-US" dirty="0"/>
           </a:p>
         </p:txBody>
       </p:sp>
@@ -16512,47 +16515,6 @@
           <a:chExt cx="0" cy="0"/>
         </a:xfrm>
       </p:grpSpPr>
-      <p:pic>
-        <p:nvPicPr>
-          <p:cNvPr id="1026" name="Picture 2" descr="Introduction to the Theory of Computation"/>
-          <p:cNvPicPr>
-            <a:picLocks noChangeAspect="1" noChangeArrowheads="1"/>
-          </p:cNvPicPr>
-          <p:nvPr/>
-        </p:nvPicPr>
-        <p:blipFill>
-          <a:blip r:embed="rId2">
-            <a:extLst>
-              <a:ext uri="{28A0092B-C50C-407E-A947-70E740481C1C}">
-                <a14:useLocalDpi xmlns:a14="http://schemas.microsoft.com/office/drawing/2010/main" val="0"/>
-              </a:ext>
-            </a:extLst>
-          </a:blip>
-          <a:srcRect/>
-          <a:stretch>
-            <a:fillRect/>
-          </a:stretch>
-        </p:blipFill>
-        <p:spPr bwMode="auto">
-          <a:xfrm>
-            <a:off x="8458200" y="4343400"/>
-            <a:ext cx="2209800" cy="2209800"/>
-          </a:xfrm>
-          <a:prstGeom prst="rect">
-            <a:avLst/>
-          </a:prstGeom>
-          <a:noFill/>
-          <a:extLst>
-            <a:ext uri="{909E8E84-426E-40DD-AFC4-6F175D3DCCD1}">
-              <a14:hiddenFill xmlns:a14="http://schemas.microsoft.com/office/drawing/2010/main">
-                <a:solidFill>
-                  <a:srgbClr val="FFFFFF"/>
-                </a:solidFill>
-              </a14:hiddenFill>
-            </a:ext>
-          </a:extLst>
-        </p:spPr>
-      </p:pic>
       <p:sp>
         <p:nvSpPr>
           <p:cNvPr id="2" name="Title 1"/>
@@ -16593,7 +16555,7 @@
         </p:spPr>
         <p:txBody>
           <a:bodyPr>
-            <a:normAutofit fontScale="92500"/>
+            <a:normAutofit/>
           </a:bodyPr>
           <a:lstStyle/>
           <a:p>
@@ -16640,76 +16602,6 @@
               </a:rPr>
               <a:t>Next: Overview of complexity classes  for understanding hardness of different verification problems</a:t>
             </a:r>
-          </a:p>
-          <a:p>
-            <a:r>
-              <a:rPr lang="en-US" dirty="0">
-                <a:latin typeface="+mj-lt"/>
-              </a:rPr>
-              <a:t>Reading assignment: Appendix B of </a:t>
-            </a:r>
-            <a:r>
-              <a:rPr lang="en-US" dirty="0" err="1">
-                <a:latin typeface="+mj-lt"/>
-              </a:rPr>
-              <a:t>CPSBook</a:t>
-            </a:r>
-            <a:endParaRPr lang="en-US" dirty="0">
-              <a:latin typeface="+mj-lt"/>
-            </a:endParaRPr>
-          </a:p>
-          <a:p>
-            <a:pPr lvl="1"/>
-            <a:r>
-              <a:rPr lang="en-US" dirty="0">
-                <a:latin typeface="+mj-lt"/>
-              </a:rPr>
-              <a:t>Turing Machines</a:t>
-            </a:r>
-          </a:p>
-          <a:p>
-            <a:pPr lvl="1"/>
-            <a:r>
-              <a:rPr lang="en-US" dirty="0">
-                <a:latin typeface="+mj-lt"/>
-              </a:rPr>
-              <a:t>Decidability</a:t>
-            </a:r>
-          </a:p>
-          <a:p>
-            <a:pPr lvl="1"/>
-            <a:r>
-              <a:rPr lang="en-US" dirty="0">
-                <a:latin typeface="+mj-lt"/>
-              </a:rPr>
-              <a:t>Complexity classes P, NP, PSPACE, NL</a:t>
-            </a:r>
-          </a:p>
-          <a:p>
-            <a:pPr lvl="1"/>
-            <a:r>
-              <a:rPr lang="en-US" dirty="0">
-                <a:latin typeface="+mj-lt"/>
-              </a:rPr>
-              <a:t>Reductions</a:t>
-            </a:r>
-          </a:p>
-          <a:p>
-            <a:r>
-              <a:rPr lang="en-US" dirty="0">
-                <a:latin typeface="+mj-lt"/>
-              </a:rPr>
-              <a:t>Reference: Any standard textbook on theory of computation, e.g., Introduction to Theory of Computation by Michael </a:t>
-            </a:r>
-            <a:r>
-              <a:rPr lang="en-US" dirty="0" err="1">
-                <a:latin typeface="+mj-lt"/>
-              </a:rPr>
-              <a:t>Sipser</a:t>
-            </a:r>
-            <a:endParaRPr lang="en-US" dirty="0">
-              <a:latin typeface="+mj-lt"/>
-            </a:endParaRPr>
           </a:p>
         </p:txBody>
       </p:sp>

--- a/Slides/ModelingComputation.pptx
+++ b/Slides/ModelingComputation.pptx
@@ -5,36 +5,37 @@
     <p:sldMasterId id="2147483648" r:id="rId1"/>
   </p:sldMasterIdLst>
   <p:notesMasterIdLst>
-    <p:notesMasterId r:id="rId29"/>
+    <p:notesMasterId r:id="rId30"/>
   </p:notesMasterIdLst>
   <p:sldIdLst>
     <p:sldId id="324" r:id="rId2"/>
-    <p:sldId id="325" r:id="rId3"/>
-    <p:sldId id="334" r:id="rId4"/>
-    <p:sldId id="311" r:id="rId5"/>
-    <p:sldId id="302" r:id="rId6"/>
-    <p:sldId id="303" r:id="rId7"/>
-    <p:sldId id="327" r:id="rId8"/>
-    <p:sldId id="328" r:id="rId9"/>
-    <p:sldId id="312" r:id="rId10"/>
-    <p:sldId id="329" r:id="rId11"/>
-    <p:sldId id="330" r:id="rId12"/>
-    <p:sldId id="331" r:id="rId13"/>
-    <p:sldId id="332" r:id="rId14"/>
-    <p:sldId id="333" r:id="rId15"/>
-    <p:sldId id="313" r:id="rId16"/>
-    <p:sldId id="314" r:id="rId17"/>
-    <p:sldId id="318" r:id="rId18"/>
-    <p:sldId id="315" r:id="rId19"/>
-    <p:sldId id="319" r:id="rId20"/>
-    <p:sldId id="320" r:id="rId21"/>
-    <p:sldId id="321" r:id="rId22"/>
-    <p:sldId id="335" r:id="rId23"/>
-    <p:sldId id="307" r:id="rId24"/>
-    <p:sldId id="322" r:id="rId25"/>
-    <p:sldId id="323" r:id="rId26"/>
-    <p:sldId id="317" r:id="rId27"/>
-    <p:sldId id="293" r:id="rId28"/>
+    <p:sldId id="336" r:id="rId3"/>
+    <p:sldId id="325" r:id="rId4"/>
+    <p:sldId id="334" r:id="rId5"/>
+    <p:sldId id="311" r:id="rId6"/>
+    <p:sldId id="302" r:id="rId7"/>
+    <p:sldId id="303" r:id="rId8"/>
+    <p:sldId id="327" r:id="rId9"/>
+    <p:sldId id="328" r:id="rId10"/>
+    <p:sldId id="312" r:id="rId11"/>
+    <p:sldId id="329" r:id="rId12"/>
+    <p:sldId id="330" r:id="rId13"/>
+    <p:sldId id="331" r:id="rId14"/>
+    <p:sldId id="332" r:id="rId15"/>
+    <p:sldId id="333" r:id="rId16"/>
+    <p:sldId id="313" r:id="rId17"/>
+    <p:sldId id="314" r:id="rId18"/>
+    <p:sldId id="318" r:id="rId19"/>
+    <p:sldId id="315" r:id="rId20"/>
+    <p:sldId id="319" r:id="rId21"/>
+    <p:sldId id="320" r:id="rId22"/>
+    <p:sldId id="321" r:id="rId23"/>
+    <p:sldId id="335" r:id="rId24"/>
+    <p:sldId id="307" r:id="rId25"/>
+    <p:sldId id="322" r:id="rId26"/>
+    <p:sldId id="323" r:id="rId27"/>
+    <p:sldId id="317" r:id="rId28"/>
+    <p:sldId id="293" r:id="rId29"/>
   </p:sldIdLst>
   <p:sldSz cx="12192000" cy="6858000"/>
   <p:notesSz cx="6858000" cy="9144000"/>
@@ -141,6 +142,67 @@
 </p:presentation>
 </file>
 
+<file path=ppt/ink/ink1.xml><?xml version="1.0" encoding="utf-8"?>
+<inkml:ink xmlns:inkml="http://www.w3.org/2003/InkML">
+  <inkml:definitions>
+    <inkml:context xml:id="ctx0">
+      <inkml:inkSource xml:id="inkSrc0">
+        <inkml:traceFormat>
+          <inkml:channel name="X" type="integer" min="-2.14748E9" max="2.14748E9" units="cm"/>
+          <inkml:channel name="Y" type="integer" min="-2.14748E9" max="2.14748E9" units="cm"/>
+          <inkml:channel name="F" type="integer" max="32767" units="dev"/>
+        </inkml:traceFormat>
+        <inkml:channelProperties>
+          <inkml:channelProperty channel="X" name="resolution" value="1000" units="1/cm"/>
+          <inkml:channelProperty channel="Y" name="resolution" value="1000" units="1/cm"/>
+          <inkml:channelProperty channel="F" name="resolution" value="0" units="1/dev"/>
+        </inkml:channelProperties>
+      </inkml:inkSource>
+      <inkml:timestamp xml:id="ts0" timeString="2019-08-27T18:47:52.441"/>
+    </inkml:context>
+    <inkml:brush xml:id="br0">
+      <inkml:brushProperty name="width" value="0.05292" units="cm"/>
+      <inkml:brushProperty name="height" value="0.05292" units="cm"/>
+      <inkml:brushProperty name="color" value="#FF0000"/>
+    </inkml:brush>
+  </inkml:definitions>
+  <inkml:trace contextRef="#ctx0" brushRef="#br0">1499 5927 24575,'0'19'0,"0"-3"0,0 0 0,0-12 0,0 11 0,0-15 0,0 24 0,0-18 0,0 17 0,0-23 0,0 16 0,0-12 0,16 11 0,-12-15 0,12 16 0,-16-12 0,0 12 0,0-16 0,0 23 0,0-17 0,0 18 0,23-24 0,-17 15 0,18-11 0,-24 12 0,0-16 0,15 0 0,-11 0 0,12 0 0,-16 0 0,15 0 0,-11 0 0,12 0 0,-16 0 0,24 0 0,-19 0 0,19 0 0,-8 0 0,-12 0 0,11 0 0,1 0 0,-12 0 0,12 0 0,-16 0 0,23 0 0,-17 0 0,17 0 0,-23 0 0,0-16 0,0 12 0,0-11 0,0-9 0,0 18 0,0-17 0,0 7 0,0 12 0,0-27 0,0 27 0,0-12 0,0-7 0,0 17 0,0-18 0,0 9 0,0 11 0,0-12 0,0 16 0,0-16 0,0 12 0,0-11 0,0 15 0,0-24 0,0 18 0,-23-17 0,17 23 0,-17-16 0,23 12 0,-16-12 0,12 16 0,-12-23 0,16 17 0,0-17 0,-15 23 0,11 0 0,-12 0 0,16 0 0,-24 0 0,19 0 0,-19 0 0,24 0 0,-16 0 0,12 0 0,-11 0 0,15 0 0,-16 0 0,12 0 0,-11 0 0,15 0 0,-24 0 0,18 0 0,-17 0 0,23 0 0,0 0 0,-16 0 0,12 0 0,-12 23 0,16-17 0,0 17 0,0-23 0,0 16 0,0-12 0,0 12 0,0-16 0,0 23 0,0-17 0,0 18 0,0-24 0,0 15 0,0-11 0,0 12 0,0-16 0</inkml:trace>
+  <inkml:trace contextRef="#ctx0" brushRef="#br0" timeOffset="1747">4251 4004 24575,'0'20'0,"0"-5"0,0 9 0,0-18 0,0 17 0,0-7 0,0-12 0,0 27 0,0-27 0,0 12 0,0-16 0,0 23 0,0-17 0,0 18 0,0-24 0,0 15 0,0-11 0,0 12 0,0-16 0,0 16 0,0-12 0,0 11 0,0-15 0,0 24 0,0-18 0,0 17 0,0-23 0,0 16 0,0-12 0,0 11 0,0-15 0,0 24 0,0-18 0,0 17 0,16-23 0,-12 16 0,11-12 0,-15 12 0,0-16 0,0 15 0,0-11 0,0 12 0,0-16 0,0 0 0,0 0 0</inkml:trace>
+  <inkml:trace contextRef="#ctx0" brushRef="#br0" timeOffset="3852">6773 4374 24575,'45'0'0,"-19"0"0,-1 0 0,13 0 0,5 0 0,0 0 0,-22 0 0,19 0 0,-36 0 0,27 0 0,-27 0 0,11 0 0,-15 0 0,24 0 0,-18 24 0,17-18 0,-23 17 0,0-23 0,0 0 0,0 16 0,16-12 0,-12 12 0,12-16 0,-16 15 0,0-11 0,0 35 0,15-33 0,-11 18 0,12-24 0,-16 16 0,0-13 0,0 13 0,0 0 0,0-12 0,0 35 0,0-33 0,0 33 0,0-35 0,0 27 0,0-27 0,-16 35 0,12-33 0,-27 18 0,27-9 0,-12-11 0,-7 12 0,17 0 0,-18-12 0,9 11 0,11 9 0,-12-18 0,16 17 0,-15-23 0,11 16 0,-12-12 0,16 12 0,-24-16 0,19 0 0,-19 23 0,24-17 0,0 17 0,0-23 0,24 0 0,-19 0 0,19 0 0,-8 0 0,-12 0 0,27 0 0,-4 0 0,11 0 0,5 0 0,0 0 0,-6 0 0,-10 0 0,5 0 0,-5 0 0,10 0 0,-9 0 0,11 0 0,-33 0 0,33 0 0,-35 0 0,12 16 0,-16-12 0,15 12 0,-11-16 0,12 0 0,-16 0 0</inkml:trace>
+</inkml:ink>
+</file>
+
+<file path=ppt/ink/ink2.xml><?xml version="1.0" encoding="utf-8"?>
+<inkml:ink xmlns:inkml="http://www.w3.org/2003/InkML">
+  <inkml:definitions>
+    <inkml:context xml:id="ctx0">
+      <inkml:inkSource xml:id="inkSrc0">
+        <inkml:traceFormat>
+          <inkml:channel name="X" type="integer" min="-2.14748E9" max="2.14748E9" units="cm"/>
+          <inkml:channel name="Y" type="integer" min="-2.14748E9" max="2.14748E9" units="cm"/>
+          <inkml:channel name="F" type="integer" max="32767" units="dev"/>
+        </inkml:traceFormat>
+        <inkml:channelProperties>
+          <inkml:channelProperty channel="X" name="resolution" value="1000" units="1/cm"/>
+          <inkml:channelProperty channel="Y" name="resolution" value="1000" units="1/cm"/>
+          <inkml:channelProperty channel="F" name="resolution" value="0" units="1/dev"/>
+        </inkml:channelProperties>
+      </inkml:inkSource>
+      <inkml:timestamp xml:id="ts0" timeString="2019-08-27T18:51:31.439"/>
+    </inkml:context>
+    <inkml:brush xml:id="br0">
+      <inkml:brushProperty name="width" value="0.05292" units="cm"/>
+      <inkml:brushProperty name="height" value="0.05292" units="cm"/>
+      <inkml:brushProperty name="color" value="#FF0000"/>
+    </inkml:brush>
+  </inkml:definitions>
+  <inkml:trace contextRef="#ctx0" brushRef="#br0">1535 7126 24575,'0'43'0,"-16"-6"0,14-11 0,0-1-1700,-14 13 1700,7-5 0,3 0 0,2 8 550,-12 3-550,16-13 0,0-4 281,0-5-281,0 17 0,0-35 0,0 27 869,0-27-869,0 36 0,0-35 0,0 35 0,16-36 0,-12 35 0,11-33 0,-15 17 0,16-7 0,-12-12 0,12 11 0,7-15 0,-17 16 0,18-12 0,-24 12 0,15-16 0,-11 0 0,12 0 0,-16 0 0,15-16 0,-11 12 0,12-27 0,-16 3 0,24-9-297,-14 11 1,1 1 296,17-12 0,3 9 0,-27-3 0,35 4 0,-33-11 0,17 11 0,-7-4 0,-12 27 0,12-12 593,-16-8-593,0 19 0,0-19 0,0 24 0,0-16 0,0 12 0,0-11 0,-16-1 0,12-11 0,-12 5 0,-7-1 0,17 7 0,-33 12 0,35-12 0,-12-7 0,1 17 0,11-18 0,-36 24 0,35 0 0,-19 0 0,8 0 0,12 0 0,-11 0 0,15 0 0,-16 0 0,12 0 0,-11 0 0,15 0 0,-24 0 0,18 0 0,-17 0 0,23 24 0,-16-18 0,12 17 0,-12-23 0,1 0 0,11 0 0,-12 0 0,16 0 0,0 0 0</inkml:trace>
+  <inkml:trace contextRef="#ctx0" brushRef="#br0" timeOffset="1112">4374 5080 24575,'0'45'0,"0"-2"0,0 0 0,0-5 0,0 5-1062,0-14 1,0 0 1061,0 20 0,0-18 0,0-1 664,0 13-664,0 0 0,0-21 355,0 17-355,0-35 0,0 12 0,0-16 272,0 15 0,0-11 1,0 12-1</inkml:trace>
+  <inkml:trace contextRef="#ctx0" brushRef="#br0" timeOffset="2903">6615 5256 24575,'43'0'0,"-22"0"0,8 0 0,-3 0 0,-18 0 0,18 0 0,3 0 0,-8 0 0,5 0 0,-1 0 0,-3 0 0,17 0 0,-19 0 0,-1 0 0,-3 0 0,-16 16 0,24-12 0,-19 12 0,19-16 0,-24 15 0,0-11 0,0 35 0,0-33 0,0 18 0,0-8 0,0-13 0,0 13 0,0 8 0,0-18 0,0 33 0,0-35 0,0 11 0,0-15 0,0 16 0,0-12 0,0 12 0,0-16 0,0 23 0,-24-17 0,19 18 0,-19-24 0,24 15 0,0-11 0,0 12 0,0-16 0,0 15 0,0-11 0,0 12 0,0-16 0,0 0 0,24 0 0,-3 0 0,22 0 0,0 0 0,-5 0 0,5 0 0,-24 0 0,20 0 0,-33 0 0,18 0 0,-8 0 0,-13 0 0,13 0 0,-16 0 0,0 0 0</inkml:trace>
+  <inkml:trace contextRef="#ctx0" brushRef="#br0" timeOffset="5623">9031 6967 24575,'32'0'0,"1"0"0,-4 0 0,1 0 0,0 0 0,-2 0 0,-2 0-712,13 0 0,0 0 712,-13 0 0,2 0 0,3 0 0,12 0 463,-22 0-463,18 0 236,-35 0-236,12 0 0,8 0 0,-19 0 725,19 0-725,-24 16 0,16-12 0,-12 12 0,11-1 0,-15-11 0,0 35 0,0-33 0,0 18 0,0-8 0,0 3 0,0 1 0,0-5 0,0 9 0,0-18 0,0 33 0,0-35 0,0 12 0,0 7 0,0-17 0,0 18 0,-15-24 0,11 0 0,-36 0 0,19 0 0,-7 15 0,1-13 0,0 0 0,1 14 0,-17-1 0,4-11 0,1 12 0,7 8 0,3-22 0,1 1 0,6 21 0,-7-24 0,-3 0 0,27 0 0,-35 16 0,33-12 0,-18 11 0,24-15 0,0 0 0,24 0 0,-3 0 0,7 0 0,3 0 0,-27 0 0,35 0 0,-33 0 0,33 0 0,-35 0 0,28 0 0,-28 0 0,35 0 0,-18 0 0,7 0 0,3 0 0,-27 0 0,35 0 0,-33 0 0,18 0 0,-9 0 0,-11 16 0,12-12 0,-16 12 0,24-16 0,-19 0 0,19 23 0,-24-17 0,0 17 0,0-7 0,0-12 0,0 12 0,0-16 0,0 15 0,0-11 0,0 12 0,0-16 0,0 24 0,0-19 0,0 19 0,0-24 0,0 16 0,0-12 0,0 11 0,-24-15 0,19 0 0,-19 0 0,8 0 0,-11 0 0,5 0 0,-17 24 0,35-18 0,-27 17 0,27-23 0,-12 0 0,-7 0 0,17 0 0,-33 0 0,35 0 0,-12 0 0,0 0 0,12 0 0,-11 0 0,-9 0 0,18 0 0,-33 16 0,35-12 0,-27 11 0,3-15 0,7 16 0,-3-12 0,9 12 0,11-16 0,-12 0 0,16 0 0,0 0 0,0 0 0</inkml:trace>
+</inkml:ink>
+</file>
+
 <file path=ppt/notesMasters/notesMaster1.xml><?xml version="1.0" encoding="utf-8"?>
 <p:notesMaster xmlns:a="http://schemas.openxmlformats.org/drawingml/2006/main" xmlns:r="http://schemas.openxmlformats.org/officeDocument/2006/relationships" xmlns:p="http://schemas.openxmlformats.org/presentationml/2006/main">
   <p:cSld>
@@ -223,7 +285,7 @@
           <a:p>
             <a:fld id="{517AFD9B-7E58-DE47-AB56-7CAF71037955}" type="datetimeFigureOut">
               <a:rPr lang="en-US" smtClean="0"/>
-              <a:t>8/25/19</a:t>
+              <a:t>8/27/19</a:t>
             </a:fld>
             <a:endParaRPr lang="en-US"/>
           </a:p>
@@ -699,7 +761,7 @@
             <a:fld id="{42E9AC91-DC6C-4B19-92F6-22E456D64441}" type="slidenum">
               <a:rPr lang="en-US" sz="1200" smtClean="0"/>
               <a:pPr/>
-              <a:t>5</a:t>
+              <a:t>6</a:t>
             </a:fld>
             <a:endParaRPr lang="en-US" sz="1200"/>
           </a:p>
@@ -927,7 +989,7 @@
             <a:fld id="{B85884E2-29F1-4D86-84CC-3D2D0A090487}" type="slidenum">
               <a:rPr lang="en-US" sz="1200" smtClean="0"/>
               <a:pPr/>
-              <a:t>6</a:t>
+              <a:t>7</a:t>
             </a:fld>
             <a:endParaRPr lang="en-US" sz="1200"/>
           </a:p>
@@ -1155,7 +1217,7 @@
             <a:fld id="{478875BD-0904-456D-BF1F-B156B76088E4}" type="slidenum">
               <a:rPr lang="en-US" sz="1200" smtClean="0"/>
               <a:pPr/>
-              <a:t>23</a:t>
+              <a:t>24</a:t>
             </a:fld>
             <a:endParaRPr lang="en-US" sz="1200"/>
           </a:p>
@@ -1321,7 +1383,7 @@
           <a:p>
             <a:fld id="{7B4B8AD7-01C0-D047-9657-785F092D97E2}" type="datetimeFigureOut">
               <a:rPr lang="en-US" smtClean="0"/>
-              <a:t>8/25/19</a:t>
+              <a:t>8/27/19</a:t>
             </a:fld>
             <a:endParaRPr lang="en-US"/>
           </a:p>
@@ -1519,7 +1581,7 @@
           <a:p>
             <a:fld id="{7B4B8AD7-01C0-D047-9657-785F092D97E2}" type="datetimeFigureOut">
               <a:rPr lang="en-US" smtClean="0"/>
-              <a:t>8/25/19</a:t>
+              <a:t>8/27/19</a:t>
             </a:fld>
             <a:endParaRPr lang="en-US"/>
           </a:p>
@@ -1727,7 +1789,7 @@
           <a:p>
             <a:fld id="{7B4B8AD7-01C0-D047-9657-785F092D97E2}" type="datetimeFigureOut">
               <a:rPr lang="en-US" smtClean="0"/>
-              <a:t>8/25/19</a:t>
+              <a:t>8/27/19</a:t>
             </a:fld>
             <a:endParaRPr lang="en-US"/>
           </a:p>
@@ -1925,7 +1987,7 @@
           <a:p>
             <a:fld id="{7B4B8AD7-01C0-D047-9657-785F092D97E2}" type="datetimeFigureOut">
               <a:rPr lang="en-US" smtClean="0"/>
-              <a:t>8/25/19</a:t>
+              <a:t>8/27/19</a:t>
             </a:fld>
             <a:endParaRPr lang="en-US"/>
           </a:p>
@@ -2200,7 +2262,7 @@
           <a:p>
             <a:fld id="{7B4B8AD7-01C0-D047-9657-785F092D97E2}" type="datetimeFigureOut">
               <a:rPr lang="en-US" smtClean="0"/>
-              <a:t>8/25/19</a:t>
+              <a:t>8/27/19</a:t>
             </a:fld>
             <a:endParaRPr lang="en-US"/>
           </a:p>
@@ -2465,7 +2527,7 @@
           <a:p>
             <a:fld id="{7B4B8AD7-01C0-D047-9657-785F092D97E2}" type="datetimeFigureOut">
               <a:rPr lang="en-US" smtClean="0"/>
-              <a:t>8/25/19</a:t>
+              <a:t>8/27/19</a:t>
             </a:fld>
             <a:endParaRPr lang="en-US"/>
           </a:p>
@@ -2877,7 +2939,7 @@
           <a:p>
             <a:fld id="{7B4B8AD7-01C0-D047-9657-785F092D97E2}" type="datetimeFigureOut">
               <a:rPr lang="en-US" smtClean="0"/>
-              <a:t>8/25/19</a:t>
+              <a:t>8/27/19</a:t>
             </a:fld>
             <a:endParaRPr lang="en-US"/>
           </a:p>
@@ -3018,7 +3080,7 @@
           <a:p>
             <a:fld id="{7B4B8AD7-01C0-D047-9657-785F092D97E2}" type="datetimeFigureOut">
               <a:rPr lang="en-US" smtClean="0"/>
-              <a:t>8/25/19</a:t>
+              <a:t>8/27/19</a:t>
             </a:fld>
             <a:endParaRPr lang="en-US"/>
           </a:p>
@@ -3131,7 +3193,7 @@
           <a:p>
             <a:fld id="{7B4B8AD7-01C0-D047-9657-785F092D97E2}" type="datetimeFigureOut">
               <a:rPr lang="en-US" smtClean="0"/>
-              <a:t>8/25/19</a:t>
+              <a:t>8/27/19</a:t>
             </a:fld>
             <a:endParaRPr lang="en-US"/>
           </a:p>
@@ -3442,7 +3504,7 @@
           <a:p>
             <a:fld id="{7B4B8AD7-01C0-D047-9657-785F092D97E2}" type="datetimeFigureOut">
               <a:rPr lang="en-US" smtClean="0"/>
-              <a:t>8/25/19</a:t>
+              <a:t>8/27/19</a:t>
             </a:fld>
             <a:endParaRPr lang="en-US"/>
           </a:p>
@@ -3730,7 +3792,7 @@
           <a:p>
             <a:fld id="{7B4B8AD7-01C0-D047-9657-785F092D97E2}" type="datetimeFigureOut">
               <a:rPr lang="en-US" smtClean="0"/>
-              <a:t>8/25/19</a:t>
+              <a:t>8/27/19</a:t>
             </a:fld>
             <a:endParaRPr lang="en-US"/>
           </a:p>
@@ -3971,7 +4033,7 @@
           <a:p>
             <a:fld id="{7B4B8AD7-01C0-D047-9657-785F092D97E2}" type="datetimeFigureOut">
               <a:rPr lang="en-US" smtClean="0"/>
-              <a:t>8/25/19</a:t>
+              <a:t>8/27/19</a:t>
             </a:fld>
             <a:endParaRPr lang="en-US"/>
           </a:p>
@@ -4496,6 +4558,492 @@
       </p:grpSpPr>
       <p:sp>
         <p:nvSpPr>
+          <p:cNvPr id="3" name="Title 2"/>
+          <p:cNvSpPr>
+            <a:spLocks noGrp="1"/>
+          </p:cNvSpPr>
+          <p:nvPr>
+            <p:ph type="title"/>
+          </p:nvPr>
+        </p:nvSpPr>
+        <p:spPr>
+          <a:xfrm>
+            <a:off x="838200" y="0"/>
+            <a:ext cx="10515600" cy="1325563"/>
+          </a:xfrm>
+        </p:spPr>
+        <p:txBody>
+          <a:bodyPr>
+            <a:normAutofit/>
+          </a:bodyPr>
+          <a:lstStyle/>
+          <a:p>
+            <a:r>
+              <a:rPr lang="en-US" dirty="0"/>
+              <a:t>A language for specifying automata</a:t>
+            </a:r>
+          </a:p>
+        </p:txBody>
+      </p:sp>
+      <p:sp>
+        <p:nvSpPr>
+          <p:cNvPr id="2" name="TextBox 1">
+            <a:extLst>
+              <a:ext uri="{FF2B5EF4-FFF2-40B4-BE49-F238E27FC236}">
+                <a16:creationId xmlns:a16="http://schemas.microsoft.com/office/drawing/2014/main" id="{1417CDEB-59C2-494C-B916-ABA6EEECE1D0}"/>
+              </a:ext>
+            </a:extLst>
+          </p:cNvPr>
+          <p:cNvSpPr txBox="1"/>
+          <p:nvPr/>
+        </p:nvSpPr>
+        <p:spPr>
+          <a:xfrm>
+            <a:off x="838200" y="1027906"/>
+            <a:ext cx="6352701" cy="5632311"/>
+          </a:xfrm>
+          <a:prstGeom prst="rect">
+            <a:avLst/>
+          </a:prstGeom>
+          <a:noFill/>
+        </p:spPr>
+        <p:txBody>
+          <a:bodyPr wrap="none" rtlCol="0">
+            <a:spAutoFit/>
+          </a:bodyPr>
+          <a:lstStyle/>
+          <a:p>
+            <a:r>
+              <a:rPr lang="en-US" sz="2400" b="1" dirty="0"/>
+              <a:t>automaton</a:t>
+            </a:r>
+            <a:r>
+              <a:rPr lang="en-US" sz="2400" dirty="0"/>
+              <a:t> </a:t>
+            </a:r>
+            <a:r>
+              <a:rPr lang="en-US" sz="2400" dirty="0" err="1">
+                <a:solidFill>
+                  <a:srgbClr val="0119FF"/>
+                </a:solidFill>
+              </a:rPr>
+              <a:t>DijkstraTR</a:t>
+            </a:r>
+            <a:r>
+              <a:rPr lang="en-US" sz="2400" dirty="0"/>
+              <a:t>(</a:t>
+            </a:r>
+            <a:r>
+              <a:rPr lang="en-US" sz="2400" dirty="0" err="1"/>
+              <a:t>N:</a:t>
+            </a:r>
+            <a:r>
+              <a:rPr lang="en-US" sz="2400" dirty="0" err="1">
+                <a:solidFill>
+                  <a:srgbClr val="00B050"/>
+                </a:solidFill>
+              </a:rPr>
+              <a:t>Nat</a:t>
+            </a:r>
+            <a:r>
+              <a:rPr lang="en-US" sz="2400" dirty="0"/>
+              <a:t>, </a:t>
+            </a:r>
+            <a:r>
+              <a:rPr lang="en-US" sz="2400" dirty="0" err="1"/>
+              <a:t>K:</a:t>
+            </a:r>
+            <a:r>
+              <a:rPr lang="en-US" sz="2400" dirty="0" err="1">
+                <a:solidFill>
+                  <a:srgbClr val="00B050"/>
+                </a:solidFill>
+              </a:rPr>
+              <a:t>Nat</a:t>
+            </a:r>
+            <a:r>
+              <a:rPr lang="en-US" sz="2400" dirty="0"/>
+              <a:t>), </a:t>
+            </a:r>
+            <a:r>
+              <a:rPr lang="en-US" sz="2400" b="1" dirty="0"/>
+              <a:t>where</a:t>
+            </a:r>
+            <a:r>
+              <a:rPr lang="en-US" sz="2400" dirty="0"/>
+              <a:t> K &gt; N</a:t>
+            </a:r>
+          </a:p>
+          <a:p>
+            <a:r>
+              <a:rPr lang="en-US" sz="2400" dirty="0"/>
+              <a:t>  </a:t>
+            </a:r>
+            <a:r>
+              <a:rPr lang="en-US" sz="2400" b="1" dirty="0"/>
+              <a:t>type</a:t>
+            </a:r>
+            <a:r>
+              <a:rPr lang="en-US" sz="2400" dirty="0"/>
+              <a:t> </a:t>
+            </a:r>
+            <a:r>
+              <a:rPr lang="en-US" sz="2400" dirty="0">
+                <a:solidFill>
+                  <a:srgbClr val="0119FF"/>
+                </a:solidFill>
+              </a:rPr>
+              <a:t>ID</a:t>
+            </a:r>
+            <a:r>
+              <a:rPr lang="en-US" sz="2400" dirty="0"/>
+              <a:t>: </a:t>
+            </a:r>
+            <a:r>
+              <a:rPr lang="en-US" sz="2400" b="1" dirty="0"/>
+              <a:t>enumeration</a:t>
+            </a:r>
+            <a:r>
+              <a:rPr lang="en-US" sz="2400" dirty="0"/>
+              <a:t> [0,...,N-1]</a:t>
+            </a:r>
+          </a:p>
+          <a:p>
+            <a:r>
+              <a:rPr lang="en-US" sz="2400" dirty="0"/>
+              <a:t>  </a:t>
+            </a:r>
+            <a:r>
+              <a:rPr lang="en-US" sz="2400" b="1" dirty="0"/>
+              <a:t>type</a:t>
+            </a:r>
+            <a:r>
+              <a:rPr lang="en-US" sz="2400" dirty="0"/>
+              <a:t> </a:t>
+            </a:r>
+            <a:r>
+              <a:rPr lang="en-US" sz="2400" dirty="0">
+                <a:solidFill>
+                  <a:srgbClr val="0119FF"/>
+                </a:solidFill>
+              </a:rPr>
+              <a:t>Val</a:t>
+            </a:r>
+            <a:r>
+              <a:rPr lang="en-US" sz="2400" dirty="0"/>
+              <a:t>: </a:t>
+            </a:r>
+            <a:r>
+              <a:rPr lang="en-US" sz="2400" b="1" dirty="0"/>
+              <a:t>enumeration</a:t>
+            </a:r>
+            <a:r>
+              <a:rPr lang="en-US" sz="2400" dirty="0"/>
+              <a:t> [0,...,K]</a:t>
+            </a:r>
+          </a:p>
+          <a:p>
+            <a:r>
+              <a:rPr lang="en-US" sz="2400" dirty="0"/>
+              <a:t>  </a:t>
+            </a:r>
+            <a:r>
+              <a:rPr lang="en-US" sz="2400" b="1" dirty="0"/>
+              <a:t>actions</a:t>
+            </a:r>
+          </a:p>
+          <a:p>
+            <a:r>
+              <a:rPr lang="en-US" sz="2400" dirty="0"/>
+              <a:t>      </a:t>
+            </a:r>
+            <a:r>
+              <a:rPr lang="en-US" sz="2400" dirty="0">
+                <a:solidFill>
+                  <a:srgbClr val="0119FF"/>
+                </a:solidFill>
+              </a:rPr>
+              <a:t>update</a:t>
+            </a:r>
+            <a:r>
+              <a:rPr lang="en-US" sz="2400" dirty="0"/>
+              <a:t>(</a:t>
+            </a:r>
+            <a:r>
+              <a:rPr lang="en-US" sz="2400" dirty="0" err="1"/>
+              <a:t>i:ID</a:t>
+            </a:r>
+            <a:r>
+              <a:rPr lang="en-US" sz="2400" dirty="0"/>
+              <a:t>)</a:t>
+            </a:r>
+          </a:p>
+          <a:p>
+            <a:r>
+              <a:rPr lang="en-US" sz="2400" dirty="0"/>
+              <a:t>  </a:t>
+            </a:r>
+            <a:r>
+              <a:rPr lang="en-US" sz="2400" b="1" dirty="0"/>
+              <a:t>variables</a:t>
+            </a:r>
+          </a:p>
+          <a:p>
+            <a:r>
+              <a:rPr lang="en-US" sz="2400" dirty="0"/>
+              <a:t>      </a:t>
+            </a:r>
+            <a:r>
+              <a:rPr lang="en-US" sz="2400" dirty="0">
+                <a:solidFill>
+                  <a:srgbClr val="0119FF"/>
+                </a:solidFill>
+              </a:rPr>
+              <a:t>x</a:t>
+            </a:r>
+            <a:r>
+              <a:rPr lang="en-US" sz="2400" dirty="0"/>
+              <a:t>:[ID -&gt; K]</a:t>
+            </a:r>
+          </a:p>
+          <a:p>
+            <a:r>
+              <a:rPr lang="en-US" sz="2400" dirty="0"/>
+              <a:t>   </a:t>
+            </a:r>
+            <a:r>
+              <a:rPr lang="en-US" sz="2400" b="1" dirty="0"/>
+              <a:t>transitions</a:t>
+            </a:r>
+          </a:p>
+          <a:p>
+            <a:r>
+              <a:rPr lang="en-US" sz="2400" dirty="0"/>
+              <a:t>      </a:t>
+            </a:r>
+            <a:r>
+              <a:rPr lang="en-US" sz="2400" dirty="0">
+                <a:solidFill>
+                  <a:srgbClr val="0119FF"/>
+                </a:solidFill>
+              </a:rPr>
+              <a:t>update</a:t>
+            </a:r>
+            <a:r>
+              <a:rPr lang="en-US" sz="2400" dirty="0"/>
+              <a:t>(</a:t>
+            </a:r>
+            <a:r>
+              <a:rPr lang="en-US" sz="2400" dirty="0" err="1"/>
+              <a:t>i:ID</a:t>
+            </a:r>
+            <a:r>
+              <a:rPr lang="en-US" sz="2400" dirty="0"/>
+              <a:t>) </a:t>
+            </a:r>
+            <a:r>
+              <a:rPr lang="en-US" sz="2400" b="1" dirty="0"/>
+              <a:t>where</a:t>
+            </a:r>
+            <a:r>
+              <a:rPr lang="en-US" sz="2400" dirty="0"/>
+              <a:t> </a:t>
+            </a:r>
+            <a:r>
+              <a:rPr lang="en-US" sz="2400" dirty="0" err="1"/>
+              <a:t>i</a:t>
+            </a:r>
+            <a:r>
+              <a:rPr lang="en-US" sz="2400" dirty="0"/>
+              <a:t> = 0</a:t>
+            </a:r>
+          </a:p>
+          <a:p>
+            <a:r>
+              <a:rPr lang="en-US" sz="2400" dirty="0"/>
+              <a:t>        </a:t>
+            </a:r>
+            <a:r>
+              <a:rPr lang="en-US" sz="2400" b="1" dirty="0"/>
+              <a:t>pre</a:t>
+            </a:r>
+            <a:r>
+              <a:rPr lang="en-US" sz="2400" dirty="0"/>
+              <a:t> </a:t>
+            </a:r>
+            <a:r>
+              <a:rPr lang="en-US" sz="2400" dirty="0" err="1"/>
+              <a:t>i</a:t>
+            </a:r>
+            <a:r>
+              <a:rPr lang="en-US" sz="2400" dirty="0"/>
+              <a:t> = 0 /\ x[</a:t>
+            </a:r>
+            <a:r>
+              <a:rPr lang="en-US" sz="2400" dirty="0" err="1"/>
+              <a:t>i</a:t>
+            </a:r>
+            <a:r>
+              <a:rPr lang="en-US" sz="2400" dirty="0"/>
+              <a:t>] = x[(i-1)]</a:t>
+            </a:r>
+          </a:p>
+          <a:p>
+            <a:r>
+              <a:rPr lang="en-US" sz="2400" dirty="0"/>
+              <a:t>        </a:t>
+            </a:r>
+            <a:r>
+              <a:rPr lang="en-US" sz="2400" b="1" dirty="0"/>
+              <a:t>eff</a:t>
+            </a:r>
+            <a:r>
+              <a:rPr lang="en-US" sz="2400" dirty="0"/>
+              <a:t> x[</a:t>
+            </a:r>
+            <a:r>
+              <a:rPr lang="en-US" sz="2400" dirty="0" err="1"/>
+              <a:t>i</a:t>
+            </a:r>
+            <a:r>
+              <a:rPr lang="en-US" sz="2400" dirty="0"/>
+              <a:t>] := (x[</a:t>
+            </a:r>
+            <a:r>
+              <a:rPr lang="en-US" sz="2400" dirty="0" err="1"/>
+              <a:t>i</a:t>
+            </a:r>
+            <a:r>
+              <a:rPr lang="en-US" sz="2400" dirty="0"/>
+              <a:t>] + 1) %  K</a:t>
+            </a:r>
+          </a:p>
+          <a:p>
+            <a:r>
+              <a:rPr lang="en-US" sz="2400" dirty="0"/>
+              <a:t>   </a:t>
+            </a:r>
+          </a:p>
+          <a:p>
+            <a:r>
+              <a:rPr lang="en-US" sz="2400" dirty="0"/>
+              <a:t>       </a:t>
+            </a:r>
+            <a:r>
+              <a:rPr lang="en-US" sz="2400" dirty="0">
+                <a:solidFill>
+                  <a:srgbClr val="0119FF"/>
+                </a:solidFill>
+              </a:rPr>
+              <a:t>update</a:t>
+            </a:r>
+            <a:r>
+              <a:rPr lang="en-US" sz="2400" dirty="0"/>
+              <a:t>(</a:t>
+            </a:r>
+            <a:r>
+              <a:rPr lang="en-US" sz="2400" dirty="0" err="1"/>
+              <a:t>i:ID</a:t>
+            </a:r>
+            <a:r>
+              <a:rPr lang="en-US" sz="2400" dirty="0"/>
+              <a:t>)$ </a:t>
+            </a:r>
+            <a:r>
+              <a:rPr lang="en-US" sz="2400" b="1" dirty="0"/>
+              <a:t>where</a:t>
+            </a:r>
+            <a:r>
+              <a:rPr lang="en-US" sz="2400" dirty="0"/>
+              <a:t> </a:t>
+            </a:r>
+          </a:p>
+          <a:p>
+            <a:r>
+              <a:rPr lang="en-US" sz="2400" dirty="0"/>
+              <a:t>         </a:t>
+            </a:r>
+            <a:r>
+              <a:rPr lang="en-US" sz="2400" b="1" dirty="0"/>
+              <a:t>pre</a:t>
+            </a:r>
+            <a:r>
+              <a:rPr lang="en-US" sz="2400" dirty="0"/>
+              <a:t> </a:t>
+            </a:r>
+            <a:r>
+              <a:rPr lang="en-US" sz="2400" dirty="0" err="1"/>
+              <a:t>i</a:t>
+            </a:r>
+            <a:r>
+              <a:rPr lang="en-US" sz="2400" dirty="0"/>
+              <a:t> &gt;0  /\ x[</a:t>
+            </a:r>
+            <a:r>
+              <a:rPr lang="en-US" sz="2400" dirty="0" err="1"/>
+              <a:t>i</a:t>
+            </a:r>
+            <a:r>
+              <a:rPr lang="en-US" sz="2400" dirty="0"/>
+              <a:t>] ~= x[i-1]</a:t>
+            </a:r>
+          </a:p>
+          <a:p>
+            <a:r>
+              <a:rPr lang="en-US" sz="2400" dirty="0"/>
+              <a:t>         </a:t>
+            </a:r>
+            <a:r>
+              <a:rPr lang="en-US" sz="2400" b="1" dirty="0"/>
+              <a:t>eff</a:t>
+            </a:r>
+            <a:r>
+              <a:rPr lang="en-US" sz="2400" dirty="0"/>
+              <a:t> x[</a:t>
+            </a:r>
+            <a:r>
+              <a:rPr lang="en-US" sz="2400" dirty="0" err="1"/>
+              <a:t>i</a:t>
+            </a:r>
+            <a:r>
+              <a:rPr lang="en-US" sz="2400" dirty="0"/>
+              <a:t>] := x[i-1]</a:t>
+            </a:r>
+          </a:p>
+        </p:txBody>
+      </p:sp>
+    </p:spTree>
+    <p:extLst>
+      <p:ext uri="{BB962C8B-B14F-4D97-AF65-F5344CB8AC3E}">
+        <p14:creationId xmlns:p14="http://schemas.microsoft.com/office/powerpoint/2010/main" val="1145801114"/>
+      </p:ext>
+    </p:extLst>
+  </p:cSld>
+  <p:clrMapOvr>
+    <a:masterClrMapping/>
+  </p:clrMapOvr>
+</p:sld>
+</file>
+
+<file path=ppt/slides/slide11.xml><?xml version="1.0" encoding="utf-8"?>
+<p:sld xmlns:a="http://schemas.openxmlformats.org/drawingml/2006/main" xmlns:r="http://schemas.openxmlformats.org/officeDocument/2006/relationships" xmlns:p="http://schemas.openxmlformats.org/presentationml/2006/main">
+  <p:cSld>
+    <p:spTree>
+      <p:nvGrpSpPr>
+        <p:cNvPr id="1" name=""/>
+        <p:cNvGrpSpPr/>
+        <p:nvPr/>
+      </p:nvGrpSpPr>
+      <p:grpSpPr>
+        <a:xfrm>
+          <a:off x="0" y="0"/>
+          <a:ext cx="0" cy="0"/>
+          <a:chOff x="0" y="0"/>
+          <a:chExt cx="0" cy="0"/>
+        </a:xfrm>
+      </p:grpSpPr>
+      <p:sp>
+        <p:nvSpPr>
           <p:cNvPr id="4" name="Rectangle 3">
             <a:extLst>
               <a:ext uri="{FF2B5EF4-FFF2-40B4-BE49-F238E27FC236}">
@@ -5094,7 +5642,7 @@
 </p:sld>
 </file>
 
-<file path=ppt/slides/slide11.xml><?xml version="1.0" encoding="utf-8"?>
+<file path=ppt/slides/slide12.xml><?xml version="1.0" encoding="utf-8"?>
 <p:sld xmlns:a="http://schemas.openxmlformats.org/drawingml/2006/main" xmlns:r="http://schemas.openxmlformats.org/officeDocument/2006/relationships" xmlns:p="http://schemas.openxmlformats.org/presentationml/2006/main">
   <p:cSld>
     <p:spTree>
@@ -5711,7 +6259,7 @@
 </p:sld>
 </file>
 
-<file path=ppt/slides/slide12.xml><?xml version="1.0" encoding="utf-8"?>
+<file path=ppt/slides/slide13.xml><?xml version="1.0" encoding="utf-8"?>
 <p:sld xmlns:a="http://schemas.openxmlformats.org/drawingml/2006/main" xmlns:r="http://schemas.openxmlformats.org/officeDocument/2006/relationships" xmlns:p="http://schemas.openxmlformats.org/presentationml/2006/main">
   <p:cSld>
     <p:spTree>
@@ -6328,7 +6876,7 @@
 </p:sld>
 </file>
 
-<file path=ppt/slides/slide13.xml><?xml version="1.0" encoding="utf-8"?>
+<file path=ppt/slides/slide14.xml><?xml version="1.0" encoding="utf-8"?>
 <p:sld xmlns:a="http://schemas.openxmlformats.org/drawingml/2006/main" xmlns:r="http://schemas.openxmlformats.org/officeDocument/2006/relationships" xmlns:p="http://schemas.openxmlformats.org/presentationml/2006/main">
   <p:cSld>
     <p:spTree>
@@ -6945,7 +7493,7 @@
 </p:sld>
 </file>
 
-<file path=ppt/slides/slide14.xml><?xml version="1.0" encoding="utf-8"?>
+<file path=ppt/slides/slide15.xml><?xml version="1.0" encoding="utf-8"?>
 <p:sld xmlns:a="http://schemas.openxmlformats.org/drawingml/2006/main" xmlns:r="http://schemas.openxmlformats.org/officeDocument/2006/relationships" xmlns:p="http://schemas.openxmlformats.org/presentationml/2006/main">
   <p:cSld>
     <p:spTree>
@@ -7562,7 +8110,7 @@
 </p:sld>
 </file>
 
-<file path=ppt/slides/slide15.xml><?xml version="1.0" encoding="utf-8"?>
+<file path=ppt/slides/slide16.xml><?xml version="1.0" encoding="utf-8"?>
 <p:sld xmlns:a="http://schemas.openxmlformats.org/drawingml/2006/main" xmlns:r="http://schemas.openxmlformats.org/officeDocument/2006/relationships" xmlns:p="http://schemas.openxmlformats.org/presentationml/2006/main">
   <p:cSld>
     <p:spTree>
@@ -8291,10 +8839,432 @@
   <p:clrMapOvr>
     <a:masterClrMapping/>
   </p:clrMapOvr>
+  <p:timing>
+    <p:tnLst>
+      <p:par>
+        <p:cTn id="1" dur="indefinite" restart="never" nodeType="tmRoot">
+          <p:childTnLst>
+            <p:seq concurrent="1" nextAc="seek">
+              <p:cTn id="2" dur="indefinite" nodeType="mainSeq">
+                <p:childTnLst>
+                  <p:par>
+                    <p:cTn id="3" fill="hold">
+                      <p:stCondLst>
+                        <p:cond delay="indefinite"/>
+                      </p:stCondLst>
+                      <p:childTnLst>
+                        <p:par>
+                          <p:cTn id="4" fill="hold">
+                            <p:stCondLst>
+                              <p:cond delay="0"/>
+                            </p:stCondLst>
+                            <p:childTnLst>
+                              <p:par>
+                                <p:cTn id="5" presetID="1" presetClass="entr" presetSubtype="0" fill="hold" nodeType="clickEffect">
+                                  <p:stCondLst>
+                                    <p:cond delay="0"/>
+                                  </p:stCondLst>
+                                  <p:childTnLst>
+                                    <p:set>
+                                      <p:cBhvr>
+                                        <p:cTn id="6" dur="1" fill="hold">
+                                          <p:stCondLst>
+                                            <p:cond delay="0"/>
+                                          </p:stCondLst>
+                                        </p:cTn>
+                                        <p:tgtEl>
+                                          <p:spTgt spid="3">
+                                            <p:txEl>
+                                              <p:pRg st="1" end="1"/>
+                                            </p:txEl>
+                                          </p:spTgt>
+                                        </p:tgtEl>
+                                        <p:attrNameLst>
+                                          <p:attrName>style.visibility</p:attrName>
+                                        </p:attrNameLst>
+                                      </p:cBhvr>
+                                      <p:to>
+                                        <p:strVal val="visible"/>
+                                      </p:to>
+                                    </p:set>
+                                  </p:childTnLst>
+                                </p:cTn>
+                              </p:par>
+                            </p:childTnLst>
+                          </p:cTn>
+                        </p:par>
+                      </p:childTnLst>
+                    </p:cTn>
+                  </p:par>
+                  <p:par>
+                    <p:cTn id="7" fill="hold">
+                      <p:stCondLst>
+                        <p:cond delay="indefinite"/>
+                      </p:stCondLst>
+                      <p:childTnLst>
+                        <p:par>
+                          <p:cTn id="8" fill="hold">
+                            <p:stCondLst>
+                              <p:cond delay="0"/>
+                            </p:stCondLst>
+                            <p:childTnLst>
+                              <p:par>
+                                <p:cTn id="9" presetID="1" presetClass="entr" presetSubtype="0" fill="hold" nodeType="clickEffect">
+                                  <p:stCondLst>
+                                    <p:cond delay="0"/>
+                                  </p:stCondLst>
+                                  <p:childTnLst>
+                                    <p:set>
+                                      <p:cBhvr>
+                                        <p:cTn id="10" dur="1" fill="hold">
+                                          <p:stCondLst>
+                                            <p:cond delay="0"/>
+                                          </p:stCondLst>
+                                        </p:cTn>
+                                        <p:tgtEl>
+                                          <p:spTgt spid="3">
+                                            <p:txEl>
+                                              <p:pRg st="2" end="2"/>
+                                            </p:txEl>
+                                          </p:spTgt>
+                                        </p:tgtEl>
+                                        <p:attrNameLst>
+                                          <p:attrName>style.visibility</p:attrName>
+                                        </p:attrNameLst>
+                                      </p:cBhvr>
+                                      <p:to>
+                                        <p:strVal val="visible"/>
+                                      </p:to>
+                                    </p:set>
+                                  </p:childTnLst>
+                                </p:cTn>
+                              </p:par>
+                            </p:childTnLst>
+                          </p:cTn>
+                        </p:par>
+                      </p:childTnLst>
+                    </p:cTn>
+                  </p:par>
+                  <p:par>
+                    <p:cTn id="11" fill="hold">
+                      <p:stCondLst>
+                        <p:cond delay="indefinite"/>
+                      </p:stCondLst>
+                      <p:childTnLst>
+                        <p:par>
+                          <p:cTn id="12" fill="hold">
+                            <p:stCondLst>
+                              <p:cond delay="0"/>
+                            </p:stCondLst>
+                            <p:childTnLst>
+                              <p:par>
+                                <p:cTn id="13" presetID="1" presetClass="entr" presetSubtype="0" fill="hold" nodeType="clickEffect">
+                                  <p:stCondLst>
+                                    <p:cond delay="0"/>
+                                  </p:stCondLst>
+                                  <p:childTnLst>
+                                    <p:set>
+                                      <p:cBhvr>
+                                        <p:cTn id="14" dur="1" fill="hold">
+                                          <p:stCondLst>
+                                            <p:cond delay="0"/>
+                                          </p:stCondLst>
+                                        </p:cTn>
+                                        <p:tgtEl>
+                                          <p:spTgt spid="3">
+                                            <p:txEl>
+                                              <p:pRg st="3" end="3"/>
+                                            </p:txEl>
+                                          </p:spTgt>
+                                        </p:tgtEl>
+                                        <p:attrNameLst>
+                                          <p:attrName>style.visibility</p:attrName>
+                                        </p:attrNameLst>
+                                      </p:cBhvr>
+                                      <p:to>
+                                        <p:strVal val="visible"/>
+                                      </p:to>
+                                    </p:set>
+                                  </p:childTnLst>
+                                </p:cTn>
+                              </p:par>
+                            </p:childTnLst>
+                          </p:cTn>
+                        </p:par>
+                      </p:childTnLst>
+                    </p:cTn>
+                  </p:par>
+                  <p:par>
+                    <p:cTn id="15" fill="hold">
+                      <p:stCondLst>
+                        <p:cond delay="indefinite"/>
+                      </p:stCondLst>
+                      <p:childTnLst>
+                        <p:par>
+                          <p:cTn id="16" fill="hold">
+                            <p:stCondLst>
+                              <p:cond delay="0"/>
+                            </p:stCondLst>
+                            <p:childTnLst>
+                              <p:par>
+                                <p:cTn id="17" presetID="1" presetClass="entr" presetSubtype="0" fill="hold" nodeType="clickEffect">
+                                  <p:stCondLst>
+                                    <p:cond delay="0"/>
+                                  </p:stCondLst>
+                                  <p:childTnLst>
+                                    <p:set>
+                                      <p:cBhvr>
+                                        <p:cTn id="18" dur="1" fill="hold">
+                                          <p:stCondLst>
+                                            <p:cond delay="0"/>
+                                          </p:stCondLst>
+                                        </p:cTn>
+                                        <p:tgtEl>
+                                          <p:spTgt spid="3">
+                                            <p:txEl>
+                                              <p:pRg st="4" end="4"/>
+                                            </p:txEl>
+                                          </p:spTgt>
+                                        </p:tgtEl>
+                                        <p:attrNameLst>
+                                          <p:attrName>style.visibility</p:attrName>
+                                        </p:attrNameLst>
+                                      </p:cBhvr>
+                                      <p:to>
+                                        <p:strVal val="visible"/>
+                                      </p:to>
+                                    </p:set>
+                                  </p:childTnLst>
+                                </p:cTn>
+                              </p:par>
+                            </p:childTnLst>
+                          </p:cTn>
+                        </p:par>
+                      </p:childTnLst>
+                    </p:cTn>
+                  </p:par>
+                  <p:par>
+                    <p:cTn id="19" fill="hold">
+                      <p:stCondLst>
+                        <p:cond delay="indefinite"/>
+                      </p:stCondLst>
+                      <p:childTnLst>
+                        <p:par>
+                          <p:cTn id="20" fill="hold">
+                            <p:stCondLst>
+                              <p:cond delay="0"/>
+                            </p:stCondLst>
+                            <p:childTnLst>
+                              <p:par>
+                                <p:cTn id="21" presetID="1" presetClass="entr" presetSubtype="0" fill="hold" nodeType="clickEffect">
+                                  <p:stCondLst>
+                                    <p:cond delay="0"/>
+                                  </p:stCondLst>
+                                  <p:childTnLst>
+                                    <p:set>
+                                      <p:cBhvr>
+                                        <p:cTn id="22" dur="1" fill="hold">
+                                          <p:stCondLst>
+                                            <p:cond delay="0"/>
+                                          </p:stCondLst>
+                                        </p:cTn>
+                                        <p:tgtEl>
+                                          <p:spTgt spid="3">
+                                            <p:txEl>
+                                              <p:pRg st="5" end="5"/>
+                                            </p:txEl>
+                                          </p:spTgt>
+                                        </p:tgtEl>
+                                        <p:attrNameLst>
+                                          <p:attrName>style.visibility</p:attrName>
+                                        </p:attrNameLst>
+                                      </p:cBhvr>
+                                      <p:to>
+                                        <p:strVal val="visible"/>
+                                      </p:to>
+                                    </p:set>
+                                  </p:childTnLst>
+                                </p:cTn>
+                              </p:par>
+                            </p:childTnLst>
+                          </p:cTn>
+                        </p:par>
+                      </p:childTnLst>
+                    </p:cTn>
+                  </p:par>
+                  <p:par>
+                    <p:cTn id="23" fill="hold">
+                      <p:stCondLst>
+                        <p:cond delay="indefinite"/>
+                      </p:stCondLst>
+                      <p:childTnLst>
+                        <p:par>
+                          <p:cTn id="24" fill="hold">
+                            <p:stCondLst>
+                              <p:cond delay="0"/>
+                            </p:stCondLst>
+                            <p:childTnLst>
+                              <p:par>
+                                <p:cTn id="25" presetID="1" presetClass="entr" presetSubtype="0" fill="hold" nodeType="clickEffect">
+                                  <p:stCondLst>
+                                    <p:cond delay="0"/>
+                                  </p:stCondLst>
+                                  <p:childTnLst>
+                                    <p:set>
+                                      <p:cBhvr>
+                                        <p:cTn id="26" dur="1" fill="hold">
+                                          <p:stCondLst>
+                                            <p:cond delay="0"/>
+                                          </p:stCondLst>
+                                        </p:cTn>
+                                        <p:tgtEl>
+                                          <p:spTgt spid="3">
+                                            <p:txEl>
+                                              <p:pRg st="6" end="6"/>
+                                            </p:txEl>
+                                          </p:spTgt>
+                                        </p:tgtEl>
+                                        <p:attrNameLst>
+                                          <p:attrName>style.visibility</p:attrName>
+                                        </p:attrNameLst>
+                                      </p:cBhvr>
+                                      <p:to>
+                                        <p:strVal val="visible"/>
+                                      </p:to>
+                                    </p:set>
+                                  </p:childTnLst>
+                                </p:cTn>
+                              </p:par>
+                            </p:childTnLst>
+                          </p:cTn>
+                        </p:par>
+                      </p:childTnLst>
+                    </p:cTn>
+                  </p:par>
+                  <p:par>
+                    <p:cTn id="27" fill="hold">
+                      <p:stCondLst>
+                        <p:cond delay="indefinite"/>
+                      </p:stCondLst>
+                      <p:childTnLst>
+                        <p:par>
+                          <p:cTn id="28" fill="hold">
+                            <p:stCondLst>
+                              <p:cond delay="0"/>
+                            </p:stCondLst>
+                            <p:childTnLst>
+                              <p:par>
+                                <p:cTn id="29" presetID="1" presetClass="entr" presetSubtype="0" fill="hold" nodeType="clickEffect">
+                                  <p:stCondLst>
+                                    <p:cond delay="0"/>
+                                  </p:stCondLst>
+                                  <p:childTnLst>
+                                    <p:set>
+                                      <p:cBhvr>
+                                        <p:cTn id="30" dur="1" fill="hold">
+                                          <p:stCondLst>
+                                            <p:cond delay="0"/>
+                                          </p:stCondLst>
+                                        </p:cTn>
+                                        <p:tgtEl>
+                                          <p:spTgt spid="3">
+                                            <p:txEl>
+                                              <p:pRg st="7" end="7"/>
+                                            </p:txEl>
+                                          </p:spTgt>
+                                        </p:tgtEl>
+                                        <p:attrNameLst>
+                                          <p:attrName>style.visibility</p:attrName>
+                                        </p:attrNameLst>
+                                      </p:cBhvr>
+                                      <p:to>
+                                        <p:strVal val="visible"/>
+                                      </p:to>
+                                    </p:set>
+                                  </p:childTnLst>
+                                </p:cTn>
+                              </p:par>
+                            </p:childTnLst>
+                          </p:cTn>
+                        </p:par>
+                      </p:childTnLst>
+                    </p:cTn>
+                  </p:par>
+                  <p:par>
+                    <p:cTn id="31" fill="hold">
+                      <p:stCondLst>
+                        <p:cond delay="indefinite"/>
+                      </p:stCondLst>
+                      <p:childTnLst>
+                        <p:par>
+                          <p:cTn id="32" fill="hold">
+                            <p:stCondLst>
+                              <p:cond delay="0"/>
+                            </p:stCondLst>
+                            <p:childTnLst>
+                              <p:par>
+                                <p:cTn id="33" presetID="1" presetClass="entr" presetSubtype="0" fill="hold" nodeType="clickEffect">
+                                  <p:stCondLst>
+                                    <p:cond delay="0"/>
+                                  </p:stCondLst>
+                                  <p:childTnLst>
+                                    <p:set>
+                                      <p:cBhvr>
+                                        <p:cTn id="34" dur="1" fill="hold">
+                                          <p:stCondLst>
+                                            <p:cond delay="0"/>
+                                          </p:stCondLst>
+                                        </p:cTn>
+                                        <p:tgtEl>
+                                          <p:spTgt spid="3">
+                                            <p:txEl>
+                                              <p:pRg st="8" end="8"/>
+                                            </p:txEl>
+                                          </p:spTgt>
+                                        </p:tgtEl>
+                                        <p:attrNameLst>
+                                          <p:attrName>style.visibility</p:attrName>
+                                        </p:attrNameLst>
+                                      </p:cBhvr>
+                                      <p:to>
+                                        <p:strVal val="visible"/>
+                                      </p:to>
+                                    </p:set>
+                                  </p:childTnLst>
+                                </p:cTn>
+                              </p:par>
+                            </p:childTnLst>
+                          </p:cTn>
+                        </p:par>
+                      </p:childTnLst>
+                    </p:cTn>
+                  </p:par>
+                </p:childTnLst>
+              </p:cTn>
+              <p:prevCondLst>
+                <p:cond evt="onPrev" delay="0">
+                  <p:tgtEl>
+                    <p:sldTgt/>
+                  </p:tgtEl>
+                </p:cond>
+              </p:prevCondLst>
+              <p:nextCondLst>
+                <p:cond evt="onNext" delay="0">
+                  <p:tgtEl>
+                    <p:sldTgt/>
+                  </p:tgtEl>
+                </p:cond>
+              </p:nextCondLst>
+            </p:seq>
+          </p:childTnLst>
+        </p:cTn>
+      </p:par>
+    </p:tnLst>
+  </p:timing>
 </p:sld>
 </file>
 
-<file path=ppt/slides/slide16.xml><?xml version="1.0" encoding="utf-8"?>
+<file path=ppt/slides/slide17.xml><?xml version="1.0" encoding="utf-8"?>
 <p:sld xmlns:a="http://schemas.openxmlformats.org/drawingml/2006/main" xmlns:r="http://schemas.openxmlformats.org/officeDocument/2006/relationships" xmlns:p="http://schemas.openxmlformats.org/presentationml/2006/main">
   <p:cSld>
     <p:spTree>
@@ -9532,10 +10502,88 @@
   <p:clrMapOvr>
     <a:masterClrMapping/>
   </p:clrMapOvr>
+  <p:timing>
+    <p:tnLst>
+      <p:par>
+        <p:cTn id="1" dur="indefinite" restart="never" nodeType="tmRoot">
+          <p:childTnLst>
+            <p:seq concurrent="1" nextAc="seek">
+              <p:cTn id="2" dur="indefinite" nodeType="mainSeq">
+                <p:childTnLst>
+                  <p:par>
+                    <p:cTn id="3" fill="hold">
+                      <p:stCondLst>
+                        <p:cond delay="indefinite"/>
+                      </p:stCondLst>
+                      <p:childTnLst>
+                        <p:par>
+                          <p:cTn id="4" fill="hold">
+                            <p:stCondLst>
+                              <p:cond delay="0"/>
+                            </p:stCondLst>
+                            <p:childTnLst>
+                              <p:par>
+                                <p:cTn id="5" presetID="1" presetClass="entr" presetSubtype="0" fill="hold" grpId="0" nodeType="clickEffect">
+                                  <p:stCondLst>
+                                    <p:cond delay="0"/>
+                                  </p:stCondLst>
+                                  <p:childTnLst>
+                                    <p:set>
+                                      <p:cBhvr>
+                                        <p:cTn id="6" dur="1" fill="hold">
+                                          <p:stCondLst>
+                                            <p:cond delay="0"/>
+                                          </p:stCondLst>
+                                        </p:cTn>
+                                        <p:tgtEl>
+                                          <p:spTgt spid="4"/>
+                                        </p:tgtEl>
+                                        <p:attrNameLst>
+                                          <p:attrName>style.visibility</p:attrName>
+                                        </p:attrNameLst>
+                                      </p:cBhvr>
+                                      <p:to>
+                                        <p:strVal val="visible"/>
+                                      </p:to>
+                                    </p:set>
+                                  </p:childTnLst>
+                                </p:cTn>
+                              </p:par>
+                            </p:childTnLst>
+                          </p:cTn>
+                        </p:par>
+                      </p:childTnLst>
+                    </p:cTn>
+                  </p:par>
+                </p:childTnLst>
+              </p:cTn>
+              <p:prevCondLst>
+                <p:cond evt="onPrev" delay="0">
+                  <p:tgtEl>
+                    <p:sldTgt/>
+                  </p:tgtEl>
+                </p:cond>
+              </p:prevCondLst>
+              <p:nextCondLst>
+                <p:cond evt="onNext" delay="0">
+                  <p:tgtEl>
+                    <p:sldTgt/>
+                  </p:tgtEl>
+                </p:cond>
+              </p:nextCondLst>
+            </p:seq>
+          </p:childTnLst>
+        </p:cTn>
+      </p:par>
+    </p:tnLst>
+    <p:bldLst>
+      <p:bldP spid="4" grpId="0"/>
+    </p:bldLst>
+  </p:timing>
 </p:sld>
 </file>
 
-<file path=ppt/slides/slide17.xml><?xml version="1.0" encoding="utf-8"?>
+<file path=ppt/slides/slide18.xml><?xml version="1.0" encoding="utf-8"?>
 <p:sld xmlns:a="http://schemas.openxmlformats.org/drawingml/2006/main" xmlns:r="http://schemas.openxmlformats.org/officeDocument/2006/relationships" xmlns:p="http://schemas.openxmlformats.org/presentationml/2006/main">
   <p:cSld>
     <p:spTree>
@@ -11298,10 +12346,530 @@
   <p:clrMapOvr>
     <a:masterClrMapping/>
   </p:clrMapOvr>
+  <p:timing>
+    <p:tnLst>
+      <p:par>
+        <p:cTn id="1" dur="indefinite" restart="never" nodeType="tmRoot">
+          <p:childTnLst>
+            <p:seq concurrent="1" nextAc="seek">
+              <p:cTn id="2" dur="indefinite" nodeType="mainSeq">
+                <p:childTnLst>
+                  <p:par>
+                    <p:cTn id="3" fill="hold">
+                      <p:stCondLst>
+                        <p:cond delay="indefinite"/>
+                      </p:stCondLst>
+                      <p:childTnLst>
+                        <p:par>
+                          <p:cTn id="4" fill="hold">
+                            <p:stCondLst>
+                              <p:cond delay="0"/>
+                            </p:stCondLst>
+                            <p:childTnLst>
+                              <p:par>
+                                <p:cTn id="5" presetID="1" presetClass="entr" presetSubtype="0" fill="hold" nodeType="clickEffect">
+                                  <p:stCondLst>
+                                    <p:cond delay="0"/>
+                                  </p:stCondLst>
+                                  <p:childTnLst>
+                                    <p:set>
+                                      <p:cBhvr>
+                                        <p:cTn id="6" dur="1" fill="hold">
+                                          <p:stCondLst>
+                                            <p:cond delay="0"/>
+                                          </p:stCondLst>
+                                        </p:cTn>
+                                        <p:tgtEl>
+                                          <p:spTgt spid="3">
+                                            <p:txEl>
+                                              <p:pRg st="1" end="1"/>
+                                            </p:txEl>
+                                          </p:spTgt>
+                                        </p:tgtEl>
+                                        <p:attrNameLst>
+                                          <p:attrName>style.visibility</p:attrName>
+                                        </p:attrNameLst>
+                                      </p:cBhvr>
+                                      <p:to>
+                                        <p:strVal val="visible"/>
+                                      </p:to>
+                                    </p:set>
+                                  </p:childTnLst>
+                                </p:cTn>
+                              </p:par>
+                            </p:childTnLst>
+                          </p:cTn>
+                        </p:par>
+                      </p:childTnLst>
+                    </p:cTn>
+                  </p:par>
+                  <p:par>
+                    <p:cTn id="7" fill="hold">
+                      <p:stCondLst>
+                        <p:cond delay="indefinite"/>
+                      </p:stCondLst>
+                      <p:childTnLst>
+                        <p:par>
+                          <p:cTn id="8" fill="hold">
+                            <p:stCondLst>
+                              <p:cond delay="0"/>
+                            </p:stCondLst>
+                            <p:childTnLst>
+                              <p:par>
+                                <p:cTn id="9" presetID="1" presetClass="entr" presetSubtype="0" fill="hold" nodeType="clickEffect">
+                                  <p:stCondLst>
+                                    <p:cond delay="0"/>
+                                  </p:stCondLst>
+                                  <p:childTnLst>
+                                    <p:set>
+                                      <p:cBhvr>
+                                        <p:cTn id="10" dur="1" fill="hold">
+                                          <p:stCondLst>
+                                            <p:cond delay="0"/>
+                                          </p:stCondLst>
+                                        </p:cTn>
+                                        <p:tgtEl>
+                                          <p:spTgt spid="3">
+                                            <p:txEl>
+                                              <p:pRg st="2" end="2"/>
+                                            </p:txEl>
+                                          </p:spTgt>
+                                        </p:tgtEl>
+                                        <p:attrNameLst>
+                                          <p:attrName>style.visibility</p:attrName>
+                                        </p:attrNameLst>
+                                      </p:cBhvr>
+                                      <p:to>
+                                        <p:strVal val="visible"/>
+                                      </p:to>
+                                    </p:set>
+                                  </p:childTnLst>
+                                </p:cTn>
+                              </p:par>
+                            </p:childTnLst>
+                          </p:cTn>
+                        </p:par>
+                      </p:childTnLst>
+                    </p:cTn>
+                  </p:par>
+                  <p:par>
+                    <p:cTn id="11" fill="hold">
+                      <p:stCondLst>
+                        <p:cond delay="indefinite"/>
+                      </p:stCondLst>
+                      <p:childTnLst>
+                        <p:par>
+                          <p:cTn id="12" fill="hold">
+                            <p:stCondLst>
+                              <p:cond delay="0"/>
+                            </p:stCondLst>
+                            <p:childTnLst>
+                              <p:par>
+                                <p:cTn id="13" presetID="1" presetClass="entr" presetSubtype="0" fill="hold" nodeType="clickEffect">
+                                  <p:stCondLst>
+                                    <p:cond delay="0"/>
+                                  </p:stCondLst>
+                                  <p:childTnLst>
+                                    <p:set>
+                                      <p:cBhvr>
+                                        <p:cTn id="14" dur="1" fill="hold">
+                                          <p:stCondLst>
+                                            <p:cond delay="0"/>
+                                          </p:stCondLst>
+                                        </p:cTn>
+                                        <p:tgtEl>
+                                          <p:spTgt spid="3">
+                                            <p:txEl>
+                                              <p:pRg st="3" end="3"/>
+                                            </p:txEl>
+                                          </p:spTgt>
+                                        </p:tgtEl>
+                                        <p:attrNameLst>
+                                          <p:attrName>style.visibility</p:attrName>
+                                        </p:attrNameLst>
+                                      </p:cBhvr>
+                                      <p:to>
+                                        <p:strVal val="visible"/>
+                                      </p:to>
+                                    </p:set>
+                                  </p:childTnLst>
+                                </p:cTn>
+                              </p:par>
+                            </p:childTnLst>
+                          </p:cTn>
+                        </p:par>
+                      </p:childTnLst>
+                    </p:cTn>
+                  </p:par>
+                  <p:par>
+                    <p:cTn id="15" fill="hold">
+                      <p:stCondLst>
+                        <p:cond delay="indefinite"/>
+                      </p:stCondLst>
+                      <p:childTnLst>
+                        <p:par>
+                          <p:cTn id="16" fill="hold">
+                            <p:stCondLst>
+                              <p:cond delay="0"/>
+                            </p:stCondLst>
+                            <p:childTnLst>
+                              <p:par>
+                                <p:cTn id="17" presetID="1" presetClass="entr" presetSubtype="0" fill="hold" nodeType="clickEffect">
+                                  <p:stCondLst>
+                                    <p:cond delay="0"/>
+                                  </p:stCondLst>
+                                  <p:childTnLst>
+                                    <p:set>
+                                      <p:cBhvr>
+                                        <p:cTn id="18" dur="1" fill="hold">
+                                          <p:stCondLst>
+                                            <p:cond delay="0"/>
+                                          </p:stCondLst>
+                                        </p:cTn>
+                                        <p:tgtEl>
+                                          <p:spTgt spid="3">
+                                            <p:txEl>
+                                              <p:pRg st="4" end="4"/>
+                                            </p:txEl>
+                                          </p:spTgt>
+                                        </p:tgtEl>
+                                        <p:attrNameLst>
+                                          <p:attrName>style.visibility</p:attrName>
+                                        </p:attrNameLst>
+                                      </p:cBhvr>
+                                      <p:to>
+                                        <p:strVal val="visible"/>
+                                      </p:to>
+                                    </p:set>
+                                  </p:childTnLst>
+                                </p:cTn>
+                              </p:par>
+                            </p:childTnLst>
+                          </p:cTn>
+                        </p:par>
+                      </p:childTnLst>
+                    </p:cTn>
+                  </p:par>
+                  <p:par>
+                    <p:cTn id="19" fill="hold">
+                      <p:stCondLst>
+                        <p:cond delay="indefinite"/>
+                      </p:stCondLst>
+                      <p:childTnLst>
+                        <p:par>
+                          <p:cTn id="20" fill="hold">
+                            <p:stCondLst>
+                              <p:cond delay="0"/>
+                            </p:stCondLst>
+                            <p:childTnLst>
+                              <p:par>
+                                <p:cTn id="21" presetID="1" presetClass="entr" presetSubtype="0" fill="hold" nodeType="clickEffect">
+                                  <p:stCondLst>
+                                    <p:cond delay="0"/>
+                                  </p:stCondLst>
+                                  <p:childTnLst>
+                                    <p:set>
+                                      <p:cBhvr>
+                                        <p:cTn id="22" dur="1" fill="hold">
+                                          <p:stCondLst>
+                                            <p:cond delay="0"/>
+                                          </p:stCondLst>
+                                        </p:cTn>
+                                        <p:tgtEl>
+                                          <p:spTgt spid="3">
+                                            <p:txEl>
+                                              <p:pRg st="5" end="5"/>
+                                            </p:txEl>
+                                          </p:spTgt>
+                                        </p:tgtEl>
+                                        <p:attrNameLst>
+                                          <p:attrName>style.visibility</p:attrName>
+                                        </p:attrNameLst>
+                                      </p:cBhvr>
+                                      <p:to>
+                                        <p:strVal val="visible"/>
+                                      </p:to>
+                                    </p:set>
+                                  </p:childTnLst>
+                                </p:cTn>
+                              </p:par>
+                            </p:childTnLst>
+                          </p:cTn>
+                        </p:par>
+                      </p:childTnLst>
+                    </p:cTn>
+                  </p:par>
+                  <p:par>
+                    <p:cTn id="23" fill="hold">
+                      <p:stCondLst>
+                        <p:cond delay="indefinite"/>
+                      </p:stCondLst>
+                      <p:childTnLst>
+                        <p:par>
+                          <p:cTn id="24" fill="hold">
+                            <p:stCondLst>
+                              <p:cond delay="0"/>
+                            </p:stCondLst>
+                            <p:childTnLst>
+                              <p:par>
+                                <p:cTn id="25" presetID="1" presetClass="entr" presetSubtype="0" fill="hold" nodeType="clickEffect">
+                                  <p:stCondLst>
+                                    <p:cond delay="0"/>
+                                  </p:stCondLst>
+                                  <p:childTnLst>
+                                    <p:set>
+                                      <p:cBhvr>
+                                        <p:cTn id="26" dur="1" fill="hold">
+                                          <p:stCondLst>
+                                            <p:cond delay="0"/>
+                                          </p:stCondLst>
+                                        </p:cTn>
+                                        <p:tgtEl>
+                                          <p:spTgt spid="3">
+                                            <p:txEl>
+                                              <p:pRg st="6" end="6"/>
+                                            </p:txEl>
+                                          </p:spTgt>
+                                        </p:tgtEl>
+                                        <p:attrNameLst>
+                                          <p:attrName>style.visibility</p:attrName>
+                                        </p:attrNameLst>
+                                      </p:cBhvr>
+                                      <p:to>
+                                        <p:strVal val="visible"/>
+                                      </p:to>
+                                    </p:set>
+                                  </p:childTnLst>
+                                </p:cTn>
+                              </p:par>
+                            </p:childTnLst>
+                          </p:cTn>
+                        </p:par>
+                      </p:childTnLst>
+                    </p:cTn>
+                  </p:par>
+                  <p:par>
+                    <p:cTn id="27" fill="hold">
+                      <p:stCondLst>
+                        <p:cond delay="indefinite"/>
+                      </p:stCondLst>
+                      <p:childTnLst>
+                        <p:par>
+                          <p:cTn id="28" fill="hold">
+                            <p:stCondLst>
+                              <p:cond delay="0"/>
+                            </p:stCondLst>
+                            <p:childTnLst>
+                              <p:par>
+                                <p:cTn id="29" presetID="1" presetClass="entr" presetSubtype="0" fill="hold" nodeType="clickEffect">
+                                  <p:stCondLst>
+                                    <p:cond delay="0"/>
+                                  </p:stCondLst>
+                                  <p:childTnLst>
+                                    <p:set>
+                                      <p:cBhvr>
+                                        <p:cTn id="30" dur="1" fill="hold">
+                                          <p:stCondLst>
+                                            <p:cond delay="0"/>
+                                          </p:stCondLst>
+                                        </p:cTn>
+                                        <p:tgtEl>
+                                          <p:spTgt spid="3">
+                                            <p:txEl>
+                                              <p:pRg st="7" end="7"/>
+                                            </p:txEl>
+                                          </p:spTgt>
+                                        </p:tgtEl>
+                                        <p:attrNameLst>
+                                          <p:attrName>style.visibility</p:attrName>
+                                        </p:attrNameLst>
+                                      </p:cBhvr>
+                                      <p:to>
+                                        <p:strVal val="visible"/>
+                                      </p:to>
+                                    </p:set>
+                                  </p:childTnLst>
+                                </p:cTn>
+                              </p:par>
+                            </p:childTnLst>
+                          </p:cTn>
+                        </p:par>
+                      </p:childTnLst>
+                    </p:cTn>
+                  </p:par>
+                  <p:par>
+                    <p:cTn id="31" fill="hold">
+                      <p:stCondLst>
+                        <p:cond delay="indefinite"/>
+                      </p:stCondLst>
+                      <p:childTnLst>
+                        <p:par>
+                          <p:cTn id="32" fill="hold">
+                            <p:stCondLst>
+                              <p:cond delay="0"/>
+                            </p:stCondLst>
+                            <p:childTnLst>
+                              <p:par>
+                                <p:cTn id="33" presetID="1" presetClass="entr" presetSubtype="0" fill="hold" nodeType="clickEffect">
+                                  <p:stCondLst>
+                                    <p:cond delay="0"/>
+                                  </p:stCondLst>
+                                  <p:childTnLst>
+                                    <p:set>
+                                      <p:cBhvr>
+                                        <p:cTn id="34" dur="1" fill="hold">
+                                          <p:stCondLst>
+                                            <p:cond delay="0"/>
+                                          </p:stCondLst>
+                                        </p:cTn>
+                                        <p:tgtEl>
+                                          <p:spTgt spid="3">
+                                            <p:txEl>
+                                              <p:pRg st="8" end="8"/>
+                                            </p:txEl>
+                                          </p:spTgt>
+                                        </p:tgtEl>
+                                        <p:attrNameLst>
+                                          <p:attrName>style.visibility</p:attrName>
+                                        </p:attrNameLst>
+                                      </p:cBhvr>
+                                      <p:to>
+                                        <p:strVal val="visible"/>
+                                      </p:to>
+                                    </p:set>
+                                  </p:childTnLst>
+                                </p:cTn>
+                              </p:par>
+                            </p:childTnLst>
+                          </p:cTn>
+                        </p:par>
+                      </p:childTnLst>
+                    </p:cTn>
+                  </p:par>
+                  <p:par>
+                    <p:cTn id="35" fill="hold">
+                      <p:stCondLst>
+                        <p:cond delay="indefinite"/>
+                      </p:stCondLst>
+                      <p:childTnLst>
+                        <p:par>
+                          <p:cTn id="36" fill="hold">
+                            <p:stCondLst>
+                              <p:cond delay="0"/>
+                            </p:stCondLst>
+                            <p:childTnLst>
+                              <p:par>
+                                <p:cTn id="37" presetID="1" presetClass="entr" presetSubtype="0" fill="hold" nodeType="clickEffect">
+                                  <p:stCondLst>
+                                    <p:cond delay="0"/>
+                                  </p:stCondLst>
+                                  <p:childTnLst>
+                                    <p:set>
+                                      <p:cBhvr>
+                                        <p:cTn id="38" dur="1" fill="hold">
+                                          <p:stCondLst>
+                                            <p:cond delay="0"/>
+                                          </p:stCondLst>
+                                        </p:cTn>
+                                        <p:tgtEl>
+                                          <p:spTgt spid="3">
+                                            <p:txEl>
+                                              <p:pRg st="9" end="9"/>
+                                            </p:txEl>
+                                          </p:spTgt>
+                                        </p:tgtEl>
+                                        <p:attrNameLst>
+                                          <p:attrName>style.visibility</p:attrName>
+                                        </p:attrNameLst>
+                                      </p:cBhvr>
+                                      <p:to>
+                                        <p:strVal val="visible"/>
+                                      </p:to>
+                                    </p:set>
+                                  </p:childTnLst>
+                                </p:cTn>
+                              </p:par>
+                            </p:childTnLst>
+                          </p:cTn>
+                        </p:par>
+                      </p:childTnLst>
+                    </p:cTn>
+                  </p:par>
+                  <p:par>
+                    <p:cTn id="39" fill="hold">
+                      <p:stCondLst>
+                        <p:cond delay="indefinite"/>
+                      </p:stCondLst>
+                      <p:childTnLst>
+                        <p:par>
+                          <p:cTn id="40" fill="hold">
+                            <p:stCondLst>
+                              <p:cond delay="0"/>
+                            </p:stCondLst>
+                            <p:childTnLst>
+                              <p:par>
+                                <p:cTn id="41" presetID="1" presetClass="entr" presetSubtype="0" fill="hold" nodeType="clickEffect">
+                                  <p:stCondLst>
+                                    <p:cond delay="0"/>
+                                  </p:stCondLst>
+                                  <p:childTnLst>
+                                    <p:set>
+                                      <p:cBhvr>
+                                        <p:cTn id="42" dur="1" fill="hold">
+                                          <p:stCondLst>
+                                            <p:cond delay="0"/>
+                                          </p:stCondLst>
+                                        </p:cTn>
+                                        <p:tgtEl>
+                                          <p:spTgt spid="3">
+                                            <p:txEl>
+                                              <p:pRg st="10" end="10"/>
+                                            </p:txEl>
+                                          </p:spTgt>
+                                        </p:tgtEl>
+                                        <p:attrNameLst>
+                                          <p:attrName>style.visibility</p:attrName>
+                                        </p:attrNameLst>
+                                      </p:cBhvr>
+                                      <p:to>
+                                        <p:strVal val="visible"/>
+                                      </p:to>
+                                    </p:set>
+                                  </p:childTnLst>
+                                </p:cTn>
+                              </p:par>
+                            </p:childTnLst>
+                          </p:cTn>
+                        </p:par>
+                      </p:childTnLst>
+                    </p:cTn>
+                  </p:par>
+                </p:childTnLst>
+              </p:cTn>
+              <p:prevCondLst>
+                <p:cond evt="onPrev" delay="0">
+                  <p:tgtEl>
+                    <p:sldTgt/>
+                  </p:tgtEl>
+                </p:cond>
+              </p:prevCondLst>
+              <p:nextCondLst>
+                <p:cond evt="onNext" delay="0">
+                  <p:tgtEl>
+                    <p:sldTgt/>
+                  </p:tgtEl>
+                </p:cond>
+              </p:nextCondLst>
+            </p:seq>
+          </p:childTnLst>
+        </p:cTn>
+      </p:par>
+    </p:tnLst>
+  </p:timing>
 </p:sld>
 </file>
 
-<file path=ppt/slides/slide18.xml><?xml version="1.0" encoding="utf-8"?>
+<file path=ppt/slides/slide19.xml><?xml version="1.0" encoding="utf-8"?>
 <p:sld xmlns:a="http://schemas.openxmlformats.org/drawingml/2006/main" xmlns:r="http://schemas.openxmlformats.org/officeDocument/2006/relationships" xmlns:p="http://schemas.openxmlformats.org/presentationml/2006/main">
   <p:cSld>
     <p:spTree>
@@ -11672,10 +13240,319 @@
   <p:clrMapOvr>
     <a:masterClrMapping/>
   </p:clrMapOvr>
+  <p:timing>
+    <p:tnLst>
+      <p:par>
+        <p:cTn id="1" dur="indefinite" restart="never" nodeType="tmRoot">
+          <p:childTnLst>
+            <p:seq concurrent="1" nextAc="seek">
+              <p:cTn id="2" dur="indefinite" nodeType="mainSeq">
+                <p:childTnLst>
+                  <p:par>
+                    <p:cTn id="3" fill="hold">
+                      <p:stCondLst>
+                        <p:cond delay="indefinite"/>
+                      </p:stCondLst>
+                      <p:childTnLst>
+                        <p:par>
+                          <p:cTn id="4" fill="hold">
+                            <p:stCondLst>
+                              <p:cond delay="0"/>
+                            </p:stCondLst>
+                            <p:childTnLst>
+                              <p:par>
+                                <p:cTn id="5" presetID="1" presetClass="entr" presetSubtype="0" fill="hold" nodeType="clickEffect">
+                                  <p:stCondLst>
+                                    <p:cond delay="0"/>
+                                  </p:stCondLst>
+                                  <p:childTnLst>
+                                    <p:set>
+                                      <p:cBhvr>
+                                        <p:cTn id="6" dur="1" fill="hold">
+                                          <p:stCondLst>
+                                            <p:cond delay="0"/>
+                                          </p:stCondLst>
+                                        </p:cTn>
+                                        <p:tgtEl>
+                                          <p:spTgt spid="3">
+                                            <p:txEl>
+                                              <p:pRg st="2" end="2"/>
+                                            </p:txEl>
+                                          </p:spTgt>
+                                        </p:tgtEl>
+                                        <p:attrNameLst>
+                                          <p:attrName>style.visibility</p:attrName>
+                                        </p:attrNameLst>
+                                      </p:cBhvr>
+                                      <p:to>
+                                        <p:strVal val="visible"/>
+                                      </p:to>
+                                    </p:set>
+                                  </p:childTnLst>
+                                </p:cTn>
+                              </p:par>
+                            </p:childTnLst>
+                          </p:cTn>
+                        </p:par>
+                      </p:childTnLst>
+                    </p:cTn>
+                  </p:par>
+                  <p:par>
+                    <p:cTn id="7" fill="hold">
+                      <p:stCondLst>
+                        <p:cond delay="indefinite"/>
+                      </p:stCondLst>
+                      <p:childTnLst>
+                        <p:par>
+                          <p:cTn id="8" fill="hold">
+                            <p:stCondLst>
+                              <p:cond delay="0"/>
+                            </p:stCondLst>
+                            <p:childTnLst>
+                              <p:par>
+                                <p:cTn id="9" presetID="1" presetClass="entr" presetSubtype="0" fill="hold" nodeType="clickEffect">
+                                  <p:stCondLst>
+                                    <p:cond delay="0"/>
+                                  </p:stCondLst>
+                                  <p:childTnLst>
+                                    <p:set>
+                                      <p:cBhvr>
+                                        <p:cTn id="10" dur="1" fill="hold">
+                                          <p:stCondLst>
+                                            <p:cond delay="0"/>
+                                          </p:stCondLst>
+                                        </p:cTn>
+                                        <p:tgtEl>
+                                          <p:spTgt spid="3">
+                                            <p:txEl>
+                                              <p:pRg st="3" end="3"/>
+                                            </p:txEl>
+                                          </p:spTgt>
+                                        </p:tgtEl>
+                                        <p:attrNameLst>
+                                          <p:attrName>style.visibility</p:attrName>
+                                        </p:attrNameLst>
+                                      </p:cBhvr>
+                                      <p:to>
+                                        <p:strVal val="visible"/>
+                                      </p:to>
+                                    </p:set>
+                                  </p:childTnLst>
+                                </p:cTn>
+                              </p:par>
+                            </p:childTnLst>
+                          </p:cTn>
+                        </p:par>
+                      </p:childTnLst>
+                    </p:cTn>
+                  </p:par>
+                  <p:par>
+                    <p:cTn id="11" fill="hold">
+                      <p:stCondLst>
+                        <p:cond delay="indefinite"/>
+                      </p:stCondLst>
+                      <p:childTnLst>
+                        <p:par>
+                          <p:cTn id="12" fill="hold">
+                            <p:stCondLst>
+                              <p:cond delay="0"/>
+                            </p:stCondLst>
+                            <p:childTnLst>
+                              <p:par>
+                                <p:cTn id="13" presetID="1" presetClass="entr" presetSubtype="0" fill="hold" nodeType="clickEffect">
+                                  <p:stCondLst>
+                                    <p:cond delay="0"/>
+                                  </p:stCondLst>
+                                  <p:childTnLst>
+                                    <p:set>
+                                      <p:cBhvr>
+                                        <p:cTn id="14" dur="1" fill="hold">
+                                          <p:stCondLst>
+                                            <p:cond delay="0"/>
+                                          </p:stCondLst>
+                                        </p:cTn>
+                                        <p:tgtEl>
+                                          <p:spTgt spid="3">
+                                            <p:txEl>
+                                              <p:pRg st="5" end="5"/>
+                                            </p:txEl>
+                                          </p:spTgt>
+                                        </p:tgtEl>
+                                        <p:attrNameLst>
+                                          <p:attrName>style.visibility</p:attrName>
+                                        </p:attrNameLst>
+                                      </p:cBhvr>
+                                      <p:to>
+                                        <p:strVal val="visible"/>
+                                      </p:to>
+                                    </p:set>
+                                  </p:childTnLst>
+                                </p:cTn>
+                              </p:par>
+                            </p:childTnLst>
+                          </p:cTn>
+                        </p:par>
+                      </p:childTnLst>
+                    </p:cTn>
+                  </p:par>
+                  <p:par>
+                    <p:cTn id="15" fill="hold">
+                      <p:stCondLst>
+                        <p:cond delay="indefinite"/>
+                      </p:stCondLst>
+                      <p:childTnLst>
+                        <p:par>
+                          <p:cTn id="16" fill="hold">
+                            <p:stCondLst>
+                              <p:cond delay="0"/>
+                            </p:stCondLst>
+                            <p:childTnLst>
+                              <p:par>
+                                <p:cTn id="17" presetID="1" presetClass="entr" presetSubtype="0" fill="hold" nodeType="clickEffect">
+                                  <p:stCondLst>
+                                    <p:cond delay="0"/>
+                                  </p:stCondLst>
+                                  <p:childTnLst>
+                                    <p:set>
+                                      <p:cBhvr>
+                                        <p:cTn id="18" dur="1" fill="hold">
+                                          <p:stCondLst>
+                                            <p:cond delay="0"/>
+                                          </p:stCondLst>
+                                        </p:cTn>
+                                        <p:tgtEl>
+                                          <p:spTgt spid="3">
+                                            <p:txEl>
+                                              <p:pRg st="6" end="6"/>
+                                            </p:txEl>
+                                          </p:spTgt>
+                                        </p:tgtEl>
+                                        <p:attrNameLst>
+                                          <p:attrName>style.visibility</p:attrName>
+                                        </p:attrNameLst>
+                                      </p:cBhvr>
+                                      <p:to>
+                                        <p:strVal val="visible"/>
+                                      </p:to>
+                                    </p:set>
+                                  </p:childTnLst>
+                                </p:cTn>
+                              </p:par>
+                            </p:childTnLst>
+                          </p:cTn>
+                        </p:par>
+                      </p:childTnLst>
+                    </p:cTn>
+                  </p:par>
+                </p:childTnLst>
+              </p:cTn>
+              <p:prevCondLst>
+                <p:cond evt="onPrev" delay="0">
+                  <p:tgtEl>
+                    <p:sldTgt/>
+                  </p:tgtEl>
+                </p:cond>
+              </p:prevCondLst>
+              <p:nextCondLst>
+                <p:cond evt="onNext" delay="0">
+                  <p:tgtEl>
+                    <p:sldTgt/>
+                  </p:tgtEl>
+                </p:cond>
+              </p:nextCondLst>
+            </p:seq>
+          </p:childTnLst>
+        </p:cTn>
+      </p:par>
+    </p:tnLst>
+  </p:timing>
 </p:sld>
 </file>
 
-<file path=ppt/slides/slide19.xml><?xml version="1.0" encoding="utf-8"?>
+<file path=ppt/slides/slide2.xml><?xml version="1.0" encoding="utf-8"?>
+<p:sld xmlns:a="http://schemas.openxmlformats.org/drawingml/2006/main" xmlns:r="http://schemas.openxmlformats.org/officeDocument/2006/relationships" xmlns:p="http://schemas.openxmlformats.org/presentationml/2006/main">
+  <p:cSld>
+    <p:spTree>
+      <p:nvGrpSpPr>
+        <p:cNvPr id="1" name=""/>
+        <p:cNvGrpSpPr/>
+        <p:nvPr/>
+      </p:nvGrpSpPr>
+      <p:grpSpPr>
+        <a:xfrm>
+          <a:off x="0" y="0"/>
+          <a:ext cx="0" cy="0"/>
+          <a:chOff x="0" y="0"/>
+          <a:chExt cx="0" cy="0"/>
+        </a:xfrm>
+      </p:grpSpPr>
+      <p:sp>
+        <p:nvSpPr>
+          <p:cNvPr id="2" name="Title 1">
+            <a:extLst>
+              <a:ext uri="{FF2B5EF4-FFF2-40B4-BE49-F238E27FC236}">
+                <a16:creationId xmlns:a16="http://schemas.microsoft.com/office/drawing/2014/main" id="{8259CCCA-12AC-BB4C-8C53-B7442B43997B}"/>
+              </a:ext>
+            </a:extLst>
+          </p:cNvPr>
+          <p:cNvSpPr>
+            <a:spLocks noGrp="1"/>
+          </p:cNvSpPr>
+          <p:nvPr>
+            <p:ph type="title"/>
+          </p:nvPr>
+        </p:nvSpPr>
+        <p:spPr/>
+        <p:txBody>
+          <a:bodyPr/>
+          <a:lstStyle/>
+          <a:p>
+            <a:endParaRPr lang="en-US" dirty="0"/>
+          </a:p>
+        </p:txBody>
+      </p:sp>
+      <p:sp>
+        <p:nvSpPr>
+          <p:cNvPr id="3" name="Content Placeholder 2">
+            <a:extLst>
+              <a:ext uri="{FF2B5EF4-FFF2-40B4-BE49-F238E27FC236}">
+                <a16:creationId xmlns:a16="http://schemas.microsoft.com/office/drawing/2014/main" id="{E07AF2FB-AFB1-2648-B91A-9B067FFCF6CD}"/>
+              </a:ext>
+            </a:extLst>
+          </p:cNvPr>
+          <p:cNvSpPr>
+            <a:spLocks noGrp="1"/>
+          </p:cNvSpPr>
+          <p:nvPr>
+            <p:ph idx="1"/>
+          </p:nvPr>
+        </p:nvSpPr>
+        <p:spPr/>
+        <p:txBody>
+          <a:bodyPr/>
+          <a:lstStyle/>
+          <a:p>
+            <a:r>
+              <a:rPr lang="en-US" dirty="0"/>
+              <a:t>Chapter 2</a:t>
+            </a:r>
+          </a:p>
+        </p:txBody>
+      </p:sp>
+    </p:spTree>
+    <p:extLst>
+      <p:ext uri="{BB962C8B-B14F-4D97-AF65-F5344CB8AC3E}">
+        <p14:creationId xmlns:p14="http://schemas.microsoft.com/office/powerpoint/2010/main" val="3687406486"/>
+      </p:ext>
+    </p:extLst>
+  </p:cSld>
+  <p:clrMapOvr>
+    <a:masterClrMapping/>
+  </p:clrMapOvr>
+</p:sld>
+</file>
+
+<file path=ppt/slides/slide20.xml><?xml version="1.0" encoding="utf-8"?>
 <p:sld xmlns:a="http://schemas.openxmlformats.org/drawingml/2006/main" xmlns:r="http://schemas.openxmlformats.org/officeDocument/2006/relationships" xmlns:p="http://schemas.openxmlformats.org/presentationml/2006/main">
   <p:cSld>
     <p:spTree>
@@ -11719,8 +13596,8 @@
           </a:p>
         </p:txBody>
       </p:sp>
-      <mc:AlternateContent xmlns:mc="http://schemas.openxmlformats.org/markup-compatibility/2006" xmlns:a14="http://schemas.microsoft.com/office/drawing/2010/main">
-        <mc:Choice Requires="a14">
+      <mc:AlternateContent xmlns:mc="http://schemas.openxmlformats.org/markup-compatibility/2006">
+        <mc:Choice xmlns:a14="http://schemas.microsoft.com/office/drawing/2010/main" Requires="a14">
           <p:sp>
             <p:nvSpPr>
               <p:cNvPr id="3" name="Content Placeholder 2"/>
@@ -12704,25 +14581,7 @@
                     </a:solidFill>
                     <a:latin typeface="+mj-lt"/>
                   </a:rPr>
-                  <a:t> 0 /\ x[</a:t>
-                </a:r>
-                <a:r>
-                  <a:rPr lang="en-US" dirty="0" err="1">
-                    <a:solidFill>
-                      <a:schemeClr val="tx1"/>
-                    </a:solidFill>
-                    <a:latin typeface="+mj-lt"/>
-                  </a:rPr>
-                  <a:t>i</a:t>
-                </a:r>
-                <a:r>
-                  <a:rPr lang="en-US" dirty="0">
-                    <a:solidFill>
-                      <a:schemeClr val="tx1"/>
-                    </a:solidFill>
-                    <a:latin typeface="+mj-lt"/>
-                  </a:rPr>
-                  <a:t>] </a:t>
+                  <a:t> 0 /\ x[ </a:t>
                 </a:r>
                 <a14:m>
                   <m:oMath xmlns:m="http://schemas.openxmlformats.org/officeDocument/2006/math">
@@ -12853,7 +14712,7 @@
             </p:txBody>
           </p:sp>
         </mc:Choice>
-        <mc:Fallback xmlns="">
+        <mc:Fallback>
           <p:sp>
             <p:nvSpPr>
               <p:cNvPr id="3" name="Content Placeholder 2"/>
@@ -12872,7 +14731,7 @@
               <a:blipFill>
                 <a:blip r:embed="rId2"/>
                 <a:stretch>
-                  <a:fillRect l="-1142" t="-2186" b="-13115"/>
+                  <a:fillRect l="-1142" t="-2186" b="-11749"/>
                 </a:stretch>
               </a:blipFill>
             </p:spPr>
@@ -13604,157 +15463,7 @@
 </p:sld>
 </file>
 
-<file path=ppt/slides/slide2.xml><?xml version="1.0" encoding="utf-8"?>
-<p:sld xmlns:a="http://schemas.openxmlformats.org/drawingml/2006/main" xmlns:r="http://schemas.openxmlformats.org/officeDocument/2006/relationships" xmlns:p="http://schemas.openxmlformats.org/presentationml/2006/main">
-  <p:cSld>
-    <p:spTree>
-      <p:nvGrpSpPr>
-        <p:cNvPr id="1" name=""/>
-        <p:cNvGrpSpPr/>
-        <p:nvPr/>
-      </p:nvGrpSpPr>
-      <p:grpSpPr>
-        <a:xfrm>
-          <a:off x="0" y="0"/>
-          <a:ext cx="0" cy="0"/>
-          <a:chOff x="0" y="0"/>
-          <a:chExt cx="0" cy="0"/>
-        </a:xfrm>
-      </p:grpSpPr>
-      <p:sp>
-        <p:nvSpPr>
-          <p:cNvPr id="2" name="Title 1">
-            <a:extLst>
-              <a:ext uri="{FF2B5EF4-FFF2-40B4-BE49-F238E27FC236}">
-                <a16:creationId xmlns:a16="http://schemas.microsoft.com/office/drawing/2014/main" id="{89A6E0D0-E74E-2B45-B640-A1E3517EF8C2}"/>
-              </a:ext>
-            </a:extLst>
-          </p:cNvPr>
-          <p:cNvSpPr>
-            <a:spLocks noGrp="1"/>
-          </p:cNvSpPr>
-          <p:nvPr>
-            <p:ph type="title"/>
-          </p:nvPr>
-        </p:nvSpPr>
-        <p:spPr/>
-        <p:txBody>
-          <a:bodyPr/>
-          <a:lstStyle/>
-          <a:p>
-            <a:r>
-              <a:rPr lang="en-US" dirty="0"/>
-              <a:t>Automata or discrete transition systems</a:t>
-            </a:r>
-          </a:p>
-        </p:txBody>
-      </p:sp>
-      <p:sp>
-        <p:nvSpPr>
-          <p:cNvPr id="3" name="Content Placeholder 2">
-            <a:extLst>
-              <a:ext uri="{FF2B5EF4-FFF2-40B4-BE49-F238E27FC236}">
-                <a16:creationId xmlns:a16="http://schemas.microsoft.com/office/drawing/2014/main" id="{F147AA83-84E3-0342-8A94-AC07EADC2024}"/>
-              </a:ext>
-            </a:extLst>
-          </p:cNvPr>
-          <p:cNvSpPr>
-            <a:spLocks noGrp="1"/>
-          </p:cNvSpPr>
-          <p:nvPr>
-            <p:ph idx="1"/>
-          </p:nvPr>
-        </p:nvSpPr>
-        <p:spPr>
-          <a:xfrm>
-            <a:off x="838200" y="1560576"/>
-            <a:ext cx="10515600" cy="4932299"/>
-          </a:xfrm>
-        </p:spPr>
-        <p:txBody>
-          <a:bodyPr>
-            <a:normAutofit/>
-          </a:bodyPr>
-          <a:lstStyle/>
-          <a:p>
-            <a:pPr>
-              <a:lnSpc>
-                <a:spcPct val="110000"/>
-              </a:lnSpc>
-            </a:pPr>
-            <a:r>
-              <a:rPr lang="en-US" b="0" dirty="0">
-                <a:latin typeface="+mj-lt"/>
-                <a:ea typeface="Cambria Math" panose="02040503050406030204" pitchFamily="18" charset="0"/>
-              </a:rPr>
-              <a:t>The “state” of a system captures </a:t>
-            </a:r>
-            <a:r>
-              <a:rPr lang="en-US" dirty="0">
-                <a:latin typeface="+mj-lt"/>
-                <a:ea typeface="Cambria Math" panose="02040503050406030204" pitchFamily="18" charset="0"/>
-              </a:rPr>
-              <a:t>all the information needed to predict the system’s future behavior</a:t>
-            </a:r>
-          </a:p>
-          <a:p>
-            <a:pPr>
-              <a:lnSpc>
-                <a:spcPct val="110000"/>
-              </a:lnSpc>
-            </a:pPr>
-            <a:r>
-              <a:rPr lang="en-US" dirty="0">
-                <a:latin typeface="+mj-lt"/>
-                <a:ea typeface="Cambria Math" panose="02040503050406030204" pitchFamily="18" charset="0"/>
-              </a:rPr>
-              <a:t>Behavior of a system is a sequence of states</a:t>
-            </a:r>
-          </a:p>
-          <a:p>
-            <a:pPr>
-              <a:lnSpc>
-                <a:spcPct val="110000"/>
-              </a:lnSpc>
-            </a:pPr>
-            <a:r>
-              <a:rPr lang="en-US" i="1" dirty="0">
-                <a:latin typeface="+mj-lt"/>
-                <a:ea typeface="Cambria Math" panose="02040503050406030204" pitchFamily="18" charset="0"/>
-              </a:rPr>
-              <a:t>Our ultimate goal: write programs that prove properties about all behaviors of a system</a:t>
-            </a:r>
-          </a:p>
-          <a:p>
-            <a:pPr>
-              <a:lnSpc>
-                <a:spcPct val="110000"/>
-              </a:lnSpc>
-            </a:pPr>
-            <a:r>
-              <a:rPr lang="en-US" dirty="0">
-                <a:latin typeface="+mj-lt"/>
-                <a:ea typeface="Cambria Math" panose="02040503050406030204" pitchFamily="18" charset="0"/>
-              </a:rPr>
-              <a:t>“Transitions” capture how the state can change</a:t>
-            </a:r>
-          </a:p>
-        </p:txBody>
-      </p:sp>
-    </p:spTree>
-    <p:extLst>
-      <p:ext uri="{BB962C8B-B14F-4D97-AF65-F5344CB8AC3E}">
-        <p14:creationId xmlns:p14="http://schemas.microsoft.com/office/powerpoint/2010/main" val="3978938520"/>
-      </p:ext>
-    </p:extLst>
-  </p:cSld>
-  <p:clrMapOvr>
-    <a:masterClrMapping/>
-  </p:clrMapOvr>
-</p:sld>
-</file>
-
-<file path=ppt/slides/slide20.xml><?xml version="1.0" encoding="utf-8"?>
+<file path=ppt/slides/slide21.xml><?xml version="1.0" encoding="utf-8"?>
 <p:sld xmlns:a="http://schemas.openxmlformats.org/drawingml/2006/main" xmlns:r="http://schemas.openxmlformats.org/officeDocument/2006/relationships" xmlns:p="http://schemas.openxmlformats.org/presentationml/2006/main">
   <p:cSld>
     <p:spTree>
@@ -14456,7 +16165,7 @@
 </p:sld>
 </file>
 
-<file path=ppt/slides/slide21.xml><?xml version="1.0" encoding="utf-8"?>
+<file path=ppt/slides/slide22.xml><?xml version="1.0" encoding="utf-8"?>
 <p:sld xmlns:a="http://schemas.openxmlformats.org/drawingml/2006/main" xmlns:r="http://schemas.openxmlformats.org/officeDocument/2006/relationships" xmlns:p="http://schemas.openxmlformats.org/presentationml/2006/main">
   <p:cSld>
     <p:spTree>
@@ -14754,7 +16463,7 @@
 </p:sld>
 </file>
 
-<file path=ppt/slides/slide22.xml><?xml version="1.0" encoding="utf-8"?>
+<file path=ppt/slides/slide23.xml><?xml version="1.0" encoding="utf-8"?>
 <p:sld xmlns:a="http://schemas.openxmlformats.org/drawingml/2006/main" xmlns:r="http://schemas.openxmlformats.org/officeDocument/2006/relationships" xmlns:p="http://schemas.openxmlformats.org/presentationml/2006/main">
   <p:cSld>
     <p:spTree>
@@ -15118,7 +16827,7 @@
 </p:sld>
 </file>
 
-<file path=ppt/slides/slide23.xml><?xml version="1.0" encoding="utf-8"?>
+<file path=ppt/slides/slide24.xml><?xml version="1.0" encoding="utf-8"?>
 <p:sld xmlns:a="http://schemas.openxmlformats.org/drawingml/2006/main" xmlns:r="http://schemas.openxmlformats.org/officeDocument/2006/relationships" xmlns:p="http://schemas.openxmlformats.org/presentationml/2006/main">
   <p:cSld>
     <p:spTree>
@@ -15763,7 +17472,7 @@
 </p:sld>
 </file>
 
-<file path=ppt/slides/slide24.xml><?xml version="1.0" encoding="utf-8"?>
+<file path=ppt/slides/slide25.xml><?xml version="1.0" encoding="utf-8"?>
 <p:sld xmlns:a="http://schemas.openxmlformats.org/drawingml/2006/main" xmlns:r="http://schemas.openxmlformats.org/officeDocument/2006/relationships" xmlns:p="http://schemas.openxmlformats.org/presentationml/2006/main">
   <p:cSld>
     <p:spTree>
@@ -16370,77 +18079,6 @@
 </p:sld>
 </file>
 
-<file path=ppt/slides/slide25.xml><?xml version="1.0" encoding="utf-8"?>
-<p:sld xmlns:a="http://schemas.openxmlformats.org/drawingml/2006/main" xmlns:r="http://schemas.openxmlformats.org/officeDocument/2006/relationships" xmlns:p="http://schemas.openxmlformats.org/presentationml/2006/main">
-  <p:cSld>
-    <p:spTree>
-      <p:nvGrpSpPr>
-        <p:cNvPr id="1" name=""/>
-        <p:cNvGrpSpPr/>
-        <p:nvPr/>
-      </p:nvGrpSpPr>
-      <p:grpSpPr>
-        <a:xfrm>
-          <a:off x="0" y="0"/>
-          <a:ext cx="0" cy="0"/>
-          <a:chOff x="0" y="0"/>
-          <a:chExt cx="0" cy="0"/>
-        </a:xfrm>
-      </p:grpSpPr>
-      <p:sp>
-        <p:nvSpPr>
-          <p:cNvPr id="2" name="Title 1"/>
-          <p:cNvSpPr>
-            <a:spLocks noGrp="1"/>
-          </p:cNvSpPr>
-          <p:nvPr>
-            <p:ph type="title"/>
-          </p:nvPr>
-        </p:nvSpPr>
-        <p:spPr/>
-        <p:txBody>
-          <a:bodyPr/>
-          <a:lstStyle/>
-          <a:p>
-            <a:r>
-              <a:rPr lang="en-US" dirty="0"/>
-              <a:t>Reach as fixpoint of Post</a:t>
-            </a:r>
-          </a:p>
-        </p:txBody>
-      </p:sp>
-      <p:sp>
-        <p:nvSpPr>
-          <p:cNvPr id="3" name="Content Placeholder 2"/>
-          <p:cNvSpPr>
-            <a:spLocks noGrp="1"/>
-          </p:cNvSpPr>
-          <p:nvPr>
-            <p:ph idx="1"/>
-          </p:nvPr>
-        </p:nvSpPr>
-        <p:spPr/>
-        <p:txBody>
-          <a:bodyPr/>
-          <a:lstStyle/>
-          <a:p>
-            <a:endParaRPr lang="en-US"/>
-          </a:p>
-        </p:txBody>
-      </p:sp>
-    </p:spTree>
-    <p:extLst>
-      <p:ext uri="{BB962C8B-B14F-4D97-AF65-F5344CB8AC3E}">
-        <p14:creationId xmlns:p14="http://schemas.microsoft.com/office/powerpoint/2010/main" val="4161887992"/>
-      </p:ext>
-    </p:extLst>
-  </p:cSld>
-  <p:clrMapOvr>
-    <a:masterClrMapping/>
-  </p:clrMapOvr>
-</p:sld>
-</file>
-
 <file path=ppt/slides/slide26.xml><?xml version="1.0" encoding="utf-8"?>
 <p:sld xmlns:a="http://schemas.openxmlformats.org/drawingml/2006/main" xmlns:r="http://schemas.openxmlformats.org/officeDocument/2006/relationships" xmlns:p="http://schemas.openxmlformats.org/presentationml/2006/main">
   <p:cSld>
@@ -16475,20 +18113,34 @@
           <a:p>
             <a:r>
               <a:rPr lang="en-US" dirty="0"/>
-              <a:t>Proving invariants by induction </a:t>
-            </a:r>
-            <a:r>
-              <a:rPr lang="en-US"/>
-              <a:t>(Chapter 7)</a:t>
-            </a:r>
-            <a:endParaRPr lang="en-US" dirty="0"/>
+              <a:t>Reach as fixpoint of Post</a:t>
+            </a:r>
+          </a:p>
+        </p:txBody>
+      </p:sp>
+      <p:sp>
+        <p:nvSpPr>
+          <p:cNvPr id="3" name="Content Placeholder 2"/>
+          <p:cNvSpPr>
+            <a:spLocks noGrp="1"/>
+          </p:cNvSpPr>
+          <p:nvPr>
+            <p:ph idx="1"/>
+          </p:nvPr>
+        </p:nvSpPr>
+        <p:spPr/>
+        <p:txBody>
+          <a:bodyPr/>
+          <a:lstStyle/>
+          <a:p>
+            <a:endParaRPr lang="en-US"/>
           </a:p>
         </p:txBody>
       </p:sp>
     </p:spTree>
     <p:extLst>
       <p:ext uri="{BB962C8B-B14F-4D97-AF65-F5344CB8AC3E}">
-        <p14:creationId xmlns:p14="http://schemas.microsoft.com/office/powerpoint/2010/main" val="195396624"/>
+        <p14:creationId xmlns:p14="http://schemas.microsoft.com/office/powerpoint/2010/main" val="4161887992"/>
       </p:ext>
     </p:extLst>
   </p:cSld>
@@ -16532,6 +18184,63 @@
           <a:p>
             <a:r>
               <a:rPr lang="en-US" dirty="0"/>
+              <a:t>Proving invariants by induction </a:t>
+            </a:r>
+            <a:r>
+              <a:rPr lang="en-US"/>
+              <a:t>(Chapter 7)</a:t>
+            </a:r>
+            <a:endParaRPr lang="en-US" dirty="0"/>
+          </a:p>
+        </p:txBody>
+      </p:sp>
+    </p:spTree>
+    <p:extLst>
+      <p:ext uri="{BB962C8B-B14F-4D97-AF65-F5344CB8AC3E}">
+        <p14:creationId xmlns:p14="http://schemas.microsoft.com/office/powerpoint/2010/main" val="195396624"/>
+      </p:ext>
+    </p:extLst>
+  </p:cSld>
+  <p:clrMapOvr>
+    <a:masterClrMapping/>
+  </p:clrMapOvr>
+</p:sld>
+</file>
+
+<file path=ppt/slides/slide28.xml><?xml version="1.0" encoding="utf-8"?>
+<p:sld xmlns:a="http://schemas.openxmlformats.org/drawingml/2006/main" xmlns:r="http://schemas.openxmlformats.org/officeDocument/2006/relationships" xmlns:p="http://schemas.openxmlformats.org/presentationml/2006/main">
+  <p:cSld>
+    <p:spTree>
+      <p:nvGrpSpPr>
+        <p:cNvPr id="1" name=""/>
+        <p:cNvGrpSpPr/>
+        <p:nvPr/>
+      </p:nvGrpSpPr>
+      <p:grpSpPr>
+        <a:xfrm>
+          <a:off x="0" y="0"/>
+          <a:ext cx="0" cy="0"/>
+          <a:chOff x="0" y="0"/>
+          <a:chExt cx="0" cy="0"/>
+        </a:xfrm>
+      </p:grpSpPr>
+      <p:sp>
+        <p:nvSpPr>
+          <p:cNvPr id="2" name="Title 1"/>
+          <p:cNvSpPr>
+            <a:spLocks noGrp="1"/>
+          </p:cNvSpPr>
+          <p:nvPr>
+            <p:ph type="title"/>
+          </p:nvPr>
+        </p:nvSpPr>
+        <p:spPr/>
+        <p:txBody>
+          <a:bodyPr/>
+          <a:lstStyle/>
+          <a:p>
+            <a:r>
+              <a:rPr lang="en-US" dirty="0"/>
               <a:t>Reading Assignments</a:t>
             </a:r>
           </a:p>
@@ -16640,6 +18349,284 @@
           <p:cNvPr id="2" name="Title 1">
             <a:extLst>
               <a:ext uri="{FF2B5EF4-FFF2-40B4-BE49-F238E27FC236}">
+                <a16:creationId xmlns:a16="http://schemas.microsoft.com/office/drawing/2014/main" id="{89A6E0D0-E74E-2B45-B640-A1E3517EF8C2}"/>
+              </a:ext>
+            </a:extLst>
+          </p:cNvPr>
+          <p:cNvSpPr>
+            <a:spLocks noGrp="1"/>
+          </p:cNvSpPr>
+          <p:nvPr>
+            <p:ph type="title"/>
+          </p:nvPr>
+        </p:nvSpPr>
+        <p:spPr/>
+        <p:txBody>
+          <a:bodyPr/>
+          <a:lstStyle/>
+          <a:p>
+            <a:r>
+              <a:rPr lang="en-US" dirty="0"/>
+              <a:t>Automata or discrete transition systems</a:t>
+            </a:r>
+          </a:p>
+        </p:txBody>
+      </p:sp>
+      <p:sp>
+        <p:nvSpPr>
+          <p:cNvPr id="3" name="Content Placeholder 2">
+            <a:extLst>
+              <a:ext uri="{FF2B5EF4-FFF2-40B4-BE49-F238E27FC236}">
+                <a16:creationId xmlns:a16="http://schemas.microsoft.com/office/drawing/2014/main" id="{F147AA83-84E3-0342-8A94-AC07EADC2024}"/>
+              </a:ext>
+            </a:extLst>
+          </p:cNvPr>
+          <p:cNvSpPr>
+            <a:spLocks noGrp="1"/>
+          </p:cNvSpPr>
+          <p:nvPr>
+            <p:ph idx="1"/>
+          </p:nvPr>
+        </p:nvSpPr>
+        <p:spPr>
+          <a:xfrm>
+            <a:off x="838200" y="1560576"/>
+            <a:ext cx="10515600" cy="4932299"/>
+          </a:xfrm>
+        </p:spPr>
+        <p:txBody>
+          <a:bodyPr>
+            <a:normAutofit/>
+          </a:bodyPr>
+          <a:lstStyle/>
+          <a:p>
+            <a:pPr>
+              <a:lnSpc>
+                <a:spcPct val="110000"/>
+              </a:lnSpc>
+            </a:pPr>
+            <a:r>
+              <a:rPr lang="en-US" b="0" dirty="0">
+                <a:latin typeface="+mj-lt"/>
+                <a:ea typeface="Cambria Math" panose="02040503050406030204" pitchFamily="18" charset="0"/>
+              </a:rPr>
+              <a:t>The “state” of a system captures </a:t>
+            </a:r>
+            <a:r>
+              <a:rPr lang="en-US" dirty="0">
+                <a:latin typeface="+mj-lt"/>
+                <a:ea typeface="Cambria Math" panose="02040503050406030204" pitchFamily="18" charset="0"/>
+              </a:rPr>
+              <a:t>all the information needed to predict the system’s future behavior</a:t>
+            </a:r>
+          </a:p>
+          <a:p>
+            <a:pPr>
+              <a:lnSpc>
+                <a:spcPct val="110000"/>
+              </a:lnSpc>
+            </a:pPr>
+            <a:r>
+              <a:rPr lang="en-US" dirty="0">
+                <a:latin typeface="+mj-lt"/>
+                <a:ea typeface="Cambria Math" panose="02040503050406030204" pitchFamily="18" charset="0"/>
+              </a:rPr>
+              <a:t>Behavior of a system is a sequence of states</a:t>
+            </a:r>
+          </a:p>
+          <a:p>
+            <a:pPr>
+              <a:lnSpc>
+                <a:spcPct val="110000"/>
+              </a:lnSpc>
+            </a:pPr>
+            <a:r>
+              <a:rPr lang="en-US" i="1" dirty="0">
+                <a:latin typeface="+mj-lt"/>
+                <a:ea typeface="Cambria Math" panose="02040503050406030204" pitchFamily="18" charset="0"/>
+              </a:rPr>
+              <a:t>Our ultimate goal: write programs that prove properties about all behaviors of a system</a:t>
+            </a:r>
+          </a:p>
+          <a:p>
+            <a:pPr>
+              <a:lnSpc>
+                <a:spcPct val="110000"/>
+              </a:lnSpc>
+            </a:pPr>
+            <a:r>
+              <a:rPr lang="en-US" dirty="0">
+                <a:latin typeface="+mj-lt"/>
+                <a:ea typeface="Cambria Math" panose="02040503050406030204" pitchFamily="18" charset="0"/>
+              </a:rPr>
+              <a:t>“Transitions” capture how the state can change</a:t>
+            </a:r>
+          </a:p>
+        </p:txBody>
+      </p:sp>
+    </p:spTree>
+    <p:extLst>
+      <p:ext uri="{BB962C8B-B14F-4D97-AF65-F5344CB8AC3E}">
+        <p14:creationId xmlns:p14="http://schemas.microsoft.com/office/powerpoint/2010/main" val="3978938520"/>
+      </p:ext>
+    </p:extLst>
+  </p:cSld>
+  <p:clrMapOvr>
+    <a:masterClrMapping/>
+  </p:clrMapOvr>
+  <p:timing>
+    <p:tnLst>
+      <p:par>
+        <p:cTn id="1" dur="indefinite" restart="never" nodeType="tmRoot">
+          <p:childTnLst>
+            <p:seq concurrent="1" nextAc="seek">
+              <p:cTn id="2" dur="indefinite" nodeType="mainSeq">
+                <p:childTnLst>
+                  <p:par>
+                    <p:cTn id="3" fill="hold">
+                      <p:stCondLst>
+                        <p:cond delay="indefinite"/>
+                      </p:stCondLst>
+                      <p:childTnLst>
+                        <p:par>
+                          <p:cTn id="4" fill="hold">
+                            <p:stCondLst>
+                              <p:cond delay="0"/>
+                            </p:stCondLst>
+                            <p:childTnLst>
+                              <p:par>
+                                <p:cTn id="5" presetID="1" presetClass="entr" presetSubtype="0" fill="hold" nodeType="clickEffect">
+                                  <p:stCondLst>
+                                    <p:cond delay="0"/>
+                                  </p:stCondLst>
+                                  <p:childTnLst>
+                                    <p:set>
+                                      <p:cBhvr>
+                                        <p:cTn id="6" dur="1" fill="hold">
+                                          <p:stCondLst>
+                                            <p:cond delay="0"/>
+                                          </p:stCondLst>
+                                        </p:cTn>
+                                        <p:tgtEl>
+                                          <p:spTgt spid="3">
+                                            <p:txEl>
+                                              <p:pRg st="2" end="2"/>
+                                            </p:txEl>
+                                          </p:spTgt>
+                                        </p:tgtEl>
+                                        <p:attrNameLst>
+                                          <p:attrName>style.visibility</p:attrName>
+                                        </p:attrNameLst>
+                                      </p:cBhvr>
+                                      <p:to>
+                                        <p:strVal val="visible"/>
+                                      </p:to>
+                                    </p:set>
+                                  </p:childTnLst>
+                                </p:cTn>
+                              </p:par>
+                            </p:childTnLst>
+                          </p:cTn>
+                        </p:par>
+                      </p:childTnLst>
+                    </p:cTn>
+                  </p:par>
+                  <p:par>
+                    <p:cTn id="7" fill="hold">
+                      <p:stCondLst>
+                        <p:cond delay="indefinite"/>
+                      </p:stCondLst>
+                      <p:childTnLst>
+                        <p:par>
+                          <p:cTn id="8" fill="hold">
+                            <p:stCondLst>
+                              <p:cond delay="0"/>
+                            </p:stCondLst>
+                            <p:childTnLst>
+                              <p:par>
+                                <p:cTn id="9" presetID="1" presetClass="entr" presetSubtype="0" fill="hold" nodeType="clickEffect">
+                                  <p:stCondLst>
+                                    <p:cond delay="0"/>
+                                  </p:stCondLst>
+                                  <p:childTnLst>
+                                    <p:set>
+                                      <p:cBhvr>
+                                        <p:cTn id="10" dur="1" fill="hold">
+                                          <p:stCondLst>
+                                            <p:cond delay="0"/>
+                                          </p:stCondLst>
+                                        </p:cTn>
+                                        <p:tgtEl>
+                                          <p:spTgt spid="3">
+                                            <p:txEl>
+                                              <p:pRg st="3" end="3"/>
+                                            </p:txEl>
+                                          </p:spTgt>
+                                        </p:tgtEl>
+                                        <p:attrNameLst>
+                                          <p:attrName>style.visibility</p:attrName>
+                                        </p:attrNameLst>
+                                      </p:cBhvr>
+                                      <p:to>
+                                        <p:strVal val="visible"/>
+                                      </p:to>
+                                    </p:set>
+                                  </p:childTnLst>
+                                </p:cTn>
+                              </p:par>
+                            </p:childTnLst>
+                          </p:cTn>
+                        </p:par>
+                      </p:childTnLst>
+                    </p:cTn>
+                  </p:par>
+                </p:childTnLst>
+              </p:cTn>
+              <p:prevCondLst>
+                <p:cond evt="onPrev" delay="0">
+                  <p:tgtEl>
+                    <p:sldTgt/>
+                  </p:tgtEl>
+                </p:cond>
+              </p:prevCondLst>
+              <p:nextCondLst>
+                <p:cond evt="onNext" delay="0">
+                  <p:tgtEl>
+                    <p:sldTgt/>
+                  </p:tgtEl>
+                </p:cond>
+              </p:nextCondLst>
+            </p:seq>
+          </p:childTnLst>
+        </p:cTn>
+      </p:par>
+    </p:tnLst>
+  </p:timing>
+</p:sld>
+</file>
+
+<file path=ppt/slides/slide4.xml><?xml version="1.0" encoding="utf-8"?>
+<p:sld xmlns:a="http://schemas.openxmlformats.org/drawingml/2006/main" xmlns:r="http://schemas.openxmlformats.org/officeDocument/2006/relationships" xmlns:p="http://schemas.openxmlformats.org/presentationml/2006/main">
+  <p:cSld>
+    <p:spTree>
+      <p:nvGrpSpPr>
+        <p:cNvPr id="1" name=""/>
+        <p:cNvGrpSpPr/>
+        <p:nvPr/>
+      </p:nvGrpSpPr>
+      <p:grpSpPr>
+        <a:xfrm>
+          <a:off x="0" y="0"/>
+          <a:ext cx="0" cy="0"/>
+          <a:chOff x="0" y="0"/>
+          <a:chExt cx="0" cy="0"/>
+        </a:xfrm>
+      </p:grpSpPr>
+      <p:sp>
+        <p:nvSpPr>
+          <p:cNvPr id="2" name="Title 1">
+            <a:extLst>
+              <a:ext uri="{FF2B5EF4-FFF2-40B4-BE49-F238E27FC236}">
                 <a16:creationId xmlns:a16="http://schemas.microsoft.com/office/drawing/2014/main" id="{DC06D5FD-3A9C-6948-B07B-783BCBF65032}"/>
               </a:ext>
             </a:extLst>
@@ -16811,10 +18798,187 @@
   <p:clrMapOvr>
     <a:masterClrMapping/>
   </p:clrMapOvr>
+  <p:timing>
+    <p:tnLst>
+      <p:par>
+        <p:cTn id="1" dur="indefinite" restart="never" nodeType="tmRoot">
+          <p:childTnLst>
+            <p:seq concurrent="1" nextAc="seek">
+              <p:cTn id="2" dur="indefinite" nodeType="mainSeq">
+                <p:childTnLst>
+                  <p:par>
+                    <p:cTn id="3" fill="hold">
+                      <p:stCondLst>
+                        <p:cond delay="indefinite"/>
+                      </p:stCondLst>
+                      <p:childTnLst>
+                        <p:par>
+                          <p:cTn id="4" fill="hold">
+                            <p:stCondLst>
+                              <p:cond delay="0"/>
+                            </p:stCondLst>
+                            <p:childTnLst>
+                              <p:par>
+                                <p:cTn id="5" presetID="1" presetClass="entr" presetSubtype="0" fill="hold" nodeType="clickEffect">
+                                  <p:stCondLst>
+                                    <p:cond delay="0"/>
+                                  </p:stCondLst>
+                                  <p:childTnLst>
+                                    <p:set>
+                                      <p:cBhvr>
+                                        <p:cTn id="6" dur="1" fill="hold">
+                                          <p:stCondLst>
+                                            <p:cond delay="0"/>
+                                          </p:stCondLst>
+                                        </p:cTn>
+                                        <p:tgtEl>
+                                          <p:spTgt spid="3">
+                                            <p:txEl>
+                                              <p:pRg st="2" end="2"/>
+                                            </p:txEl>
+                                          </p:spTgt>
+                                        </p:tgtEl>
+                                        <p:attrNameLst>
+                                          <p:attrName>style.visibility</p:attrName>
+                                        </p:attrNameLst>
+                                      </p:cBhvr>
+                                      <p:to>
+                                        <p:strVal val="visible"/>
+                                      </p:to>
+                                    </p:set>
+                                  </p:childTnLst>
+                                </p:cTn>
+                              </p:par>
+                            </p:childTnLst>
+                          </p:cTn>
+                        </p:par>
+                      </p:childTnLst>
+                    </p:cTn>
+                  </p:par>
+                  <p:par>
+                    <p:cTn id="7" fill="hold">
+                      <p:stCondLst>
+                        <p:cond delay="indefinite"/>
+                      </p:stCondLst>
+                      <p:childTnLst>
+                        <p:par>
+                          <p:cTn id="8" fill="hold">
+                            <p:stCondLst>
+                              <p:cond delay="0"/>
+                            </p:stCondLst>
+                            <p:childTnLst>
+                              <p:par>
+                                <p:cTn id="9" presetID="1" presetClass="entr" presetSubtype="0" fill="hold" nodeType="clickEffect">
+                                  <p:stCondLst>
+                                    <p:cond delay="0"/>
+                                  </p:stCondLst>
+                                  <p:childTnLst>
+                                    <p:set>
+                                      <p:cBhvr>
+                                        <p:cTn id="10" dur="1" fill="hold">
+                                          <p:stCondLst>
+                                            <p:cond delay="0"/>
+                                          </p:stCondLst>
+                                        </p:cTn>
+                                        <p:tgtEl>
+                                          <p:spTgt spid="3">
+                                            <p:txEl>
+                                              <p:pRg st="3" end="3"/>
+                                            </p:txEl>
+                                          </p:spTgt>
+                                        </p:tgtEl>
+                                        <p:attrNameLst>
+                                          <p:attrName>style.visibility</p:attrName>
+                                        </p:attrNameLst>
+                                      </p:cBhvr>
+                                      <p:to>
+                                        <p:strVal val="visible"/>
+                                      </p:to>
+                                    </p:set>
+                                  </p:childTnLst>
+                                </p:cTn>
+                              </p:par>
+                            </p:childTnLst>
+                          </p:cTn>
+                        </p:par>
+                      </p:childTnLst>
+                    </p:cTn>
+                  </p:par>
+                  <p:par>
+                    <p:cTn id="11" fill="hold">
+                      <p:stCondLst>
+                        <p:cond delay="indefinite"/>
+                      </p:stCondLst>
+                      <p:childTnLst>
+                        <p:par>
+                          <p:cTn id="12" fill="hold">
+                            <p:stCondLst>
+                              <p:cond delay="0"/>
+                            </p:stCondLst>
+                            <p:childTnLst>
+                              <p:par>
+                                <p:cTn id="13" presetID="1" presetClass="entr" presetSubtype="0" fill="hold" nodeType="clickEffect">
+                                  <p:stCondLst>
+                                    <p:cond delay="0"/>
+                                  </p:stCondLst>
+                                  <p:childTnLst>
+                                    <p:set>
+                                      <p:cBhvr>
+                                        <p:cTn id="14" dur="1" fill="hold">
+                                          <p:stCondLst>
+                                            <p:cond delay="0"/>
+                                          </p:stCondLst>
+                                        </p:cTn>
+                                        <p:tgtEl>
+                                          <p:spTgt spid="3">
+                                            <p:txEl>
+                                              <p:pRg st="5" end="5"/>
+                                            </p:txEl>
+                                          </p:spTgt>
+                                        </p:tgtEl>
+                                        <p:attrNameLst>
+                                          <p:attrName>style.visibility</p:attrName>
+                                        </p:attrNameLst>
+                                      </p:cBhvr>
+                                      <p:to>
+                                        <p:strVal val="visible"/>
+                                      </p:to>
+                                    </p:set>
+                                  </p:childTnLst>
+                                </p:cTn>
+                              </p:par>
+                            </p:childTnLst>
+                          </p:cTn>
+                        </p:par>
+                      </p:childTnLst>
+                    </p:cTn>
+                  </p:par>
+                </p:childTnLst>
+              </p:cTn>
+              <p:prevCondLst>
+                <p:cond evt="onPrev" delay="0">
+                  <p:tgtEl>
+                    <p:sldTgt/>
+                  </p:tgtEl>
+                </p:cond>
+              </p:prevCondLst>
+              <p:nextCondLst>
+                <p:cond evt="onNext" delay="0">
+                  <p:tgtEl>
+                    <p:sldTgt/>
+                  </p:tgtEl>
+                </p:cond>
+              </p:nextCondLst>
+            </p:seq>
+          </p:childTnLst>
+        </p:cTn>
+      </p:par>
+    </p:tnLst>
+  </p:timing>
 </p:sld>
 </file>
 
-<file path=ppt/slides/slide4.xml><?xml version="1.0" encoding="utf-8"?>
+<file path=ppt/slides/slide5.xml><?xml version="1.0" encoding="utf-8"?>
 <p:sld xmlns:a="http://schemas.openxmlformats.org/drawingml/2006/main" xmlns:r="http://schemas.openxmlformats.org/officeDocument/2006/relationships" xmlns:p="http://schemas.openxmlformats.org/presentationml/2006/main">
   <p:cSld>
     <p:spTree>
@@ -17028,7 +19192,7 @@
 </p:sld>
 </file>
 
-<file path=ppt/slides/slide5.xml><?xml version="1.0" encoding="utf-8"?>
+<file path=ppt/slides/slide6.xml><?xml version="1.0" encoding="utf-8"?>
 <p:sld xmlns:a="http://schemas.openxmlformats.org/drawingml/2006/main" xmlns:r="http://schemas.openxmlformats.org/officeDocument/2006/relationships" xmlns:p="http://schemas.openxmlformats.org/presentationml/2006/main">
   <p:cSld>
     <p:spTree>
@@ -17597,7 +19761,7 @@
 </p:sld>
 </file>
 
-<file path=ppt/slides/slide6.xml><?xml version="1.0" encoding="utf-8"?>
+<file path=ppt/slides/slide7.xml><?xml version="1.0" encoding="utf-8"?>
 <p:sld xmlns:a="http://schemas.openxmlformats.org/drawingml/2006/main" xmlns:r="http://schemas.openxmlformats.org/officeDocument/2006/relationships" xmlns:p="http://schemas.openxmlformats.org/presentationml/2006/main">
   <p:cSld>
     <p:spTree>
@@ -18166,7 +20330,7 @@
 </p:sld>
 </file>
 
-<file path=ppt/slides/slide7.xml><?xml version="1.0" encoding="utf-8"?>
+<file path=ppt/slides/slide8.xml><?xml version="1.0" encoding="utf-8"?>
 <p:sld xmlns:a="http://schemas.openxmlformats.org/drawingml/2006/main" xmlns:r="http://schemas.openxmlformats.org/officeDocument/2006/relationships" xmlns:p="http://schemas.openxmlformats.org/presentationml/2006/main">
   <p:cSld>
     <p:spTree>
@@ -18563,6 +20727,57 @@
           </a:prstGeom>
         </p:spPr>
       </p:pic>
+      <mc:AlternateContent xmlns:mc="http://schemas.openxmlformats.org/markup-compatibility/2006">
+        <mc:Choice xmlns:p14="http://schemas.microsoft.com/office/powerpoint/2010/main" Requires="p14">
+          <p:contentPart p14:bwMode="auto" r:id="rId9">
+            <p14:nvContentPartPr>
+              <p14:cNvPr id="6" name="Ink 5">
+                <a:extLst>
+                  <a:ext uri="{FF2B5EF4-FFF2-40B4-BE49-F238E27FC236}">
+                    <a16:creationId xmlns:a16="http://schemas.microsoft.com/office/drawing/2014/main" id="{6B8EAC00-B23B-5B46-813D-37C4F747E692}"/>
+                  </a:ext>
+                </a:extLst>
+              </p14:cNvPr>
+              <p14:cNvContentPartPr/>
+              <p14:nvPr/>
+            </p14:nvContentPartPr>
+            <p14:xfrm>
+              <a:off x="539640" y="1441440"/>
+              <a:ext cx="2184840" cy="794160"/>
+            </p14:xfrm>
+          </p:contentPart>
+        </mc:Choice>
+        <mc:Fallback>
+          <p:pic>
+            <p:nvPicPr>
+              <p:cNvPr id="6" name="Ink 5">
+                <a:extLst>
+                  <a:ext uri="{FF2B5EF4-FFF2-40B4-BE49-F238E27FC236}">
+                    <a16:creationId xmlns:a16="http://schemas.microsoft.com/office/drawing/2014/main" id="{6B8EAC00-B23B-5B46-813D-37C4F747E692}"/>
+                  </a:ext>
+                </a:extLst>
+              </p:cNvPr>
+              <p:cNvPicPr/>
+              <p:nvPr/>
+            </p:nvPicPr>
+            <p:blipFill>
+              <a:blip r:embed="rId10"/>
+              <a:stretch>
+                <a:fillRect/>
+              </a:stretch>
+            </p:blipFill>
+            <p:spPr>
+              <a:xfrm>
+                <a:off x="530280" y="1432080"/>
+                <a:ext cx="2203560" cy="812880"/>
+              </a:xfrm>
+              <a:prstGeom prst="rect">
+                <a:avLst/>
+              </a:prstGeom>
+            </p:spPr>
+          </p:pic>
+        </mc:Fallback>
+      </mc:AlternateContent>
     </p:spTree>
     <p:extLst>
       <p:ext uri="{BB962C8B-B14F-4D97-AF65-F5344CB8AC3E}">
@@ -18573,10 +20788,496 @@
   <p:clrMapOvr>
     <a:masterClrMapping/>
   </p:clrMapOvr>
+  <p:timing>
+    <p:tnLst>
+      <p:par>
+        <p:cTn id="1" dur="indefinite" restart="never" nodeType="tmRoot">
+          <p:childTnLst>
+            <p:seq concurrent="1" nextAc="seek">
+              <p:cTn id="2" dur="indefinite" nodeType="mainSeq">
+                <p:childTnLst>
+                  <p:par>
+                    <p:cTn id="3" fill="hold">
+                      <p:stCondLst>
+                        <p:cond delay="indefinite"/>
+                      </p:stCondLst>
+                      <p:childTnLst>
+                        <p:par>
+                          <p:cTn id="4" fill="hold">
+                            <p:stCondLst>
+                              <p:cond delay="0"/>
+                            </p:stCondLst>
+                            <p:childTnLst>
+                              <p:par>
+                                <p:cTn id="5" presetID="1" presetClass="entr" presetSubtype="0" fill="hold" nodeType="clickEffect">
+                                  <p:stCondLst>
+                                    <p:cond delay="0"/>
+                                  </p:stCondLst>
+                                  <p:childTnLst>
+                                    <p:set>
+                                      <p:cBhvr>
+                                        <p:cTn id="6" dur="1" fill="hold">
+                                          <p:stCondLst>
+                                            <p:cond delay="0"/>
+                                          </p:stCondLst>
+                                        </p:cTn>
+                                        <p:tgtEl>
+                                          <p:spTgt spid="8"/>
+                                        </p:tgtEl>
+                                        <p:attrNameLst>
+                                          <p:attrName>style.visibility</p:attrName>
+                                        </p:attrNameLst>
+                                      </p:cBhvr>
+                                      <p:to>
+                                        <p:strVal val="visible"/>
+                                      </p:to>
+                                    </p:set>
+                                  </p:childTnLst>
+                                </p:cTn>
+                              </p:par>
+                            </p:childTnLst>
+                          </p:cTn>
+                        </p:par>
+                      </p:childTnLst>
+                    </p:cTn>
+                  </p:par>
+                  <p:par>
+                    <p:cTn id="7" fill="hold">
+                      <p:stCondLst>
+                        <p:cond delay="indefinite"/>
+                      </p:stCondLst>
+                      <p:childTnLst>
+                        <p:par>
+                          <p:cTn id="8" fill="hold">
+                            <p:stCondLst>
+                              <p:cond delay="0"/>
+                            </p:stCondLst>
+                            <p:childTnLst>
+                              <p:par>
+                                <p:cTn id="9" presetID="1" presetClass="entr" presetSubtype="0" fill="hold" nodeType="clickEffect">
+                                  <p:stCondLst>
+                                    <p:cond delay="0"/>
+                                  </p:stCondLst>
+                                  <p:childTnLst>
+                                    <p:set>
+                                      <p:cBhvr>
+                                        <p:cTn id="10" dur="1" fill="hold">
+                                          <p:stCondLst>
+                                            <p:cond delay="0"/>
+                                          </p:stCondLst>
+                                        </p:cTn>
+                                        <p:tgtEl>
+                                          <p:spTgt spid="9"/>
+                                        </p:tgtEl>
+                                        <p:attrNameLst>
+                                          <p:attrName>style.visibility</p:attrName>
+                                        </p:attrNameLst>
+                                      </p:cBhvr>
+                                      <p:to>
+                                        <p:strVal val="visible"/>
+                                      </p:to>
+                                    </p:set>
+                                  </p:childTnLst>
+                                </p:cTn>
+                              </p:par>
+                            </p:childTnLst>
+                          </p:cTn>
+                        </p:par>
+                      </p:childTnLst>
+                    </p:cTn>
+                  </p:par>
+                  <p:par>
+                    <p:cTn id="11" fill="hold">
+                      <p:stCondLst>
+                        <p:cond delay="indefinite"/>
+                      </p:stCondLst>
+                      <p:childTnLst>
+                        <p:par>
+                          <p:cTn id="12" fill="hold">
+                            <p:stCondLst>
+                              <p:cond delay="0"/>
+                            </p:stCondLst>
+                            <p:childTnLst>
+                              <p:par>
+                                <p:cTn id="13" presetID="1" presetClass="entr" presetSubtype="0" fill="hold" grpId="0" nodeType="clickEffect">
+                                  <p:stCondLst>
+                                    <p:cond delay="0"/>
+                                  </p:stCondLst>
+                                  <p:childTnLst>
+                                    <p:set>
+                                      <p:cBhvr>
+                                        <p:cTn id="14" dur="1" fill="hold">
+                                          <p:stCondLst>
+                                            <p:cond delay="0"/>
+                                          </p:stCondLst>
+                                        </p:cTn>
+                                        <p:tgtEl>
+                                          <p:spTgt spid="5"/>
+                                        </p:tgtEl>
+                                        <p:attrNameLst>
+                                          <p:attrName>style.visibility</p:attrName>
+                                        </p:attrNameLst>
+                                      </p:cBhvr>
+                                      <p:to>
+                                        <p:strVal val="visible"/>
+                                      </p:to>
+                                    </p:set>
+                                  </p:childTnLst>
+                                </p:cTn>
+                              </p:par>
+                            </p:childTnLst>
+                          </p:cTn>
+                        </p:par>
+                      </p:childTnLst>
+                    </p:cTn>
+                  </p:par>
+                  <p:par>
+                    <p:cTn id="15" fill="hold">
+                      <p:stCondLst>
+                        <p:cond delay="indefinite"/>
+                      </p:stCondLst>
+                      <p:childTnLst>
+                        <p:par>
+                          <p:cTn id="16" fill="hold">
+                            <p:stCondLst>
+                              <p:cond delay="0"/>
+                            </p:stCondLst>
+                            <p:childTnLst>
+                              <p:par>
+                                <p:cTn id="17" presetID="1" presetClass="entr" presetSubtype="0" fill="hold" nodeType="clickEffect">
+                                  <p:stCondLst>
+                                    <p:cond delay="0"/>
+                                  </p:stCondLst>
+                                  <p:childTnLst>
+                                    <p:set>
+                                      <p:cBhvr>
+                                        <p:cTn id="18" dur="1" fill="hold">
+                                          <p:stCondLst>
+                                            <p:cond delay="0"/>
+                                          </p:stCondLst>
+                                        </p:cTn>
+                                        <p:tgtEl>
+                                          <p:spTgt spid="4"/>
+                                        </p:tgtEl>
+                                        <p:attrNameLst>
+                                          <p:attrName>style.visibility</p:attrName>
+                                        </p:attrNameLst>
+                                      </p:cBhvr>
+                                      <p:to>
+                                        <p:strVal val="visible"/>
+                                      </p:to>
+                                    </p:set>
+                                  </p:childTnLst>
+                                </p:cTn>
+                              </p:par>
+                            </p:childTnLst>
+                          </p:cTn>
+                        </p:par>
+                      </p:childTnLst>
+                    </p:cTn>
+                  </p:par>
+                  <p:par>
+                    <p:cTn id="19" fill="hold">
+                      <p:stCondLst>
+                        <p:cond delay="indefinite"/>
+                      </p:stCondLst>
+                      <p:childTnLst>
+                        <p:par>
+                          <p:cTn id="20" fill="hold">
+                            <p:stCondLst>
+                              <p:cond delay="0"/>
+                            </p:stCondLst>
+                            <p:childTnLst>
+                              <p:par>
+                                <p:cTn id="21" presetID="1" presetClass="entr" presetSubtype="0" fill="hold" nodeType="clickEffect">
+                                  <p:stCondLst>
+                                    <p:cond delay="0"/>
+                                  </p:stCondLst>
+                                  <p:childTnLst>
+                                    <p:set>
+                                      <p:cBhvr>
+                                        <p:cTn id="22" dur="1" fill="hold">
+                                          <p:stCondLst>
+                                            <p:cond delay="0"/>
+                                          </p:stCondLst>
+                                        </p:cTn>
+                                        <p:tgtEl>
+                                          <p:spTgt spid="15"/>
+                                        </p:tgtEl>
+                                        <p:attrNameLst>
+                                          <p:attrName>style.visibility</p:attrName>
+                                        </p:attrNameLst>
+                                      </p:cBhvr>
+                                      <p:to>
+                                        <p:strVal val="visible"/>
+                                      </p:to>
+                                    </p:set>
+                                  </p:childTnLst>
+                                </p:cTn>
+                              </p:par>
+                            </p:childTnLst>
+                          </p:cTn>
+                        </p:par>
+                      </p:childTnLst>
+                    </p:cTn>
+                  </p:par>
+                  <p:par>
+                    <p:cTn id="23" fill="hold">
+                      <p:stCondLst>
+                        <p:cond delay="indefinite"/>
+                      </p:stCondLst>
+                      <p:childTnLst>
+                        <p:par>
+                          <p:cTn id="24" fill="hold">
+                            <p:stCondLst>
+                              <p:cond delay="0"/>
+                            </p:stCondLst>
+                            <p:childTnLst>
+                              <p:par>
+                                <p:cTn id="25" presetID="1" presetClass="entr" presetSubtype="0" fill="hold" nodeType="clickEffect">
+                                  <p:stCondLst>
+                                    <p:cond delay="0"/>
+                                  </p:stCondLst>
+                                  <p:childTnLst>
+                                    <p:set>
+                                      <p:cBhvr>
+                                        <p:cTn id="26" dur="1" fill="hold">
+                                          <p:stCondLst>
+                                            <p:cond delay="0"/>
+                                          </p:stCondLst>
+                                        </p:cTn>
+                                        <p:tgtEl>
+                                          <p:spTgt spid="16"/>
+                                        </p:tgtEl>
+                                        <p:attrNameLst>
+                                          <p:attrName>style.visibility</p:attrName>
+                                        </p:attrNameLst>
+                                      </p:cBhvr>
+                                      <p:to>
+                                        <p:strVal val="visible"/>
+                                      </p:to>
+                                    </p:set>
+                                  </p:childTnLst>
+                                </p:cTn>
+                              </p:par>
+                            </p:childTnLst>
+                          </p:cTn>
+                        </p:par>
+                      </p:childTnLst>
+                    </p:cTn>
+                  </p:par>
+                  <p:par>
+                    <p:cTn id="27" fill="hold">
+                      <p:stCondLst>
+                        <p:cond delay="indefinite"/>
+                      </p:stCondLst>
+                      <p:childTnLst>
+                        <p:par>
+                          <p:cTn id="28" fill="hold">
+                            <p:stCondLst>
+                              <p:cond delay="0"/>
+                            </p:stCondLst>
+                            <p:childTnLst>
+                              <p:par>
+                                <p:cTn id="29" presetID="1" presetClass="entr" presetSubtype="0" fill="hold" grpId="0" nodeType="clickEffect">
+                                  <p:stCondLst>
+                                    <p:cond delay="0"/>
+                                  </p:stCondLst>
+                                  <p:childTnLst>
+                                    <p:set>
+                                      <p:cBhvr>
+                                        <p:cTn id="30" dur="1" fill="hold">
+                                          <p:stCondLst>
+                                            <p:cond delay="0"/>
+                                          </p:stCondLst>
+                                        </p:cTn>
+                                        <p:tgtEl>
+                                          <p:spTgt spid="12"/>
+                                        </p:tgtEl>
+                                        <p:attrNameLst>
+                                          <p:attrName>style.visibility</p:attrName>
+                                        </p:attrNameLst>
+                                      </p:cBhvr>
+                                      <p:to>
+                                        <p:strVal val="visible"/>
+                                      </p:to>
+                                    </p:set>
+                                  </p:childTnLst>
+                                </p:cTn>
+                              </p:par>
+                            </p:childTnLst>
+                          </p:cTn>
+                        </p:par>
+                      </p:childTnLst>
+                    </p:cTn>
+                  </p:par>
+                  <p:par>
+                    <p:cTn id="31" fill="hold">
+                      <p:stCondLst>
+                        <p:cond delay="indefinite"/>
+                      </p:stCondLst>
+                      <p:childTnLst>
+                        <p:par>
+                          <p:cTn id="32" fill="hold">
+                            <p:stCondLst>
+                              <p:cond delay="0"/>
+                            </p:stCondLst>
+                            <p:childTnLst>
+                              <p:par>
+                                <p:cTn id="33" presetID="1" presetClass="entr" presetSubtype="0" fill="hold" grpId="0" nodeType="clickEffect">
+                                  <p:stCondLst>
+                                    <p:cond delay="0"/>
+                                  </p:stCondLst>
+                                  <p:childTnLst>
+                                    <p:set>
+                                      <p:cBhvr>
+                                        <p:cTn id="34" dur="1" fill="hold">
+                                          <p:stCondLst>
+                                            <p:cond delay="0"/>
+                                          </p:stCondLst>
+                                        </p:cTn>
+                                        <p:tgtEl>
+                                          <p:spTgt spid="11"/>
+                                        </p:tgtEl>
+                                        <p:attrNameLst>
+                                          <p:attrName>style.visibility</p:attrName>
+                                        </p:attrNameLst>
+                                      </p:cBhvr>
+                                      <p:to>
+                                        <p:strVal val="visible"/>
+                                      </p:to>
+                                    </p:set>
+                                  </p:childTnLst>
+                                </p:cTn>
+                              </p:par>
+                            </p:childTnLst>
+                          </p:cTn>
+                        </p:par>
+                      </p:childTnLst>
+                    </p:cTn>
+                  </p:par>
+                  <p:par>
+                    <p:cTn id="35" fill="hold">
+                      <p:stCondLst>
+                        <p:cond delay="indefinite"/>
+                      </p:stCondLst>
+                      <p:childTnLst>
+                        <p:par>
+                          <p:cTn id="36" fill="hold">
+                            <p:stCondLst>
+                              <p:cond delay="0"/>
+                            </p:stCondLst>
+                            <p:childTnLst>
+                              <p:par>
+                                <p:cTn id="37" presetID="1" presetClass="entr" presetSubtype="0" fill="hold" grpId="0" nodeType="clickEffect">
+                                  <p:stCondLst>
+                                    <p:cond delay="0"/>
+                                  </p:stCondLst>
+                                  <p:childTnLst>
+                                    <p:set>
+                                      <p:cBhvr>
+                                        <p:cTn id="38" dur="1" fill="hold">
+                                          <p:stCondLst>
+                                            <p:cond delay="0"/>
+                                          </p:stCondLst>
+                                        </p:cTn>
+                                        <p:tgtEl>
+                                          <p:spTgt spid="14"/>
+                                        </p:tgtEl>
+                                        <p:attrNameLst>
+                                          <p:attrName>style.visibility</p:attrName>
+                                        </p:attrNameLst>
+                                      </p:cBhvr>
+                                      <p:to>
+                                        <p:strVal val="visible"/>
+                                      </p:to>
+                                    </p:set>
+                                  </p:childTnLst>
+                                </p:cTn>
+                              </p:par>
+                            </p:childTnLst>
+                          </p:cTn>
+                        </p:par>
+                      </p:childTnLst>
+                    </p:cTn>
+                  </p:par>
+                  <p:par>
+                    <p:cTn id="39" fill="hold">
+                      <p:stCondLst>
+                        <p:cond delay="indefinite"/>
+                      </p:stCondLst>
+                      <p:childTnLst>
+                        <p:par>
+                          <p:cTn id="40" fill="hold">
+                            <p:stCondLst>
+                              <p:cond delay="0"/>
+                            </p:stCondLst>
+                            <p:childTnLst>
+                              <p:par>
+                                <p:cTn id="41" presetID="1" presetClass="entr" presetSubtype="0" fill="hold" nodeType="clickEffect">
+                                  <p:stCondLst>
+                                    <p:cond delay="0"/>
+                                  </p:stCondLst>
+                                  <p:childTnLst>
+                                    <p:set>
+                                      <p:cBhvr>
+                                        <p:cTn id="42" dur="1" fill="hold">
+                                          <p:stCondLst>
+                                            <p:cond delay="0"/>
+                                          </p:stCondLst>
+                                        </p:cTn>
+                                        <p:tgtEl>
+                                          <p:spTgt spid="17"/>
+                                        </p:tgtEl>
+                                        <p:attrNameLst>
+                                          <p:attrName>style.visibility</p:attrName>
+                                        </p:attrNameLst>
+                                      </p:cBhvr>
+                                      <p:to>
+                                        <p:strVal val="visible"/>
+                                      </p:to>
+                                    </p:set>
+                                  </p:childTnLst>
+                                </p:cTn>
+                              </p:par>
+                            </p:childTnLst>
+                          </p:cTn>
+                        </p:par>
+                      </p:childTnLst>
+                    </p:cTn>
+                  </p:par>
+                </p:childTnLst>
+              </p:cTn>
+              <p:prevCondLst>
+                <p:cond evt="onPrev" delay="0">
+                  <p:tgtEl>
+                    <p:sldTgt/>
+                  </p:tgtEl>
+                </p:cond>
+              </p:prevCondLst>
+              <p:nextCondLst>
+                <p:cond evt="onNext" delay="0">
+                  <p:tgtEl>
+                    <p:sldTgt/>
+                  </p:tgtEl>
+                </p:cond>
+              </p:nextCondLst>
+            </p:seq>
+          </p:childTnLst>
+        </p:cTn>
+      </p:par>
+    </p:tnLst>
+    <p:bldLst>
+      <p:bldP spid="5" grpId="0"/>
+      <p:bldP spid="11" grpId="0"/>
+      <p:bldP spid="12" grpId="0"/>
+      <p:bldP spid="14" grpId="0"/>
+    </p:bldLst>
+  </p:timing>
 </p:sld>
 </file>
 
-<file path=ppt/slides/slide8.xml><?xml version="1.0" encoding="utf-8"?>
+<file path=ppt/slides/slide9.xml><?xml version="1.0" encoding="utf-8"?>
 <p:sld xmlns:a="http://schemas.openxmlformats.org/drawingml/2006/main" xmlns:r="http://schemas.openxmlformats.org/officeDocument/2006/relationships" xmlns:p="http://schemas.openxmlformats.org/presentationml/2006/main">
   <p:cSld>
     <p:spTree>
@@ -18964,6 +21665,57 @@
           </a:p>
         </p:txBody>
       </p:sp>
+      <mc:AlternateContent xmlns:mc="http://schemas.openxmlformats.org/markup-compatibility/2006">
+        <mc:Choice xmlns:p14="http://schemas.microsoft.com/office/powerpoint/2010/main" Requires="p14">
+          <p:contentPart p14:bwMode="auto" r:id="rId6">
+            <p14:nvContentPartPr>
+              <p14:cNvPr id="5" name="Ink 4">
+                <a:extLst>
+                  <a:ext uri="{FF2B5EF4-FFF2-40B4-BE49-F238E27FC236}">
+                    <a16:creationId xmlns:a16="http://schemas.microsoft.com/office/drawing/2014/main" id="{D276459A-8839-9147-AF01-BE0D02AA0B3D}"/>
+                  </a:ext>
+                </a:extLst>
+              </p14:cNvPr>
+              <p14:cNvContentPartPr/>
+              <p14:nvPr/>
+            </p14:nvContentPartPr>
+            <p14:xfrm>
+              <a:off x="527040" y="1828800"/>
+              <a:ext cx="2934000" cy="991080"/>
+            </p14:xfrm>
+          </p:contentPart>
+        </mc:Choice>
+        <mc:Fallback>
+          <p:pic>
+            <p:nvPicPr>
+              <p:cNvPr id="5" name="Ink 4">
+                <a:extLst>
+                  <a:ext uri="{FF2B5EF4-FFF2-40B4-BE49-F238E27FC236}">
+                    <a16:creationId xmlns:a16="http://schemas.microsoft.com/office/drawing/2014/main" id="{D276459A-8839-9147-AF01-BE0D02AA0B3D}"/>
+                  </a:ext>
+                </a:extLst>
+              </p:cNvPr>
+              <p:cNvPicPr/>
+              <p:nvPr/>
+            </p:nvPicPr>
+            <p:blipFill>
+              <a:blip r:embed="rId7"/>
+              <a:stretch>
+                <a:fillRect/>
+              </a:stretch>
+            </p:blipFill>
+            <p:spPr>
+              <a:xfrm>
+                <a:off x="517680" y="1819440"/>
+                <a:ext cx="2952720" cy="1009800"/>
+              </a:xfrm>
+              <a:prstGeom prst="rect">
+                <a:avLst/>
+              </a:prstGeom>
+            </p:spPr>
+          </p:pic>
+        </mc:Fallback>
+      </mc:AlternateContent>
     </p:spTree>
     <p:extLst>
       <p:ext uri="{BB962C8B-B14F-4D97-AF65-F5344CB8AC3E}">
@@ -18974,492 +21726,219 @@
   <p:clrMapOvr>
     <a:masterClrMapping/>
   </p:clrMapOvr>
-</p:sld>
-</file>
-
-<file path=ppt/slides/slide9.xml><?xml version="1.0" encoding="utf-8"?>
-<p:sld xmlns:a="http://schemas.openxmlformats.org/drawingml/2006/main" xmlns:r="http://schemas.openxmlformats.org/officeDocument/2006/relationships" xmlns:p="http://schemas.openxmlformats.org/presentationml/2006/main">
-  <p:cSld>
-    <p:spTree>
-      <p:nvGrpSpPr>
-        <p:cNvPr id="1" name=""/>
-        <p:cNvGrpSpPr/>
-        <p:nvPr/>
-      </p:nvGrpSpPr>
-      <p:grpSpPr>
-        <a:xfrm>
-          <a:off x="0" y="0"/>
-          <a:ext cx="0" cy="0"/>
-          <a:chOff x="0" y="0"/>
-          <a:chExt cx="0" cy="0"/>
-        </a:xfrm>
-      </p:grpSpPr>
-      <p:sp>
-        <p:nvSpPr>
-          <p:cNvPr id="3" name="Title 2"/>
-          <p:cNvSpPr>
-            <a:spLocks noGrp="1"/>
-          </p:cNvSpPr>
-          <p:nvPr>
-            <p:ph type="title"/>
-          </p:nvPr>
-        </p:nvSpPr>
-        <p:spPr>
-          <a:xfrm>
-            <a:off x="838200" y="0"/>
-            <a:ext cx="10515600" cy="1325563"/>
-          </a:xfrm>
-        </p:spPr>
-        <p:txBody>
-          <a:bodyPr>
-            <a:normAutofit/>
-          </a:bodyPr>
-          <a:lstStyle/>
-          <a:p>
-            <a:r>
-              <a:rPr lang="en-US" dirty="0"/>
-              <a:t>A language for specifying automata</a:t>
-            </a:r>
-          </a:p>
-        </p:txBody>
-      </p:sp>
-      <p:sp>
-        <p:nvSpPr>
-          <p:cNvPr id="2" name="TextBox 1">
-            <a:extLst>
-              <a:ext uri="{FF2B5EF4-FFF2-40B4-BE49-F238E27FC236}">
-                <a16:creationId xmlns:a16="http://schemas.microsoft.com/office/drawing/2014/main" id="{1417CDEB-59C2-494C-B916-ABA6EEECE1D0}"/>
-              </a:ext>
-            </a:extLst>
-          </p:cNvPr>
-          <p:cNvSpPr txBox="1"/>
-          <p:nvPr/>
-        </p:nvSpPr>
-        <p:spPr>
-          <a:xfrm>
-            <a:off x="838200" y="1027906"/>
-            <a:ext cx="6352701" cy="5632311"/>
-          </a:xfrm>
-          <a:prstGeom prst="rect">
-            <a:avLst/>
-          </a:prstGeom>
-          <a:noFill/>
-        </p:spPr>
-        <p:txBody>
-          <a:bodyPr wrap="none" rtlCol="0">
-            <a:spAutoFit/>
-          </a:bodyPr>
-          <a:lstStyle/>
-          <a:p>
-            <a:r>
-              <a:rPr lang="en-US" sz="2400" b="1" dirty="0"/>
-              <a:t>automaton</a:t>
-            </a:r>
-            <a:r>
-              <a:rPr lang="en-US" sz="2400" dirty="0"/>
-              <a:t> </a:t>
-            </a:r>
-            <a:r>
-              <a:rPr lang="en-US" sz="2400" dirty="0" err="1">
-                <a:solidFill>
-                  <a:srgbClr val="0119FF"/>
-                </a:solidFill>
-              </a:rPr>
-              <a:t>DijkstraTR</a:t>
-            </a:r>
-            <a:r>
-              <a:rPr lang="en-US" sz="2400" dirty="0"/>
-              <a:t>(</a:t>
-            </a:r>
-            <a:r>
-              <a:rPr lang="en-US" sz="2400" dirty="0" err="1"/>
-              <a:t>N:</a:t>
-            </a:r>
-            <a:r>
-              <a:rPr lang="en-US" sz="2400" dirty="0" err="1">
-                <a:solidFill>
-                  <a:srgbClr val="00B050"/>
-                </a:solidFill>
-              </a:rPr>
-              <a:t>Nat</a:t>
-            </a:r>
-            <a:r>
-              <a:rPr lang="en-US" sz="2400" dirty="0"/>
-              <a:t>, </a:t>
-            </a:r>
-            <a:r>
-              <a:rPr lang="en-US" sz="2400" dirty="0" err="1"/>
-              <a:t>K:</a:t>
-            </a:r>
-            <a:r>
-              <a:rPr lang="en-US" sz="2400" dirty="0" err="1">
-                <a:solidFill>
-                  <a:srgbClr val="00B050"/>
-                </a:solidFill>
-              </a:rPr>
-              <a:t>Nat</a:t>
-            </a:r>
-            <a:r>
-              <a:rPr lang="en-US" sz="2400" dirty="0"/>
-              <a:t>), </a:t>
-            </a:r>
-            <a:r>
-              <a:rPr lang="en-US" sz="2400" b="1" dirty="0"/>
-              <a:t>where</a:t>
-            </a:r>
-            <a:r>
-              <a:rPr lang="en-US" sz="2400" dirty="0"/>
-              <a:t> K &gt; N</a:t>
-            </a:r>
-          </a:p>
-          <a:p>
-            <a:r>
-              <a:rPr lang="en-US" sz="2400" dirty="0"/>
-              <a:t>  </a:t>
-            </a:r>
-            <a:r>
-              <a:rPr lang="en-US" sz="2400" b="1" dirty="0"/>
-              <a:t>type</a:t>
-            </a:r>
-            <a:r>
-              <a:rPr lang="en-US" sz="2400" dirty="0"/>
-              <a:t> </a:t>
-            </a:r>
-            <a:r>
-              <a:rPr lang="en-US" sz="2400" dirty="0">
-                <a:solidFill>
-                  <a:srgbClr val="0119FF"/>
-                </a:solidFill>
-              </a:rPr>
-              <a:t>ID</a:t>
-            </a:r>
-            <a:r>
-              <a:rPr lang="en-US" sz="2400" dirty="0"/>
-              <a:t>: </a:t>
-            </a:r>
-            <a:r>
-              <a:rPr lang="en-US" sz="2400" b="1" dirty="0"/>
-              <a:t>enumeration</a:t>
-            </a:r>
-            <a:r>
-              <a:rPr lang="en-US" sz="2400" dirty="0"/>
-              <a:t> [0,...,N-1]</a:t>
-            </a:r>
-          </a:p>
-          <a:p>
-            <a:r>
-              <a:rPr lang="en-US" sz="2400" dirty="0"/>
-              <a:t>  </a:t>
-            </a:r>
-            <a:r>
-              <a:rPr lang="en-US" sz="2400" b="1" dirty="0"/>
-              <a:t>type</a:t>
-            </a:r>
-            <a:r>
-              <a:rPr lang="en-US" sz="2400" dirty="0"/>
-              <a:t> </a:t>
-            </a:r>
-            <a:r>
-              <a:rPr lang="en-US" sz="2400" dirty="0">
-                <a:solidFill>
-                  <a:srgbClr val="0119FF"/>
-                </a:solidFill>
-              </a:rPr>
-              <a:t>Val</a:t>
-            </a:r>
-            <a:r>
-              <a:rPr lang="en-US" sz="2400" dirty="0"/>
-              <a:t>: </a:t>
-            </a:r>
-            <a:r>
-              <a:rPr lang="en-US" sz="2400" b="1" dirty="0"/>
-              <a:t>enumeration</a:t>
-            </a:r>
-            <a:r>
-              <a:rPr lang="en-US" sz="2400" dirty="0"/>
-              <a:t> [0,...,K]</a:t>
-            </a:r>
-          </a:p>
-          <a:p>
-            <a:r>
-              <a:rPr lang="en-US" sz="2400" dirty="0"/>
-              <a:t>  </a:t>
-            </a:r>
-            <a:r>
-              <a:rPr lang="en-US" sz="2400" b="1" dirty="0"/>
-              <a:t>actions</a:t>
-            </a:r>
-          </a:p>
-          <a:p>
-            <a:r>
-              <a:rPr lang="en-US" sz="2400" dirty="0"/>
-              <a:t>      </a:t>
-            </a:r>
-            <a:r>
-              <a:rPr lang="en-US" sz="2400" dirty="0">
-                <a:solidFill>
-                  <a:srgbClr val="0119FF"/>
-                </a:solidFill>
-              </a:rPr>
-              <a:t>update</a:t>
-            </a:r>
-            <a:r>
-              <a:rPr lang="en-US" sz="2400" dirty="0"/>
-              <a:t>(</a:t>
-            </a:r>
-            <a:r>
-              <a:rPr lang="en-US" sz="2400" dirty="0" err="1"/>
-              <a:t>i:ID</a:t>
-            </a:r>
-            <a:r>
-              <a:rPr lang="en-US" sz="2400" dirty="0"/>
-              <a:t>)</a:t>
-            </a:r>
-          </a:p>
-          <a:p>
-            <a:r>
-              <a:rPr lang="en-US" sz="2400" dirty="0"/>
-              <a:t>  </a:t>
-            </a:r>
-            <a:r>
-              <a:rPr lang="en-US" sz="2400" b="1" dirty="0"/>
-              <a:t>variables</a:t>
-            </a:r>
-          </a:p>
-          <a:p>
-            <a:r>
-              <a:rPr lang="en-US" sz="2400" dirty="0"/>
-              <a:t>      </a:t>
-            </a:r>
-            <a:r>
-              <a:rPr lang="en-US" sz="2400" dirty="0">
-                <a:solidFill>
-                  <a:srgbClr val="0119FF"/>
-                </a:solidFill>
-              </a:rPr>
-              <a:t>x</a:t>
-            </a:r>
-            <a:r>
-              <a:rPr lang="en-US" sz="2400" dirty="0"/>
-              <a:t>:[ID -&gt; K]</a:t>
-            </a:r>
-          </a:p>
-          <a:p>
-            <a:r>
-              <a:rPr lang="en-US" sz="2400" dirty="0"/>
-              <a:t>   </a:t>
-            </a:r>
-            <a:r>
-              <a:rPr lang="en-US" sz="2400" b="1" dirty="0"/>
-              <a:t>transitions</a:t>
-            </a:r>
-          </a:p>
-          <a:p>
-            <a:r>
-              <a:rPr lang="en-US" sz="2400" dirty="0"/>
-              <a:t>      </a:t>
-            </a:r>
-            <a:r>
-              <a:rPr lang="en-US" sz="2400" dirty="0">
-                <a:solidFill>
-                  <a:srgbClr val="0119FF"/>
-                </a:solidFill>
-              </a:rPr>
-              <a:t>update</a:t>
-            </a:r>
-            <a:r>
-              <a:rPr lang="en-US" sz="2400" dirty="0"/>
-              <a:t>(</a:t>
-            </a:r>
-            <a:r>
-              <a:rPr lang="en-US" sz="2400" dirty="0" err="1"/>
-              <a:t>i:ID</a:t>
-            </a:r>
-            <a:r>
-              <a:rPr lang="en-US" sz="2400" dirty="0"/>
-              <a:t>) </a:t>
-            </a:r>
-            <a:r>
-              <a:rPr lang="en-US" sz="2400" b="1" dirty="0"/>
-              <a:t>where</a:t>
-            </a:r>
-            <a:r>
-              <a:rPr lang="en-US" sz="2400" dirty="0"/>
-              <a:t> </a:t>
-            </a:r>
-            <a:r>
-              <a:rPr lang="en-US" sz="2400" dirty="0" err="1"/>
-              <a:t>i</a:t>
-            </a:r>
-            <a:r>
-              <a:rPr lang="en-US" sz="2400" dirty="0"/>
-              <a:t> = 0</a:t>
-            </a:r>
-          </a:p>
-          <a:p>
-            <a:r>
-              <a:rPr lang="en-US" sz="2400" dirty="0"/>
-              <a:t>        </a:t>
-            </a:r>
-            <a:r>
-              <a:rPr lang="en-US" sz="2400" b="1" dirty="0"/>
-              <a:t>pre</a:t>
-            </a:r>
-            <a:r>
-              <a:rPr lang="en-US" sz="2400" dirty="0"/>
-              <a:t> </a:t>
-            </a:r>
-            <a:r>
-              <a:rPr lang="en-US" sz="2400" dirty="0" err="1"/>
-              <a:t>i</a:t>
-            </a:r>
-            <a:r>
-              <a:rPr lang="en-US" sz="2400" dirty="0"/>
-              <a:t> = 0 /\ x[</a:t>
-            </a:r>
-            <a:r>
-              <a:rPr lang="en-US" sz="2400" dirty="0" err="1"/>
-              <a:t>i</a:t>
-            </a:r>
-            <a:r>
-              <a:rPr lang="en-US" sz="2400" dirty="0"/>
-              <a:t>] = x[(i-1)]</a:t>
-            </a:r>
-          </a:p>
-          <a:p>
-            <a:r>
-              <a:rPr lang="en-US" sz="2400" dirty="0"/>
-              <a:t>        </a:t>
-            </a:r>
-            <a:r>
-              <a:rPr lang="en-US" sz="2400" b="1" dirty="0"/>
-              <a:t>eff</a:t>
-            </a:r>
-            <a:r>
-              <a:rPr lang="en-US" sz="2400" dirty="0"/>
-              <a:t> x[</a:t>
-            </a:r>
-            <a:r>
-              <a:rPr lang="en-US" sz="2400" dirty="0" err="1"/>
-              <a:t>i</a:t>
-            </a:r>
-            <a:r>
-              <a:rPr lang="en-US" sz="2400" dirty="0"/>
-              <a:t>] := (x[</a:t>
-            </a:r>
-            <a:r>
-              <a:rPr lang="en-US" sz="2400" dirty="0" err="1"/>
-              <a:t>i</a:t>
-            </a:r>
-            <a:r>
-              <a:rPr lang="en-US" sz="2400" dirty="0"/>
-              <a:t>] + 1) %  K</a:t>
-            </a:r>
-          </a:p>
-          <a:p>
-            <a:r>
-              <a:rPr lang="en-US" sz="2400" dirty="0"/>
-              <a:t>   </a:t>
-            </a:r>
-          </a:p>
-          <a:p>
-            <a:r>
-              <a:rPr lang="en-US" sz="2400" dirty="0"/>
-              <a:t>       </a:t>
-            </a:r>
-            <a:r>
-              <a:rPr lang="en-US" sz="2400" dirty="0">
-                <a:solidFill>
-                  <a:srgbClr val="0119FF"/>
-                </a:solidFill>
-              </a:rPr>
-              <a:t>update</a:t>
-            </a:r>
-            <a:r>
-              <a:rPr lang="en-US" sz="2400" dirty="0"/>
-              <a:t>(</a:t>
-            </a:r>
-            <a:r>
-              <a:rPr lang="en-US" sz="2400" dirty="0" err="1"/>
-              <a:t>i:ID</a:t>
-            </a:r>
-            <a:r>
-              <a:rPr lang="en-US" sz="2400" dirty="0"/>
-              <a:t>)$ </a:t>
-            </a:r>
-            <a:r>
-              <a:rPr lang="en-US" sz="2400" b="1" dirty="0"/>
-              <a:t>where</a:t>
-            </a:r>
-            <a:r>
-              <a:rPr lang="en-US" sz="2400" dirty="0"/>
-              <a:t> </a:t>
-            </a:r>
-          </a:p>
-          <a:p>
-            <a:r>
-              <a:rPr lang="en-US" sz="2400" dirty="0"/>
-              <a:t>         </a:t>
-            </a:r>
-            <a:r>
-              <a:rPr lang="en-US" sz="2400" b="1" dirty="0"/>
-              <a:t>pre</a:t>
-            </a:r>
-            <a:r>
-              <a:rPr lang="en-US" sz="2400" dirty="0"/>
-              <a:t> </a:t>
-            </a:r>
-            <a:r>
-              <a:rPr lang="en-US" sz="2400" dirty="0" err="1"/>
-              <a:t>i</a:t>
-            </a:r>
-            <a:r>
-              <a:rPr lang="en-US" sz="2400" dirty="0"/>
-              <a:t> &gt;0  /\ x[</a:t>
-            </a:r>
-            <a:r>
-              <a:rPr lang="en-US" sz="2400" dirty="0" err="1"/>
-              <a:t>i</a:t>
-            </a:r>
-            <a:r>
-              <a:rPr lang="en-US" sz="2400" dirty="0"/>
-              <a:t>] ~= x[i-1]</a:t>
-            </a:r>
-          </a:p>
-          <a:p>
-            <a:r>
-              <a:rPr lang="en-US" sz="2400" dirty="0"/>
-              <a:t>         </a:t>
-            </a:r>
-            <a:r>
-              <a:rPr lang="en-US" sz="2400" b="1" dirty="0"/>
-              <a:t>eff</a:t>
-            </a:r>
-            <a:r>
-              <a:rPr lang="en-US" sz="2400" dirty="0"/>
-              <a:t> x[</a:t>
-            </a:r>
-            <a:r>
-              <a:rPr lang="en-US" sz="2400" dirty="0" err="1"/>
-              <a:t>i</a:t>
-            </a:r>
-            <a:r>
-              <a:rPr lang="en-US" sz="2400" dirty="0"/>
-              <a:t>] := x[i-1]</a:t>
-            </a:r>
-          </a:p>
-        </p:txBody>
-      </p:sp>
-    </p:spTree>
-    <p:extLst>
-      <p:ext uri="{BB962C8B-B14F-4D97-AF65-F5344CB8AC3E}">
-        <p14:creationId xmlns:p14="http://schemas.microsoft.com/office/powerpoint/2010/main" val="1145801114"/>
-      </p:ext>
-    </p:extLst>
-  </p:cSld>
-  <p:clrMapOvr>
-    <a:masterClrMapping/>
-  </p:clrMapOvr>
+  <p:timing>
+    <p:tnLst>
+      <p:par>
+        <p:cTn id="1" dur="indefinite" restart="never" nodeType="tmRoot">
+          <p:childTnLst>
+            <p:seq concurrent="1" nextAc="seek">
+              <p:cTn id="2" dur="indefinite" nodeType="mainSeq">
+                <p:childTnLst>
+                  <p:par>
+                    <p:cTn id="3" fill="hold">
+                      <p:stCondLst>
+                        <p:cond delay="indefinite"/>
+                      </p:stCondLst>
+                      <p:childTnLst>
+                        <p:par>
+                          <p:cTn id="4" fill="hold">
+                            <p:stCondLst>
+                              <p:cond delay="0"/>
+                            </p:stCondLst>
+                            <p:childTnLst>
+                              <p:par>
+                                <p:cTn id="5" presetID="1" presetClass="entr" presetSubtype="0" fill="hold" nodeType="clickEffect">
+                                  <p:stCondLst>
+                                    <p:cond delay="0"/>
+                                  </p:stCondLst>
+                                  <p:childTnLst>
+                                    <p:set>
+                                      <p:cBhvr>
+                                        <p:cTn id="6" dur="1" fill="hold">
+                                          <p:stCondLst>
+                                            <p:cond delay="0"/>
+                                          </p:stCondLst>
+                                        </p:cTn>
+                                        <p:tgtEl>
+                                          <p:spTgt spid="9"/>
+                                        </p:tgtEl>
+                                        <p:attrNameLst>
+                                          <p:attrName>style.visibility</p:attrName>
+                                        </p:attrNameLst>
+                                      </p:cBhvr>
+                                      <p:to>
+                                        <p:strVal val="visible"/>
+                                      </p:to>
+                                    </p:set>
+                                  </p:childTnLst>
+                                </p:cTn>
+                              </p:par>
+                              <p:par>
+                                <p:cTn id="7" presetID="1" presetClass="entr" presetSubtype="0" fill="hold" nodeType="withEffect">
+                                  <p:stCondLst>
+                                    <p:cond delay="0"/>
+                                  </p:stCondLst>
+                                  <p:childTnLst>
+                                    <p:set>
+                                      <p:cBhvr>
+                                        <p:cTn id="8" dur="1" fill="hold">
+                                          <p:stCondLst>
+                                            <p:cond delay="0"/>
+                                          </p:stCondLst>
+                                        </p:cTn>
+                                        <p:tgtEl>
+                                          <p:spTgt spid="10"/>
+                                        </p:tgtEl>
+                                        <p:attrNameLst>
+                                          <p:attrName>style.visibility</p:attrName>
+                                        </p:attrNameLst>
+                                      </p:cBhvr>
+                                      <p:to>
+                                        <p:strVal val="visible"/>
+                                      </p:to>
+                                    </p:set>
+                                  </p:childTnLst>
+                                </p:cTn>
+                              </p:par>
+                              <p:par>
+                                <p:cTn id="9" presetID="1" presetClass="entr" presetSubtype="0" fill="hold" nodeType="withEffect">
+                                  <p:stCondLst>
+                                    <p:cond delay="0"/>
+                                  </p:stCondLst>
+                                  <p:childTnLst>
+                                    <p:set>
+                                      <p:cBhvr>
+                                        <p:cTn id="10" dur="1" fill="hold">
+                                          <p:stCondLst>
+                                            <p:cond delay="0"/>
+                                          </p:stCondLst>
+                                        </p:cTn>
+                                        <p:tgtEl>
+                                          <p:spTgt spid="11"/>
+                                        </p:tgtEl>
+                                        <p:attrNameLst>
+                                          <p:attrName>style.visibility</p:attrName>
+                                        </p:attrNameLst>
+                                      </p:cBhvr>
+                                      <p:to>
+                                        <p:strVal val="visible"/>
+                                      </p:to>
+                                    </p:set>
+                                  </p:childTnLst>
+                                </p:cTn>
+                              </p:par>
+                              <p:par>
+                                <p:cTn id="11" presetID="1" presetClass="entr" presetSubtype="0" fill="hold" nodeType="withEffect">
+                                  <p:stCondLst>
+                                    <p:cond delay="0"/>
+                                  </p:stCondLst>
+                                  <p:childTnLst>
+                                    <p:set>
+                                      <p:cBhvr>
+                                        <p:cTn id="12" dur="1" fill="hold">
+                                          <p:stCondLst>
+                                            <p:cond delay="0"/>
+                                          </p:stCondLst>
+                                        </p:cTn>
+                                        <p:tgtEl>
+                                          <p:spTgt spid="14"/>
+                                        </p:tgtEl>
+                                        <p:attrNameLst>
+                                          <p:attrName>style.visibility</p:attrName>
+                                        </p:attrNameLst>
+                                      </p:cBhvr>
+                                      <p:to>
+                                        <p:strVal val="visible"/>
+                                      </p:to>
+                                    </p:set>
+                                  </p:childTnLst>
+                                </p:cTn>
+                              </p:par>
+                              <p:par>
+                                <p:cTn id="13" presetID="1" presetClass="entr" presetSubtype="0" fill="hold" nodeType="withEffect">
+                                  <p:stCondLst>
+                                    <p:cond delay="0"/>
+                                  </p:stCondLst>
+                                  <p:childTnLst>
+                                    <p:set>
+                                      <p:cBhvr>
+                                        <p:cTn id="14" dur="1" fill="hold">
+                                          <p:stCondLst>
+                                            <p:cond delay="0"/>
+                                          </p:stCondLst>
+                                        </p:cTn>
+                                        <p:tgtEl>
+                                          <p:spTgt spid="15"/>
+                                        </p:tgtEl>
+                                        <p:attrNameLst>
+                                          <p:attrName>style.visibility</p:attrName>
+                                        </p:attrNameLst>
+                                      </p:cBhvr>
+                                      <p:to>
+                                        <p:strVal val="visible"/>
+                                      </p:to>
+                                    </p:set>
+                                  </p:childTnLst>
+                                </p:cTn>
+                              </p:par>
+                              <p:par>
+                                <p:cTn id="15" presetID="1" presetClass="entr" presetSubtype="0" fill="hold" grpId="0" nodeType="withEffect">
+                                  <p:stCondLst>
+                                    <p:cond delay="0"/>
+                                  </p:stCondLst>
+                                  <p:childTnLst>
+                                    <p:set>
+                                      <p:cBhvr>
+                                        <p:cTn id="16" dur="1" fill="hold">
+                                          <p:stCondLst>
+                                            <p:cond delay="0"/>
+                                          </p:stCondLst>
+                                        </p:cTn>
+                                        <p:tgtEl>
+                                          <p:spTgt spid="16"/>
+                                        </p:tgtEl>
+                                        <p:attrNameLst>
+                                          <p:attrName>style.visibility</p:attrName>
+                                        </p:attrNameLst>
+                                      </p:cBhvr>
+                                      <p:to>
+                                        <p:strVal val="visible"/>
+                                      </p:to>
+                                    </p:set>
+                                  </p:childTnLst>
+                                </p:cTn>
+                              </p:par>
+                            </p:childTnLst>
+                          </p:cTn>
+                        </p:par>
+                      </p:childTnLst>
+                    </p:cTn>
+                  </p:par>
+                </p:childTnLst>
+              </p:cTn>
+              <p:prevCondLst>
+                <p:cond evt="onPrev" delay="0">
+                  <p:tgtEl>
+                    <p:sldTgt/>
+                  </p:tgtEl>
+                </p:cond>
+              </p:prevCondLst>
+              <p:nextCondLst>
+                <p:cond evt="onNext" delay="0">
+                  <p:tgtEl>
+                    <p:sldTgt/>
+                  </p:tgtEl>
+                </p:cond>
+              </p:nextCondLst>
+            </p:seq>
+          </p:childTnLst>
+        </p:cTn>
+      </p:par>
+    </p:tnLst>
+    <p:bldLst>
+      <p:bldP spid="16" grpId="0"/>
+    </p:bldLst>
+  </p:timing>
 </p:sld>
 </file>
 
